--- a/EDU GRAPH-API Demo Script.pptx
+++ b/EDU GRAPH-API Demo Script.pptx
@@ -7,10 +7,10 @@
     <p:sldMasterId id="2147484307" r:id="rId6"/>
   </p:sldMasterIdLst>
   <p:notesMasterIdLst>
-    <p:notesMasterId r:id="rId49"/>
+    <p:notesMasterId r:id="rId57"/>
   </p:notesMasterIdLst>
   <p:handoutMasterIdLst>
-    <p:handoutMasterId r:id="rId50"/>
+    <p:handoutMasterId r:id="rId58"/>
   </p:handoutMasterIdLst>
   <p:sldIdLst>
     <p:sldId id="258" r:id="rId7"/>
@@ -19,42 +19,50 @@
     <p:sldId id="335" r:id="rId10"/>
     <p:sldId id="302" r:id="rId11"/>
     <p:sldId id="303" r:id="rId12"/>
-    <p:sldId id="304" r:id="rId13"/>
-    <p:sldId id="305" r:id="rId14"/>
-    <p:sldId id="306" r:id="rId15"/>
-    <p:sldId id="337" r:id="rId16"/>
-    <p:sldId id="307" r:id="rId17"/>
-    <p:sldId id="334" r:id="rId18"/>
-    <p:sldId id="336" r:id="rId19"/>
-    <p:sldId id="308" r:id="rId20"/>
-    <p:sldId id="309" r:id="rId21"/>
-    <p:sldId id="310" r:id="rId22"/>
-    <p:sldId id="311" r:id="rId23"/>
-    <p:sldId id="338" r:id="rId24"/>
-    <p:sldId id="339" r:id="rId25"/>
-    <p:sldId id="312" r:id="rId26"/>
-    <p:sldId id="333" r:id="rId27"/>
-    <p:sldId id="313" r:id="rId28"/>
-    <p:sldId id="314" r:id="rId29"/>
-    <p:sldId id="315" r:id="rId30"/>
-    <p:sldId id="316" r:id="rId31"/>
-    <p:sldId id="340" r:id="rId32"/>
-    <p:sldId id="341" r:id="rId33"/>
-    <p:sldId id="317" r:id="rId34"/>
-    <p:sldId id="318" r:id="rId35"/>
-    <p:sldId id="319" r:id="rId36"/>
-    <p:sldId id="320" r:id="rId37"/>
-    <p:sldId id="321" r:id="rId38"/>
-    <p:sldId id="322" r:id="rId39"/>
-    <p:sldId id="323" r:id="rId40"/>
-    <p:sldId id="324" r:id="rId41"/>
-    <p:sldId id="325" r:id="rId42"/>
-    <p:sldId id="326" r:id="rId43"/>
-    <p:sldId id="331" r:id="rId44"/>
-    <p:sldId id="328" r:id="rId45"/>
-    <p:sldId id="329" r:id="rId46"/>
-    <p:sldId id="330" r:id="rId47"/>
-    <p:sldId id="332" r:id="rId48"/>
+    <p:sldId id="351" r:id="rId13"/>
+    <p:sldId id="304" r:id="rId14"/>
+    <p:sldId id="344" r:id="rId15"/>
+    <p:sldId id="345" r:id="rId16"/>
+    <p:sldId id="305" r:id="rId17"/>
+    <p:sldId id="337" r:id="rId18"/>
+    <p:sldId id="306" r:id="rId19"/>
+    <p:sldId id="307" r:id="rId20"/>
+    <p:sldId id="334" r:id="rId21"/>
+    <p:sldId id="336" r:id="rId22"/>
+    <p:sldId id="308" r:id="rId23"/>
+    <p:sldId id="309" r:id="rId24"/>
+    <p:sldId id="311" r:id="rId25"/>
+    <p:sldId id="338" r:id="rId26"/>
+    <p:sldId id="339" r:id="rId27"/>
+    <p:sldId id="312" r:id="rId28"/>
+    <p:sldId id="333" r:id="rId29"/>
+    <p:sldId id="313" r:id="rId30"/>
+    <p:sldId id="314" r:id="rId31"/>
+    <p:sldId id="315" r:id="rId32"/>
+    <p:sldId id="316" r:id="rId33"/>
+    <p:sldId id="340" r:id="rId34"/>
+    <p:sldId id="341" r:id="rId35"/>
+    <p:sldId id="317" r:id="rId36"/>
+    <p:sldId id="318" r:id="rId37"/>
+    <p:sldId id="319" r:id="rId38"/>
+    <p:sldId id="320" r:id="rId39"/>
+    <p:sldId id="321" r:id="rId40"/>
+    <p:sldId id="322" r:id="rId41"/>
+    <p:sldId id="323" r:id="rId42"/>
+    <p:sldId id="342" r:id="rId43"/>
+    <p:sldId id="343" r:id="rId44"/>
+    <p:sldId id="349" r:id="rId45"/>
+    <p:sldId id="350" r:id="rId46"/>
+    <p:sldId id="347" r:id="rId47"/>
+    <p:sldId id="348" r:id="rId48"/>
+    <p:sldId id="324" r:id="rId49"/>
+    <p:sldId id="325" r:id="rId50"/>
+    <p:sldId id="326" r:id="rId51"/>
+    <p:sldId id="331" r:id="rId52"/>
+    <p:sldId id="328" r:id="rId53"/>
+    <p:sldId id="329" r:id="rId54"/>
+    <p:sldId id="330" r:id="rId55"/>
+    <p:sldId id="332" r:id="rId56"/>
   </p:sldIdLst>
   <p:sldSz cx="12436475" cy="6994525"/>
   <p:notesSz cx="6858000" cy="9144000"/>
@@ -168,10 +176,13 @@
             <p14:sldId id="335"/>
             <p14:sldId id="302"/>
             <p14:sldId id="303"/>
+            <p14:sldId id="351"/>
             <p14:sldId id="304"/>
+            <p14:sldId id="344"/>
+            <p14:sldId id="345"/>
             <p14:sldId id="305"/>
+            <p14:sldId id="337"/>
             <p14:sldId id="306"/>
-            <p14:sldId id="337"/>
           </p14:sldIdLst>
         </p14:section>
         <p14:section name="Local Login Authentication Flow" id="{25416694-119D-4363-B320-6A7BB1A3E3D2}">
@@ -181,7 +192,6 @@
             <p14:sldId id="336"/>
             <p14:sldId id="308"/>
             <p14:sldId id="309"/>
-            <p14:sldId id="310"/>
             <p14:sldId id="311"/>
             <p14:sldId id="338"/>
             <p14:sldId id="339"/>
@@ -216,6 +226,20 @@
           <p14:sldIdLst>
             <p14:sldId id="322"/>
             <p14:sldId id="323"/>
+            <p14:sldId id="342"/>
+            <p14:sldId id="343"/>
+          </p14:sldIdLst>
+        </p14:section>
+        <p14:section name="Teachers/Students" id="{AEBB7434-39FE-44DA-9126-E46760E6BB80}">
+          <p14:sldIdLst>
+            <p14:sldId id="349"/>
+            <p14:sldId id="350"/>
+          </p14:sldIdLst>
+        </p14:section>
+        <p14:section name="Demo Helper" id="{4E7ABD03-156A-423B-8919-765633C8C604}">
+          <p14:sldIdLst>
+            <p14:sldId id="347"/>
+            <p14:sldId id="348"/>
           </p14:sldIdLst>
         </p14:section>
         <p14:section name="Sync Data With Web Job" id="{52C44756-F222-4E35-BC90-DF52BC5FAB49}">
@@ -348,7 +372,7 @@
               <a:rPr lang="en-US" smtClean="0">
                 <a:latin typeface="Segoe UI" pitchFamily="34" charset="0"/>
               </a:rPr>
-              <a:t>11/24/2016 11:23 AM</a:t>
+              <a:t>12/12/2016 6:37 PM</a:t>
             </a:fld>
             <a:endParaRPr lang="en-US" dirty="0">
               <a:latin typeface="Segoe UI" pitchFamily="34" charset="0"/>
@@ -631,7 +655,7 @@
           <a:p>
             <a:fld id="{38EEC551-8CDA-4EB6-89BB-2A86C9F091C8}" type="datetime8">
               <a:rPr lang="en-US" smtClean="0"/>
-              <a:t>11/24/2016 11:23 AM</a:t>
+              <a:t>12/12/2016 6:37 PM</a:t>
             </a:fld>
             <a:endParaRPr lang="en-US" dirty="0"/>
           </a:p>
@@ -995,7 +1019,7 @@
           <a:p>
             <a:fld id="{C6996B83-60CF-42A8-BA06-F99D0BEC30B3}" type="datetime1">
               <a:rPr lang="en-US" smtClean="0"/>
-              <a:t>11/24/2016</a:t>
+              <a:t>12/12/2016</a:t>
             </a:fld>
             <a:endParaRPr lang="en-US" dirty="0"/>
           </a:p>
@@ -1110,12 +1134,43 @@
       </p:sp>
       <p:sp>
         <p:nvSpPr>
-          <p:cNvPr id="4" name="Footer Placeholder 3"/>
-          <p:cNvSpPr>
-            <a:spLocks noGrp="1"/>
-          </p:cNvSpPr>
-          <p:nvPr>
-            <p:ph type="ftr" sz="quarter" idx="10"/>
+          <p:cNvPr id="4" name="Header Placeholder 3"/>
+          <p:cNvSpPr>
+            <a:spLocks noGrp="1"/>
+          </p:cNvSpPr>
+          <p:nvPr>
+            <p:ph type="hdr" sz="quarter" idx="10"/>
+          </p:nvPr>
+        </p:nvSpPr>
+        <p:spPr/>
+        <p:txBody>
+          <a:bodyPr/>
+          <a:lstStyle/>
+          <a:p>
+            <a:r>
+              <a:rPr lang="en-US">
+                <a:solidFill>
+                  <a:prstClr val="black"/>
+                </a:solidFill>
+              </a:rPr>
+              <a:t>Build 2014</a:t>
+            </a:r>
+            <a:endParaRPr lang="en-US" dirty="0">
+              <a:solidFill>
+                <a:prstClr val="black"/>
+              </a:solidFill>
+            </a:endParaRPr>
+          </a:p>
+        </p:txBody>
+      </p:sp>
+      <p:sp>
+        <p:nvSpPr>
+          <p:cNvPr id="5" name="Footer Placeholder 4"/>
+          <p:cNvSpPr>
+            <a:spLocks noGrp="1"/>
+          </p:cNvSpPr>
+          <p:nvPr>
+            <p:ph type="ftr" sz="quarter" idx="11"/>
           </p:nvPr>
         </p:nvSpPr>
         <p:spPr/>
@@ -1164,27 +1219,27 @@
       </p:sp>
       <p:sp>
         <p:nvSpPr>
-          <p:cNvPr id="5" name="Date Placeholder 4"/>
-          <p:cNvSpPr>
-            <a:spLocks noGrp="1"/>
-          </p:cNvSpPr>
-          <p:nvPr>
-            <p:ph type="dt" idx="11"/>
-          </p:nvPr>
-        </p:nvSpPr>
-        <p:spPr/>
-        <p:txBody>
-          <a:bodyPr/>
-          <a:lstStyle/>
-          <a:p>
-            <a:fld id="{FCF63DAE-D37E-4C44-BD81-0E251F1BE300}" type="datetime1">
+          <p:cNvPr id="6" name="Date Placeholder 5"/>
+          <p:cNvSpPr>
+            <a:spLocks noGrp="1"/>
+          </p:cNvSpPr>
+          <p:nvPr>
+            <p:ph type="dt" idx="12"/>
+          </p:nvPr>
+        </p:nvSpPr>
+        <p:spPr/>
+        <p:txBody>
+          <a:bodyPr/>
+          <a:lstStyle/>
+          <a:p>
+            <a:fld id="{9F00D60D-1703-4D24-8308-FEE06A50A69C}" type="datetime1">
               <a:rPr lang="en-US" smtClean="0">
                 <a:solidFill>
                   <a:prstClr val="black"/>
                 </a:solidFill>
               </a:rPr>
               <a:pPr/>
-              <a:t>11/24/2016</a:t>
+              <a:t>12/12/2016</a:t>
             </a:fld>
             <a:endParaRPr lang="en-US" dirty="0">
               <a:solidFill>
@@ -1196,12 +1251,12 @@
       </p:sp>
       <p:sp>
         <p:nvSpPr>
-          <p:cNvPr id="6" name="Slide Number Placeholder 5"/>
-          <p:cNvSpPr>
-            <a:spLocks noGrp="1"/>
-          </p:cNvSpPr>
-          <p:nvPr>
-            <p:ph type="sldNum" sz="quarter" idx="12"/>
+          <p:cNvPr id="7" name="Slide Number Placeholder 6"/>
+          <p:cNvSpPr>
+            <a:spLocks noGrp="1"/>
+          </p:cNvSpPr>
+          <p:nvPr>
+            <p:ph type="sldNum" sz="quarter" idx="13"/>
           </p:nvPr>
         </p:nvSpPr>
         <p:spPr/>
@@ -1226,41 +1281,10 @@
           </a:p>
         </p:txBody>
       </p:sp>
-      <p:sp>
-        <p:nvSpPr>
-          <p:cNvPr id="7" name="Header Placeholder 6"/>
-          <p:cNvSpPr>
-            <a:spLocks noGrp="1"/>
-          </p:cNvSpPr>
-          <p:nvPr>
-            <p:ph type="hdr" sz="quarter" idx="13"/>
-          </p:nvPr>
-        </p:nvSpPr>
-        <p:spPr/>
-        <p:txBody>
-          <a:bodyPr/>
-          <a:lstStyle/>
-          <a:p>
-            <a:r>
-              <a:rPr lang="en-US">
-                <a:solidFill>
-                  <a:prstClr val="black"/>
-                </a:solidFill>
-              </a:rPr>
-              <a:t>Build 2014</a:t>
-            </a:r>
-            <a:endParaRPr lang="en-US" dirty="0">
-              <a:solidFill>
-                <a:prstClr val="black"/>
-              </a:solidFill>
-            </a:endParaRPr>
-          </a:p>
-        </p:txBody>
-      </p:sp>
     </p:spTree>
     <p:extLst>
       <p:ext uri="{BB962C8B-B14F-4D97-AF65-F5344CB8AC3E}">
-        <p14:creationId xmlns:p14="http://schemas.microsoft.com/office/powerpoint/2010/main" val="1796512126"/>
+        <p14:creationId xmlns:p14="http://schemas.microsoft.com/office/powerpoint/2010/main" val="1597269258"/>
       </p:ext>
     </p:extLst>
   </p:cSld>
@@ -1425,7 +1449,7 @@
                 </a:solidFill>
               </a:rPr>
               <a:pPr/>
-              <a:t>11/24/2016</a:t>
+              <a:t>12/12/2016</a:t>
             </a:fld>
             <a:endParaRPr lang="en-US" dirty="0">
               <a:solidFill>
@@ -1457,7 +1481,7 @@
                 </a:solidFill>
               </a:rPr>
               <a:pPr/>
-              <a:t>13</a:t>
+              <a:t>12</a:t>
             </a:fld>
             <a:endParaRPr lang="en-US" dirty="0">
               <a:solidFill>
@@ -1470,7 +1494,7 @@
     </p:spTree>
     <p:extLst>
       <p:ext uri="{BB962C8B-B14F-4D97-AF65-F5344CB8AC3E}">
-        <p14:creationId xmlns:p14="http://schemas.microsoft.com/office/powerpoint/2010/main" val="1767268135"/>
+        <p14:creationId xmlns:p14="http://schemas.microsoft.com/office/powerpoint/2010/main" val="2026973576"/>
       </p:ext>
     </p:extLst>
   </p:cSld>
@@ -1635,7 +1659,7 @@
                 </a:solidFill>
               </a:rPr>
               <a:pPr/>
-              <a:t>11/24/2016</a:t>
+              <a:t>12/12/2016</a:t>
             </a:fld>
             <a:endParaRPr lang="en-US" dirty="0">
               <a:solidFill>
@@ -1667,7 +1691,7 @@
                 </a:solidFill>
               </a:rPr>
               <a:pPr/>
-              <a:t>14</a:t>
+              <a:t>13</a:t>
             </a:fld>
             <a:endParaRPr lang="en-US" dirty="0">
               <a:solidFill>
@@ -1680,7 +1704,7 @@
     </p:spTree>
     <p:extLst>
       <p:ext uri="{BB962C8B-B14F-4D97-AF65-F5344CB8AC3E}">
-        <p14:creationId xmlns:p14="http://schemas.microsoft.com/office/powerpoint/2010/main" val="2079953536"/>
+        <p14:creationId xmlns:p14="http://schemas.microsoft.com/office/powerpoint/2010/main" val="2608144558"/>
       </p:ext>
     </p:extLst>
   </p:cSld>
@@ -1740,43 +1764,12 @@
       </p:sp>
       <p:sp>
         <p:nvSpPr>
-          <p:cNvPr id="4" name="Header Placeholder 3"/>
-          <p:cNvSpPr>
-            <a:spLocks noGrp="1"/>
-          </p:cNvSpPr>
-          <p:nvPr>
-            <p:ph type="hdr" sz="quarter" idx="10"/>
-          </p:nvPr>
-        </p:nvSpPr>
-        <p:spPr/>
-        <p:txBody>
-          <a:bodyPr/>
-          <a:lstStyle/>
-          <a:p>
-            <a:r>
-              <a:rPr lang="en-US">
-                <a:solidFill>
-                  <a:prstClr val="black"/>
-                </a:solidFill>
-              </a:rPr>
-              <a:t>Build 2014</a:t>
-            </a:r>
-            <a:endParaRPr lang="en-US" dirty="0">
-              <a:solidFill>
-                <a:prstClr val="black"/>
-              </a:solidFill>
-            </a:endParaRPr>
-          </a:p>
-        </p:txBody>
-      </p:sp>
-      <p:sp>
-        <p:nvSpPr>
-          <p:cNvPr id="5" name="Footer Placeholder 4"/>
-          <p:cNvSpPr>
-            <a:spLocks noGrp="1"/>
-          </p:cNvSpPr>
-          <p:nvPr>
-            <p:ph type="ftr" sz="quarter" idx="11"/>
+          <p:cNvPr id="4" name="Footer Placeholder 3"/>
+          <p:cNvSpPr>
+            <a:spLocks noGrp="1"/>
+          </p:cNvSpPr>
+          <p:nvPr>
+            <p:ph type="ftr" sz="quarter" idx="10"/>
           </p:nvPr>
         </p:nvSpPr>
         <p:spPr/>
@@ -1825,27 +1818,27 @@
       </p:sp>
       <p:sp>
         <p:nvSpPr>
-          <p:cNvPr id="6" name="Date Placeholder 5"/>
-          <p:cNvSpPr>
-            <a:spLocks noGrp="1"/>
-          </p:cNvSpPr>
-          <p:nvPr>
-            <p:ph type="dt" idx="12"/>
-          </p:nvPr>
-        </p:nvSpPr>
-        <p:spPr/>
-        <p:txBody>
-          <a:bodyPr/>
-          <a:lstStyle/>
-          <a:p>
-            <a:fld id="{9F00D60D-1703-4D24-8308-FEE06A50A69C}" type="datetime1">
+          <p:cNvPr id="5" name="Date Placeholder 4"/>
+          <p:cNvSpPr>
+            <a:spLocks noGrp="1"/>
+          </p:cNvSpPr>
+          <p:nvPr>
+            <p:ph type="dt" idx="11"/>
+          </p:nvPr>
+        </p:nvSpPr>
+        <p:spPr/>
+        <p:txBody>
+          <a:bodyPr/>
+          <a:lstStyle/>
+          <a:p>
+            <a:fld id="{FCF63DAE-D37E-4C44-BD81-0E251F1BE300}" type="datetime1">
               <a:rPr lang="en-US" smtClean="0">
                 <a:solidFill>
                   <a:prstClr val="black"/>
                 </a:solidFill>
               </a:rPr>
               <a:pPr/>
-              <a:t>11/24/2016</a:t>
+              <a:t>12/12/2016</a:t>
             </a:fld>
             <a:endParaRPr lang="en-US" dirty="0">
               <a:solidFill>
@@ -1857,12 +1850,12 @@
       </p:sp>
       <p:sp>
         <p:nvSpPr>
-          <p:cNvPr id="7" name="Slide Number Placeholder 6"/>
-          <p:cNvSpPr>
-            <a:spLocks noGrp="1"/>
-          </p:cNvSpPr>
-          <p:nvPr>
-            <p:ph type="sldNum" sz="quarter" idx="13"/>
+          <p:cNvPr id="6" name="Slide Number Placeholder 5"/>
+          <p:cNvSpPr>
+            <a:spLocks noGrp="1"/>
+          </p:cNvSpPr>
+          <p:nvPr>
+            <p:ph type="sldNum" sz="quarter" idx="12"/>
           </p:nvPr>
         </p:nvSpPr>
         <p:spPr/>
@@ -1877,7 +1870,7 @@
                 </a:solidFill>
               </a:rPr>
               <a:pPr/>
-              <a:t>15</a:t>
+              <a:t>14</a:t>
             </a:fld>
             <a:endParaRPr lang="en-US" dirty="0">
               <a:solidFill>
@@ -1887,10 +1880,41 @@
           </a:p>
         </p:txBody>
       </p:sp>
+      <p:sp>
+        <p:nvSpPr>
+          <p:cNvPr id="7" name="Header Placeholder 6"/>
+          <p:cNvSpPr>
+            <a:spLocks noGrp="1"/>
+          </p:cNvSpPr>
+          <p:nvPr>
+            <p:ph type="hdr" sz="quarter" idx="13"/>
+          </p:nvPr>
+        </p:nvSpPr>
+        <p:spPr/>
+        <p:txBody>
+          <a:bodyPr/>
+          <a:lstStyle/>
+          <a:p>
+            <a:r>
+              <a:rPr lang="en-US">
+                <a:solidFill>
+                  <a:prstClr val="black"/>
+                </a:solidFill>
+              </a:rPr>
+              <a:t>Build 2014</a:t>
+            </a:r>
+            <a:endParaRPr lang="en-US" dirty="0">
+              <a:solidFill>
+                <a:prstClr val="black"/>
+              </a:solidFill>
+            </a:endParaRPr>
+          </a:p>
+        </p:txBody>
+      </p:sp>
     </p:spTree>
     <p:extLst>
       <p:ext uri="{BB962C8B-B14F-4D97-AF65-F5344CB8AC3E}">
-        <p14:creationId xmlns:p14="http://schemas.microsoft.com/office/powerpoint/2010/main" val="2160785054"/>
+        <p14:creationId xmlns:p14="http://schemas.microsoft.com/office/powerpoint/2010/main" val="1796512126"/>
       </p:ext>
     </p:extLst>
   </p:cSld>
@@ -2055,7 +2079,7 @@
                 </a:solidFill>
               </a:rPr>
               <a:pPr/>
-              <a:t>11/24/2016</a:t>
+              <a:t>12/12/2016</a:t>
             </a:fld>
             <a:endParaRPr lang="en-US" dirty="0">
               <a:solidFill>
@@ -2100,7 +2124,7 @@
     </p:spTree>
     <p:extLst>
       <p:ext uri="{BB962C8B-B14F-4D97-AF65-F5344CB8AC3E}">
-        <p14:creationId xmlns:p14="http://schemas.microsoft.com/office/powerpoint/2010/main" val="3066942155"/>
+        <p14:creationId xmlns:p14="http://schemas.microsoft.com/office/powerpoint/2010/main" val="1767268135"/>
       </p:ext>
     </p:extLst>
   </p:cSld>
@@ -2265,7 +2289,7 @@
                 </a:solidFill>
               </a:rPr>
               <a:pPr/>
-              <a:t>11/24/2016</a:t>
+              <a:t>12/12/2016</a:t>
             </a:fld>
             <a:endParaRPr lang="en-US" dirty="0">
               <a:solidFill>
@@ -2310,7 +2334,7 @@
     </p:spTree>
     <p:extLst>
       <p:ext uri="{BB962C8B-B14F-4D97-AF65-F5344CB8AC3E}">
-        <p14:creationId xmlns:p14="http://schemas.microsoft.com/office/powerpoint/2010/main" val="2499110562"/>
+        <p14:creationId xmlns:p14="http://schemas.microsoft.com/office/powerpoint/2010/main" val="2079953536"/>
       </p:ext>
     </p:extLst>
   </p:cSld>
@@ -2475,7 +2499,7 @@
                 </a:solidFill>
               </a:rPr>
               <a:pPr/>
-              <a:t>11/24/2016</a:t>
+              <a:t>12/12/2016</a:t>
             </a:fld>
             <a:endParaRPr lang="en-US" dirty="0">
               <a:solidFill>
@@ -2520,7 +2544,7 @@
     </p:spTree>
     <p:extLst>
       <p:ext uri="{BB962C8B-B14F-4D97-AF65-F5344CB8AC3E}">
-        <p14:creationId xmlns:p14="http://schemas.microsoft.com/office/powerpoint/2010/main" val="3533442395"/>
+        <p14:creationId xmlns:p14="http://schemas.microsoft.com/office/powerpoint/2010/main" val="2160785054"/>
       </p:ext>
     </p:extLst>
   </p:cSld>
@@ -2685,7 +2709,7 @@
                 </a:solidFill>
               </a:rPr>
               <a:pPr/>
-              <a:t>11/24/2016</a:t>
+              <a:t>12/12/2016</a:t>
             </a:fld>
             <a:endParaRPr lang="en-US" dirty="0">
               <a:solidFill>
@@ -2730,7 +2754,7 @@
     </p:spTree>
     <p:extLst>
       <p:ext uri="{BB962C8B-B14F-4D97-AF65-F5344CB8AC3E}">
-        <p14:creationId xmlns:p14="http://schemas.microsoft.com/office/powerpoint/2010/main" val="1459406460"/>
+        <p14:creationId xmlns:p14="http://schemas.microsoft.com/office/powerpoint/2010/main" val="2499110562"/>
       </p:ext>
     </p:extLst>
   </p:cSld>
@@ -2790,12 +2814,43 @@
       </p:sp>
       <p:sp>
         <p:nvSpPr>
-          <p:cNvPr id="4" name="Footer Placeholder 3"/>
-          <p:cNvSpPr>
-            <a:spLocks noGrp="1"/>
-          </p:cNvSpPr>
-          <p:nvPr>
-            <p:ph type="ftr" sz="quarter" idx="10"/>
+          <p:cNvPr id="4" name="Header Placeholder 3"/>
+          <p:cNvSpPr>
+            <a:spLocks noGrp="1"/>
+          </p:cNvSpPr>
+          <p:nvPr>
+            <p:ph type="hdr" sz="quarter" idx="10"/>
+          </p:nvPr>
+        </p:nvSpPr>
+        <p:spPr/>
+        <p:txBody>
+          <a:bodyPr/>
+          <a:lstStyle/>
+          <a:p>
+            <a:r>
+              <a:rPr lang="en-US">
+                <a:solidFill>
+                  <a:prstClr val="black"/>
+                </a:solidFill>
+              </a:rPr>
+              <a:t>Build 2014</a:t>
+            </a:r>
+            <a:endParaRPr lang="en-US" dirty="0">
+              <a:solidFill>
+                <a:prstClr val="black"/>
+              </a:solidFill>
+            </a:endParaRPr>
+          </a:p>
+        </p:txBody>
+      </p:sp>
+      <p:sp>
+        <p:nvSpPr>
+          <p:cNvPr id="5" name="Footer Placeholder 4"/>
+          <p:cNvSpPr>
+            <a:spLocks noGrp="1"/>
+          </p:cNvSpPr>
+          <p:nvPr>
+            <p:ph type="ftr" sz="quarter" idx="11"/>
           </p:nvPr>
         </p:nvSpPr>
         <p:spPr/>
@@ -2844,27 +2899,27 @@
       </p:sp>
       <p:sp>
         <p:nvSpPr>
-          <p:cNvPr id="5" name="Date Placeholder 4"/>
-          <p:cNvSpPr>
-            <a:spLocks noGrp="1"/>
-          </p:cNvSpPr>
-          <p:nvPr>
-            <p:ph type="dt" idx="11"/>
-          </p:nvPr>
-        </p:nvSpPr>
-        <p:spPr/>
-        <p:txBody>
-          <a:bodyPr/>
-          <a:lstStyle/>
-          <a:p>
-            <a:fld id="{FCF63DAE-D37E-4C44-BD81-0E251F1BE300}" type="datetime1">
+          <p:cNvPr id="6" name="Date Placeholder 5"/>
+          <p:cNvSpPr>
+            <a:spLocks noGrp="1"/>
+          </p:cNvSpPr>
+          <p:nvPr>
+            <p:ph type="dt" idx="12"/>
+          </p:nvPr>
+        </p:nvSpPr>
+        <p:spPr/>
+        <p:txBody>
+          <a:bodyPr/>
+          <a:lstStyle/>
+          <a:p>
+            <a:fld id="{9F00D60D-1703-4D24-8308-FEE06A50A69C}" type="datetime1">
               <a:rPr lang="en-US" smtClean="0">
                 <a:solidFill>
                   <a:prstClr val="black"/>
                 </a:solidFill>
               </a:rPr>
               <a:pPr/>
-              <a:t>11/24/2016</a:t>
+              <a:t>12/12/2016</a:t>
             </a:fld>
             <a:endParaRPr lang="en-US" dirty="0">
               <a:solidFill>
@@ -2876,12 +2931,12 @@
       </p:sp>
       <p:sp>
         <p:nvSpPr>
-          <p:cNvPr id="6" name="Slide Number Placeholder 5"/>
-          <p:cNvSpPr>
-            <a:spLocks noGrp="1"/>
-          </p:cNvSpPr>
-          <p:nvPr>
-            <p:ph type="sldNum" sz="quarter" idx="12"/>
+          <p:cNvPr id="7" name="Slide Number Placeholder 6"/>
+          <p:cNvSpPr>
+            <a:spLocks noGrp="1"/>
+          </p:cNvSpPr>
+          <p:nvPr>
+            <p:ph type="sldNum" sz="quarter" idx="13"/>
           </p:nvPr>
         </p:nvSpPr>
         <p:spPr/>
@@ -2906,41 +2961,10 @@
           </a:p>
         </p:txBody>
       </p:sp>
-      <p:sp>
-        <p:nvSpPr>
-          <p:cNvPr id="7" name="Header Placeholder 6"/>
-          <p:cNvSpPr>
-            <a:spLocks noGrp="1"/>
-          </p:cNvSpPr>
-          <p:nvPr>
-            <p:ph type="hdr" sz="quarter" idx="13"/>
-          </p:nvPr>
-        </p:nvSpPr>
-        <p:spPr/>
-        <p:txBody>
-          <a:bodyPr/>
-          <a:lstStyle/>
-          <a:p>
-            <a:r>
-              <a:rPr lang="en-US">
-                <a:solidFill>
-                  <a:prstClr val="black"/>
-                </a:solidFill>
-              </a:rPr>
-              <a:t>Build 2014</a:t>
-            </a:r>
-            <a:endParaRPr lang="en-US" dirty="0">
-              <a:solidFill>
-                <a:prstClr val="black"/>
-              </a:solidFill>
-            </a:endParaRPr>
-          </a:p>
-        </p:txBody>
-      </p:sp>
     </p:spTree>
     <p:extLst>
       <p:ext uri="{BB962C8B-B14F-4D97-AF65-F5344CB8AC3E}">
-        <p14:creationId xmlns:p14="http://schemas.microsoft.com/office/powerpoint/2010/main" val="2327117907"/>
+        <p14:creationId xmlns:p14="http://schemas.microsoft.com/office/powerpoint/2010/main" val="3533442395"/>
       </p:ext>
     </p:extLst>
   </p:cSld>
@@ -3105,7 +3129,7 @@
                 </a:solidFill>
               </a:rPr>
               <a:pPr/>
-              <a:t>11/24/2016</a:t>
+              <a:t>12/12/2016</a:t>
             </a:fld>
             <a:endParaRPr lang="en-US" dirty="0">
               <a:solidFill>
@@ -3137,7 +3161,7 @@
                 </a:solidFill>
               </a:rPr>
               <a:pPr/>
-              <a:t>22</a:t>
+              <a:t>21</a:t>
             </a:fld>
             <a:endParaRPr lang="en-US" dirty="0">
               <a:solidFill>
@@ -3150,7 +3174,7 @@
     </p:spTree>
     <p:extLst>
       <p:ext uri="{BB962C8B-B14F-4D97-AF65-F5344CB8AC3E}">
-        <p14:creationId xmlns:p14="http://schemas.microsoft.com/office/powerpoint/2010/main" val="2934531598"/>
+        <p14:creationId xmlns:p14="http://schemas.microsoft.com/office/powerpoint/2010/main" val="1459406460"/>
       </p:ext>
     </p:extLst>
   </p:cSld>
@@ -3279,7 +3303,7 @@
           <a:p>
             <a:fld id="{B079C3B8-7366-4A44-A34B-3977080C19E7}" type="datetime1">
               <a:rPr lang="en-US" smtClean="0"/>
-              <a:t>11/24/2016</a:t>
+              <a:t>12/12/2016</a:t>
             </a:fld>
             <a:endParaRPr lang="en-US" dirty="0"/>
           </a:p>
@@ -3395,43 +3419,12 @@
       </p:sp>
       <p:sp>
         <p:nvSpPr>
-          <p:cNvPr id="4" name="Header Placeholder 3"/>
-          <p:cNvSpPr>
-            <a:spLocks noGrp="1"/>
-          </p:cNvSpPr>
-          <p:nvPr>
-            <p:ph type="hdr" sz="quarter" idx="10"/>
-          </p:nvPr>
-        </p:nvSpPr>
-        <p:spPr/>
-        <p:txBody>
-          <a:bodyPr/>
-          <a:lstStyle/>
-          <a:p>
-            <a:r>
-              <a:rPr lang="en-US">
-                <a:solidFill>
-                  <a:prstClr val="black"/>
-                </a:solidFill>
-              </a:rPr>
-              <a:t>Build 2014</a:t>
-            </a:r>
-            <a:endParaRPr lang="en-US" dirty="0">
-              <a:solidFill>
-                <a:prstClr val="black"/>
-              </a:solidFill>
-            </a:endParaRPr>
-          </a:p>
-        </p:txBody>
-      </p:sp>
-      <p:sp>
-        <p:nvSpPr>
-          <p:cNvPr id="5" name="Footer Placeholder 4"/>
-          <p:cNvSpPr>
-            <a:spLocks noGrp="1"/>
-          </p:cNvSpPr>
-          <p:nvPr>
-            <p:ph type="ftr" sz="quarter" idx="11"/>
+          <p:cNvPr id="4" name="Footer Placeholder 3"/>
+          <p:cNvSpPr>
+            <a:spLocks noGrp="1"/>
+          </p:cNvSpPr>
+          <p:nvPr>
+            <p:ph type="ftr" sz="quarter" idx="10"/>
           </p:nvPr>
         </p:nvSpPr>
         <p:spPr/>
@@ -3480,27 +3473,27 @@
       </p:sp>
       <p:sp>
         <p:nvSpPr>
-          <p:cNvPr id="6" name="Date Placeholder 5"/>
-          <p:cNvSpPr>
-            <a:spLocks noGrp="1"/>
-          </p:cNvSpPr>
-          <p:nvPr>
-            <p:ph type="dt" idx="12"/>
-          </p:nvPr>
-        </p:nvSpPr>
-        <p:spPr/>
-        <p:txBody>
-          <a:bodyPr/>
-          <a:lstStyle/>
-          <a:p>
-            <a:fld id="{9F00D60D-1703-4D24-8308-FEE06A50A69C}" type="datetime1">
+          <p:cNvPr id="5" name="Date Placeholder 4"/>
+          <p:cNvSpPr>
+            <a:spLocks noGrp="1"/>
+          </p:cNvSpPr>
+          <p:nvPr>
+            <p:ph type="dt" idx="11"/>
+          </p:nvPr>
+        </p:nvSpPr>
+        <p:spPr/>
+        <p:txBody>
+          <a:bodyPr/>
+          <a:lstStyle/>
+          <a:p>
+            <a:fld id="{FCF63DAE-D37E-4C44-BD81-0E251F1BE300}" type="datetime1">
               <a:rPr lang="en-US" smtClean="0">
                 <a:solidFill>
                   <a:prstClr val="black"/>
                 </a:solidFill>
               </a:rPr>
               <a:pPr/>
-              <a:t>11/24/2016</a:t>
+              <a:t>12/12/2016</a:t>
             </a:fld>
             <a:endParaRPr lang="en-US" dirty="0">
               <a:solidFill>
@@ -3512,12 +3505,12 @@
       </p:sp>
       <p:sp>
         <p:nvSpPr>
-          <p:cNvPr id="7" name="Slide Number Placeholder 6"/>
-          <p:cNvSpPr>
-            <a:spLocks noGrp="1"/>
-          </p:cNvSpPr>
-          <p:nvPr>
-            <p:ph type="sldNum" sz="quarter" idx="13"/>
+          <p:cNvPr id="6" name="Slide Number Placeholder 5"/>
+          <p:cNvSpPr>
+            <a:spLocks noGrp="1"/>
+          </p:cNvSpPr>
+          <p:nvPr>
+            <p:ph type="sldNum" sz="quarter" idx="12"/>
           </p:nvPr>
         </p:nvSpPr>
         <p:spPr/>
@@ -3532,7 +3525,7 @@
                 </a:solidFill>
               </a:rPr>
               <a:pPr/>
-              <a:t>23</a:t>
+              <a:t>22</a:t>
             </a:fld>
             <a:endParaRPr lang="en-US" dirty="0">
               <a:solidFill>
@@ -3542,10 +3535,41 @@
           </a:p>
         </p:txBody>
       </p:sp>
+      <p:sp>
+        <p:nvSpPr>
+          <p:cNvPr id="7" name="Header Placeholder 6"/>
+          <p:cNvSpPr>
+            <a:spLocks noGrp="1"/>
+          </p:cNvSpPr>
+          <p:nvPr>
+            <p:ph type="hdr" sz="quarter" idx="13"/>
+          </p:nvPr>
+        </p:nvSpPr>
+        <p:spPr/>
+        <p:txBody>
+          <a:bodyPr/>
+          <a:lstStyle/>
+          <a:p>
+            <a:r>
+              <a:rPr lang="en-US">
+                <a:solidFill>
+                  <a:prstClr val="black"/>
+                </a:solidFill>
+              </a:rPr>
+              <a:t>Build 2014</a:t>
+            </a:r>
+            <a:endParaRPr lang="en-US" dirty="0">
+              <a:solidFill>
+                <a:prstClr val="black"/>
+              </a:solidFill>
+            </a:endParaRPr>
+          </a:p>
+        </p:txBody>
+      </p:sp>
     </p:spTree>
     <p:extLst>
       <p:ext uri="{BB962C8B-B14F-4D97-AF65-F5344CB8AC3E}">
-        <p14:creationId xmlns:p14="http://schemas.microsoft.com/office/powerpoint/2010/main" val="3906853571"/>
+        <p14:creationId xmlns:p14="http://schemas.microsoft.com/office/powerpoint/2010/main" val="2327117907"/>
       </p:ext>
     </p:extLst>
   </p:cSld>
@@ -3710,7 +3734,7 @@
                 </a:solidFill>
               </a:rPr>
               <a:pPr/>
-              <a:t>11/24/2016</a:t>
+              <a:t>12/12/2016</a:t>
             </a:fld>
             <a:endParaRPr lang="en-US" dirty="0">
               <a:solidFill>
@@ -3755,7 +3779,7 @@
     </p:spTree>
     <p:extLst>
       <p:ext uri="{BB962C8B-B14F-4D97-AF65-F5344CB8AC3E}">
-        <p14:creationId xmlns:p14="http://schemas.microsoft.com/office/powerpoint/2010/main" val="528904937"/>
+        <p14:creationId xmlns:p14="http://schemas.microsoft.com/office/powerpoint/2010/main" val="2934531598"/>
       </p:ext>
     </p:extLst>
   </p:cSld>
@@ -3920,7 +3944,7 @@
                 </a:solidFill>
               </a:rPr>
               <a:pPr/>
-              <a:t>11/24/2016</a:t>
+              <a:t>12/12/2016</a:t>
             </a:fld>
             <a:endParaRPr lang="en-US" dirty="0">
               <a:solidFill>
@@ -3965,7 +3989,7 @@
     </p:spTree>
     <p:extLst>
       <p:ext uri="{BB962C8B-B14F-4D97-AF65-F5344CB8AC3E}">
-        <p14:creationId xmlns:p14="http://schemas.microsoft.com/office/powerpoint/2010/main" val="1370500354"/>
+        <p14:creationId xmlns:p14="http://schemas.microsoft.com/office/powerpoint/2010/main" val="3906853571"/>
       </p:ext>
     </p:extLst>
   </p:cSld>
@@ -4130,7 +4154,7 @@
                 </a:solidFill>
               </a:rPr>
               <a:pPr/>
-              <a:t>11/24/2016</a:t>
+              <a:t>12/12/2016</a:t>
             </a:fld>
             <a:endParaRPr lang="en-US" dirty="0">
               <a:solidFill>
@@ -4175,7 +4199,7 @@
     </p:spTree>
     <p:extLst>
       <p:ext uri="{BB962C8B-B14F-4D97-AF65-F5344CB8AC3E}">
-        <p14:creationId xmlns:p14="http://schemas.microsoft.com/office/powerpoint/2010/main" val="3470729680"/>
+        <p14:creationId xmlns:p14="http://schemas.microsoft.com/office/powerpoint/2010/main" val="528904937"/>
       </p:ext>
     </p:extLst>
   </p:cSld>
@@ -4340,7 +4364,7 @@
                 </a:solidFill>
               </a:rPr>
               <a:pPr/>
-              <a:t>11/24/2016</a:t>
+              <a:t>12/12/2016</a:t>
             </a:fld>
             <a:endParaRPr lang="en-US" dirty="0">
               <a:solidFill>
@@ -4385,7 +4409,7 @@
     </p:spTree>
     <p:extLst>
       <p:ext uri="{BB962C8B-B14F-4D97-AF65-F5344CB8AC3E}">
-        <p14:creationId xmlns:p14="http://schemas.microsoft.com/office/powerpoint/2010/main" val="1796095888"/>
+        <p14:creationId xmlns:p14="http://schemas.microsoft.com/office/powerpoint/2010/main" val="1370500354"/>
       </p:ext>
     </p:extLst>
   </p:cSld>
@@ -4445,12 +4469,43 @@
       </p:sp>
       <p:sp>
         <p:nvSpPr>
-          <p:cNvPr id="4" name="Footer Placeholder 3"/>
-          <p:cNvSpPr>
-            <a:spLocks noGrp="1"/>
-          </p:cNvSpPr>
-          <p:nvPr>
-            <p:ph type="ftr" sz="quarter" idx="10"/>
+          <p:cNvPr id="4" name="Header Placeholder 3"/>
+          <p:cNvSpPr>
+            <a:spLocks noGrp="1"/>
+          </p:cNvSpPr>
+          <p:nvPr>
+            <p:ph type="hdr" sz="quarter" idx="10"/>
+          </p:nvPr>
+        </p:nvSpPr>
+        <p:spPr/>
+        <p:txBody>
+          <a:bodyPr/>
+          <a:lstStyle/>
+          <a:p>
+            <a:r>
+              <a:rPr lang="en-US">
+                <a:solidFill>
+                  <a:prstClr val="black"/>
+                </a:solidFill>
+              </a:rPr>
+              <a:t>Build 2014</a:t>
+            </a:r>
+            <a:endParaRPr lang="en-US" dirty="0">
+              <a:solidFill>
+                <a:prstClr val="black"/>
+              </a:solidFill>
+            </a:endParaRPr>
+          </a:p>
+        </p:txBody>
+      </p:sp>
+      <p:sp>
+        <p:nvSpPr>
+          <p:cNvPr id="5" name="Footer Placeholder 4"/>
+          <p:cNvSpPr>
+            <a:spLocks noGrp="1"/>
+          </p:cNvSpPr>
+          <p:nvPr>
+            <p:ph type="ftr" sz="quarter" idx="11"/>
           </p:nvPr>
         </p:nvSpPr>
         <p:spPr/>
@@ -4499,27 +4554,27 @@
       </p:sp>
       <p:sp>
         <p:nvSpPr>
-          <p:cNvPr id="5" name="Date Placeholder 4"/>
-          <p:cNvSpPr>
-            <a:spLocks noGrp="1"/>
-          </p:cNvSpPr>
-          <p:nvPr>
-            <p:ph type="dt" idx="11"/>
-          </p:nvPr>
-        </p:nvSpPr>
-        <p:spPr/>
-        <p:txBody>
-          <a:bodyPr/>
-          <a:lstStyle/>
-          <a:p>
-            <a:fld id="{FCF63DAE-D37E-4C44-BD81-0E251F1BE300}" type="datetime1">
+          <p:cNvPr id="6" name="Date Placeholder 5"/>
+          <p:cNvSpPr>
+            <a:spLocks noGrp="1"/>
+          </p:cNvSpPr>
+          <p:nvPr>
+            <p:ph type="dt" idx="12"/>
+          </p:nvPr>
+        </p:nvSpPr>
+        <p:spPr/>
+        <p:txBody>
+          <a:bodyPr/>
+          <a:lstStyle/>
+          <a:p>
+            <a:fld id="{9F00D60D-1703-4D24-8308-FEE06A50A69C}" type="datetime1">
               <a:rPr lang="en-US" smtClean="0">
                 <a:solidFill>
                   <a:prstClr val="black"/>
                 </a:solidFill>
               </a:rPr>
               <a:pPr/>
-              <a:t>11/24/2016</a:t>
+              <a:t>12/12/2016</a:t>
             </a:fld>
             <a:endParaRPr lang="en-US" dirty="0">
               <a:solidFill>
@@ -4531,12 +4586,12 @@
       </p:sp>
       <p:sp>
         <p:nvSpPr>
-          <p:cNvPr id="6" name="Slide Number Placeholder 5"/>
-          <p:cNvSpPr>
-            <a:spLocks noGrp="1"/>
-          </p:cNvSpPr>
-          <p:nvPr>
-            <p:ph type="sldNum" sz="quarter" idx="12"/>
+          <p:cNvPr id="7" name="Slide Number Placeholder 6"/>
+          <p:cNvSpPr>
+            <a:spLocks noGrp="1"/>
+          </p:cNvSpPr>
+          <p:nvPr>
+            <p:ph type="sldNum" sz="quarter" idx="13"/>
           </p:nvPr>
         </p:nvSpPr>
         <p:spPr/>
@@ -4561,41 +4616,10 @@
           </a:p>
         </p:txBody>
       </p:sp>
-      <p:sp>
-        <p:nvSpPr>
-          <p:cNvPr id="7" name="Header Placeholder 6"/>
-          <p:cNvSpPr>
-            <a:spLocks noGrp="1"/>
-          </p:cNvSpPr>
-          <p:nvPr>
-            <p:ph type="hdr" sz="quarter" idx="13"/>
-          </p:nvPr>
-        </p:nvSpPr>
-        <p:spPr/>
-        <p:txBody>
-          <a:bodyPr/>
-          <a:lstStyle/>
-          <a:p>
-            <a:r>
-              <a:rPr lang="en-US">
-                <a:solidFill>
-                  <a:prstClr val="black"/>
-                </a:solidFill>
-              </a:rPr>
-              <a:t>Build 2014</a:t>
-            </a:r>
-            <a:endParaRPr lang="en-US" dirty="0">
-              <a:solidFill>
-                <a:prstClr val="black"/>
-              </a:solidFill>
-            </a:endParaRPr>
-          </a:p>
-        </p:txBody>
-      </p:sp>
     </p:spTree>
     <p:extLst>
       <p:ext uri="{BB962C8B-B14F-4D97-AF65-F5344CB8AC3E}">
-        <p14:creationId xmlns:p14="http://schemas.microsoft.com/office/powerpoint/2010/main" val="777518763"/>
+        <p14:creationId xmlns:p14="http://schemas.microsoft.com/office/powerpoint/2010/main" val="3470729680"/>
       </p:ext>
     </p:extLst>
   </p:cSld>
@@ -4760,7 +4784,7 @@
                 </a:solidFill>
               </a:rPr>
               <a:pPr/>
-              <a:t>11/24/2016</a:t>
+              <a:t>12/12/2016</a:t>
             </a:fld>
             <a:endParaRPr lang="en-US" dirty="0">
               <a:solidFill>
@@ -4805,7 +4829,7 @@
     </p:spTree>
     <p:extLst>
       <p:ext uri="{BB962C8B-B14F-4D97-AF65-F5344CB8AC3E}">
-        <p14:creationId xmlns:p14="http://schemas.microsoft.com/office/powerpoint/2010/main" val="2808479397"/>
+        <p14:creationId xmlns:p14="http://schemas.microsoft.com/office/powerpoint/2010/main" val="1796095888"/>
       </p:ext>
     </p:extLst>
   </p:cSld>
@@ -4939,7 +4963,7 @@
                 </a:solidFill>
               </a:rPr>
               <a:pPr/>
-              <a:t>11/24/2016</a:t>
+              <a:t>12/12/2016</a:t>
             </a:fld>
             <a:endParaRPr lang="en-US" dirty="0">
               <a:solidFill>
@@ -5015,7 +5039,7 @@
     </p:spTree>
     <p:extLst>
       <p:ext uri="{BB962C8B-B14F-4D97-AF65-F5344CB8AC3E}">
-        <p14:creationId xmlns:p14="http://schemas.microsoft.com/office/powerpoint/2010/main" val="809730823"/>
+        <p14:creationId xmlns:p14="http://schemas.microsoft.com/office/powerpoint/2010/main" val="777518763"/>
       </p:ext>
     </p:extLst>
   </p:cSld>
@@ -5180,7 +5204,7 @@
                 </a:solidFill>
               </a:rPr>
               <a:pPr/>
-              <a:t>11/24/2016</a:t>
+              <a:t>12/12/2016</a:t>
             </a:fld>
             <a:endParaRPr lang="en-US" dirty="0">
               <a:solidFill>
@@ -5225,7 +5249,7 @@
     </p:spTree>
     <p:extLst>
       <p:ext uri="{BB962C8B-B14F-4D97-AF65-F5344CB8AC3E}">
-        <p14:creationId xmlns:p14="http://schemas.microsoft.com/office/powerpoint/2010/main" val="3222582736"/>
+        <p14:creationId xmlns:p14="http://schemas.microsoft.com/office/powerpoint/2010/main" val="2808479397"/>
       </p:ext>
     </p:extLst>
   </p:cSld>
@@ -5285,43 +5309,12 @@
       </p:sp>
       <p:sp>
         <p:nvSpPr>
-          <p:cNvPr id="4" name="Header Placeholder 3"/>
-          <p:cNvSpPr>
-            <a:spLocks noGrp="1"/>
-          </p:cNvSpPr>
-          <p:nvPr>
-            <p:ph type="hdr" sz="quarter" idx="10"/>
-          </p:nvPr>
-        </p:nvSpPr>
-        <p:spPr/>
-        <p:txBody>
-          <a:bodyPr/>
-          <a:lstStyle/>
-          <a:p>
-            <a:r>
-              <a:rPr lang="en-US">
-                <a:solidFill>
-                  <a:prstClr val="black"/>
-                </a:solidFill>
-              </a:rPr>
-              <a:t>Build 2014</a:t>
-            </a:r>
-            <a:endParaRPr lang="en-US" dirty="0">
-              <a:solidFill>
-                <a:prstClr val="black"/>
-              </a:solidFill>
-            </a:endParaRPr>
-          </a:p>
-        </p:txBody>
-      </p:sp>
-      <p:sp>
-        <p:nvSpPr>
-          <p:cNvPr id="5" name="Footer Placeholder 4"/>
-          <p:cNvSpPr>
-            <a:spLocks noGrp="1"/>
-          </p:cNvSpPr>
-          <p:nvPr>
-            <p:ph type="ftr" sz="quarter" idx="11"/>
+          <p:cNvPr id="4" name="Footer Placeholder 3"/>
+          <p:cNvSpPr>
+            <a:spLocks noGrp="1"/>
+          </p:cNvSpPr>
+          <p:nvPr>
+            <p:ph type="ftr" sz="quarter" idx="10"/>
           </p:nvPr>
         </p:nvSpPr>
         <p:spPr/>
@@ -5370,27 +5363,27 @@
       </p:sp>
       <p:sp>
         <p:nvSpPr>
-          <p:cNvPr id="6" name="Date Placeholder 5"/>
-          <p:cNvSpPr>
-            <a:spLocks noGrp="1"/>
-          </p:cNvSpPr>
-          <p:nvPr>
-            <p:ph type="dt" idx="12"/>
-          </p:nvPr>
-        </p:nvSpPr>
-        <p:spPr/>
-        <p:txBody>
-          <a:bodyPr/>
-          <a:lstStyle/>
-          <a:p>
-            <a:fld id="{9F00D60D-1703-4D24-8308-FEE06A50A69C}" type="datetime1">
+          <p:cNvPr id="5" name="Date Placeholder 4"/>
+          <p:cNvSpPr>
+            <a:spLocks noGrp="1"/>
+          </p:cNvSpPr>
+          <p:nvPr>
+            <p:ph type="dt" idx="11"/>
+          </p:nvPr>
+        </p:nvSpPr>
+        <p:spPr/>
+        <p:txBody>
+          <a:bodyPr/>
+          <a:lstStyle/>
+          <a:p>
+            <a:fld id="{FCF63DAE-D37E-4C44-BD81-0E251F1BE300}" type="datetime1">
               <a:rPr lang="en-US" smtClean="0">
                 <a:solidFill>
                   <a:prstClr val="black"/>
                 </a:solidFill>
               </a:rPr>
               <a:pPr/>
-              <a:t>11/24/2016</a:t>
+              <a:t>12/12/2016</a:t>
             </a:fld>
             <a:endParaRPr lang="en-US" dirty="0">
               <a:solidFill>
@@ -5402,12 +5395,12 @@
       </p:sp>
       <p:sp>
         <p:nvSpPr>
-          <p:cNvPr id="7" name="Slide Number Placeholder 6"/>
-          <p:cNvSpPr>
-            <a:spLocks noGrp="1"/>
-          </p:cNvSpPr>
-          <p:nvPr>
-            <p:ph type="sldNum" sz="quarter" idx="13"/>
+          <p:cNvPr id="6" name="Slide Number Placeholder 5"/>
+          <p:cNvSpPr>
+            <a:spLocks noGrp="1"/>
+          </p:cNvSpPr>
+          <p:nvPr>
+            <p:ph type="sldNum" sz="quarter" idx="12"/>
           </p:nvPr>
         </p:nvSpPr>
         <p:spPr/>
@@ -5432,10 +5425,41 @@
           </a:p>
         </p:txBody>
       </p:sp>
+      <p:sp>
+        <p:nvSpPr>
+          <p:cNvPr id="7" name="Header Placeholder 6"/>
+          <p:cNvSpPr>
+            <a:spLocks noGrp="1"/>
+          </p:cNvSpPr>
+          <p:nvPr>
+            <p:ph type="hdr" sz="quarter" idx="13"/>
+          </p:nvPr>
+        </p:nvSpPr>
+        <p:spPr/>
+        <p:txBody>
+          <a:bodyPr/>
+          <a:lstStyle/>
+          <a:p>
+            <a:r>
+              <a:rPr lang="en-US">
+                <a:solidFill>
+                  <a:prstClr val="black"/>
+                </a:solidFill>
+              </a:rPr>
+              <a:t>Build 2014</a:t>
+            </a:r>
+            <a:endParaRPr lang="en-US" dirty="0">
+              <a:solidFill>
+                <a:prstClr val="black"/>
+              </a:solidFill>
+            </a:endParaRPr>
+          </a:p>
+        </p:txBody>
+      </p:sp>
     </p:spTree>
     <p:extLst>
       <p:ext uri="{BB962C8B-B14F-4D97-AF65-F5344CB8AC3E}">
-        <p14:creationId xmlns:p14="http://schemas.microsoft.com/office/powerpoint/2010/main" val="2882451625"/>
+        <p14:creationId xmlns:p14="http://schemas.microsoft.com/office/powerpoint/2010/main" val="809730823"/>
       </p:ext>
     </p:extLst>
   </p:cSld>
@@ -5569,7 +5593,7 @@
                 </a:solidFill>
               </a:rPr>
               <a:pPr/>
-              <a:t>11/24/2016</a:t>
+              <a:t>12/12/2016</a:t>
             </a:fld>
             <a:endParaRPr lang="en-US" dirty="0">
               <a:solidFill>
@@ -5705,12 +5729,43 @@
       </p:sp>
       <p:sp>
         <p:nvSpPr>
-          <p:cNvPr id="4" name="Footer Placeholder 3"/>
-          <p:cNvSpPr>
-            <a:spLocks noGrp="1"/>
-          </p:cNvSpPr>
-          <p:nvPr>
-            <p:ph type="ftr" sz="quarter" idx="10"/>
+          <p:cNvPr id="4" name="Header Placeholder 3"/>
+          <p:cNvSpPr>
+            <a:spLocks noGrp="1"/>
+          </p:cNvSpPr>
+          <p:nvPr>
+            <p:ph type="hdr" sz="quarter" idx="10"/>
+          </p:nvPr>
+        </p:nvSpPr>
+        <p:spPr/>
+        <p:txBody>
+          <a:bodyPr/>
+          <a:lstStyle/>
+          <a:p>
+            <a:r>
+              <a:rPr lang="en-US">
+                <a:solidFill>
+                  <a:prstClr val="black"/>
+                </a:solidFill>
+              </a:rPr>
+              <a:t>Build 2014</a:t>
+            </a:r>
+            <a:endParaRPr lang="en-US" dirty="0">
+              <a:solidFill>
+                <a:prstClr val="black"/>
+              </a:solidFill>
+            </a:endParaRPr>
+          </a:p>
+        </p:txBody>
+      </p:sp>
+      <p:sp>
+        <p:nvSpPr>
+          <p:cNvPr id="5" name="Footer Placeholder 4"/>
+          <p:cNvSpPr>
+            <a:spLocks noGrp="1"/>
+          </p:cNvSpPr>
+          <p:nvPr>
+            <p:ph type="ftr" sz="quarter" idx="11"/>
           </p:nvPr>
         </p:nvSpPr>
         <p:spPr/>
@@ -5759,27 +5814,27 @@
       </p:sp>
       <p:sp>
         <p:nvSpPr>
-          <p:cNvPr id="5" name="Date Placeholder 4"/>
-          <p:cNvSpPr>
-            <a:spLocks noGrp="1"/>
-          </p:cNvSpPr>
-          <p:nvPr>
-            <p:ph type="dt" idx="11"/>
-          </p:nvPr>
-        </p:nvSpPr>
-        <p:spPr/>
-        <p:txBody>
-          <a:bodyPr/>
-          <a:lstStyle/>
-          <a:p>
-            <a:fld id="{FCF63DAE-D37E-4C44-BD81-0E251F1BE300}" type="datetime1">
+          <p:cNvPr id="6" name="Date Placeholder 5"/>
+          <p:cNvSpPr>
+            <a:spLocks noGrp="1"/>
+          </p:cNvSpPr>
+          <p:nvPr>
+            <p:ph type="dt" idx="12"/>
+          </p:nvPr>
+        </p:nvSpPr>
+        <p:spPr/>
+        <p:txBody>
+          <a:bodyPr/>
+          <a:lstStyle/>
+          <a:p>
+            <a:fld id="{9F00D60D-1703-4D24-8308-FEE06A50A69C}" type="datetime1">
               <a:rPr lang="en-US" smtClean="0">
                 <a:solidFill>
                   <a:prstClr val="black"/>
                 </a:solidFill>
               </a:rPr>
               <a:pPr/>
-              <a:t>11/24/2016</a:t>
+              <a:t>12/12/2016</a:t>
             </a:fld>
             <a:endParaRPr lang="en-US" dirty="0">
               <a:solidFill>
@@ -5791,12 +5846,12 @@
       </p:sp>
       <p:sp>
         <p:nvSpPr>
-          <p:cNvPr id="6" name="Slide Number Placeholder 5"/>
-          <p:cNvSpPr>
-            <a:spLocks noGrp="1"/>
-          </p:cNvSpPr>
-          <p:nvPr>
-            <p:ph type="sldNum" sz="quarter" idx="12"/>
+          <p:cNvPr id="7" name="Slide Number Placeholder 6"/>
+          <p:cNvSpPr>
+            <a:spLocks noGrp="1"/>
+          </p:cNvSpPr>
+          <p:nvPr>
+            <p:ph type="sldNum" sz="quarter" idx="13"/>
           </p:nvPr>
         </p:nvSpPr>
         <p:spPr/>
@@ -5821,41 +5876,10 @@
           </a:p>
         </p:txBody>
       </p:sp>
-      <p:sp>
-        <p:nvSpPr>
-          <p:cNvPr id="7" name="Header Placeholder 6"/>
-          <p:cNvSpPr>
-            <a:spLocks noGrp="1"/>
-          </p:cNvSpPr>
-          <p:nvPr>
-            <p:ph type="hdr" sz="quarter" idx="13"/>
-          </p:nvPr>
-        </p:nvSpPr>
-        <p:spPr/>
-        <p:txBody>
-          <a:bodyPr/>
-          <a:lstStyle/>
-          <a:p>
-            <a:r>
-              <a:rPr lang="en-US">
-                <a:solidFill>
-                  <a:prstClr val="black"/>
-                </a:solidFill>
-              </a:rPr>
-              <a:t>Build 2014</a:t>
-            </a:r>
-            <a:endParaRPr lang="en-US" dirty="0">
-              <a:solidFill>
-                <a:prstClr val="black"/>
-              </a:solidFill>
-            </a:endParaRPr>
-          </a:p>
-        </p:txBody>
-      </p:sp>
     </p:spTree>
     <p:extLst>
       <p:ext uri="{BB962C8B-B14F-4D97-AF65-F5344CB8AC3E}">
-        <p14:creationId xmlns:p14="http://schemas.microsoft.com/office/powerpoint/2010/main" val="230311256"/>
+        <p14:creationId xmlns:p14="http://schemas.microsoft.com/office/powerpoint/2010/main" val="3222582736"/>
       </p:ext>
     </p:extLst>
   </p:cSld>
@@ -6020,7 +6044,7 @@
                 </a:solidFill>
               </a:rPr>
               <a:pPr/>
-              <a:t>11/24/2016</a:t>
+              <a:t>12/12/2016</a:t>
             </a:fld>
             <a:endParaRPr lang="en-US" dirty="0">
               <a:solidFill>
@@ -6065,7 +6089,7 @@
     </p:spTree>
     <p:extLst>
       <p:ext uri="{BB962C8B-B14F-4D97-AF65-F5344CB8AC3E}">
-        <p14:creationId xmlns:p14="http://schemas.microsoft.com/office/powerpoint/2010/main" val="3133682360"/>
+        <p14:creationId xmlns:p14="http://schemas.microsoft.com/office/powerpoint/2010/main" val="2882451625"/>
       </p:ext>
     </p:extLst>
   </p:cSld>
@@ -6199,7 +6223,7 @@
                 </a:solidFill>
               </a:rPr>
               <a:pPr/>
-              <a:t>11/24/2016</a:t>
+              <a:t>12/12/2016</a:t>
             </a:fld>
             <a:endParaRPr lang="en-US" dirty="0">
               <a:solidFill>
@@ -6275,7 +6299,7 @@
     </p:spTree>
     <p:extLst>
       <p:ext uri="{BB962C8B-B14F-4D97-AF65-F5344CB8AC3E}">
-        <p14:creationId xmlns:p14="http://schemas.microsoft.com/office/powerpoint/2010/main" val="2762037189"/>
+        <p14:creationId xmlns:p14="http://schemas.microsoft.com/office/powerpoint/2010/main" val="230311256"/>
       </p:ext>
     </p:extLst>
   </p:cSld>
@@ -6440,7 +6464,7 @@
                 </a:solidFill>
               </a:rPr>
               <a:pPr/>
-              <a:t>11/24/2016</a:t>
+              <a:t>12/12/2016</a:t>
             </a:fld>
             <a:endParaRPr lang="en-US" dirty="0">
               <a:solidFill>
@@ -6485,7 +6509,7 @@
     </p:spTree>
     <p:extLst>
       <p:ext uri="{BB962C8B-B14F-4D97-AF65-F5344CB8AC3E}">
-        <p14:creationId xmlns:p14="http://schemas.microsoft.com/office/powerpoint/2010/main" val="3357644"/>
+        <p14:creationId xmlns:p14="http://schemas.microsoft.com/office/powerpoint/2010/main" val="3133682360"/>
       </p:ext>
     </p:extLst>
   </p:cSld>
@@ -6650,7 +6674,7 @@
                 </a:solidFill>
               </a:rPr>
               <a:pPr/>
-              <a:t>11/24/2016</a:t>
+              <a:t>12/12/2016</a:t>
             </a:fld>
             <a:endParaRPr lang="en-US" dirty="0">
               <a:solidFill>
@@ -6695,7 +6719,7 @@
     </p:spTree>
     <p:extLst>
       <p:ext uri="{BB962C8B-B14F-4D97-AF65-F5344CB8AC3E}">
-        <p14:creationId xmlns:p14="http://schemas.microsoft.com/office/powerpoint/2010/main" val="698718609"/>
+        <p14:creationId xmlns:p14="http://schemas.microsoft.com/office/powerpoint/2010/main" val="3662995644"/>
       </p:ext>
     </p:extLst>
   </p:cSld>
@@ -6860,7 +6884,7 @@
                 </a:solidFill>
               </a:rPr>
               <a:pPr/>
-              <a:t>11/24/2016</a:t>
+              <a:t>12/12/2016</a:t>
             </a:fld>
             <a:endParaRPr lang="en-US" dirty="0">
               <a:solidFill>
@@ -6905,7 +6929,7 @@
     </p:spTree>
     <p:extLst>
       <p:ext uri="{BB962C8B-B14F-4D97-AF65-F5344CB8AC3E}">
-        <p14:creationId xmlns:p14="http://schemas.microsoft.com/office/powerpoint/2010/main" val="1723905328"/>
+        <p14:creationId xmlns:p14="http://schemas.microsoft.com/office/powerpoint/2010/main" val="2906120500"/>
       </p:ext>
     </p:extLst>
   </p:cSld>
@@ -6965,43 +6989,12 @@
       </p:sp>
       <p:sp>
         <p:nvSpPr>
-          <p:cNvPr id="4" name="Header Placeholder 3"/>
-          <p:cNvSpPr>
-            <a:spLocks noGrp="1"/>
-          </p:cNvSpPr>
-          <p:nvPr>
-            <p:ph type="hdr" sz="quarter" idx="10"/>
-          </p:nvPr>
-        </p:nvSpPr>
-        <p:spPr/>
-        <p:txBody>
-          <a:bodyPr/>
-          <a:lstStyle/>
-          <a:p>
-            <a:r>
-              <a:rPr lang="en-US">
-                <a:solidFill>
-                  <a:prstClr val="black"/>
-                </a:solidFill>
-              </a:rPr>
-              <a:t>Build 2014</a:t>
-            </a:r>
-            <a:endParaRPr lang="en-US" dirty="0">
-              <a:solidFill>
-                <a:prstClr val="black"/>
-              </a:solidFill>
-            </a:endParaRPr>
-          </a:p>
-        </p:txBody>
-      </p:sp>
-      <p:sp>
-        <p:nvSpPr>
-          <p:cNvPr id="5" name="Footer Placeholder 4"/>
-          <p:cNvSpPr>
-            <a:spLocks noGrp="1"/>
-          </p:cNvSpPr>
-          <p:nvPr>
-            <p:ph type="ftr" sz="quarter" idx="11"/>
+          <p:cNvPr id="4" name="Footer Placeholder 3"/>
+          <p:cNvSpPr>
+            <a:spLocks noGrp="1"/>
+          </p:cNvSpPr>
+          <p:nvPr>
+            <p:ph type="ftr" sz="quarter" idx="10"/>
           </p:nvPr>
         </p:nvSpPr>
         <p:spPr/>
@@ -7050,27 +7043,27 @@
       </p:sp>
       <p:sp>
         <p:nvSpPr>
-          <p:cNvPr id="6" name="Date Placeholder 5"/>
-          <p:cNvSpPr>
-            <a:spLocks noGrp="1"/>
-          </p:cNvSpPr>
-          <p:nvPr>
-            <p:ph type="dt" idx="12"/>
-          </p:nvPr>
-        </p:nvSpPr>
-        <p:spPr/>
-        <p:txBody>
-          <a:bodyPr/>
-          <a:lstStyle/>
-          <a:p>
-            <a:fld id="{9F00D60D-1703-4D24-8308-FEE06A50A69C}" type="datetime1">
+          <p:cNvPr id="5" name="Date Placeholder 4"/>
+          <p:cNvSpPr>
+            <a:spLocks noGrp="1"/>
+          </p:cNvSpPr>
+          <p:nvPr>
+            <p:ph type="dt" idx="11"/>
+          </p:nvPr>
+        </p:nvSpPr>
+        <p:spPr/>
+        <p:txBody>
+          <a:bodyPr/>
+          <a:lstStyle/>
+          <a:p>
+            <a:fld id="{FCF63DAE-D37E-4C44-BD81-0E251F1BE300}" type="datetime1">
               <a:rPr lang="en-US" smtClean="0">
                 <a:solidFill>
                   <a:prstClr val="black"/>
                 </a:solidFill>
               </a:rPr>
               <a:pPr/>
-              <a:t>11/24/2016</a:t>
+              <a:t>12/12/2016</a:t>
             </a:fld>
             <a:endParaRPr lang="en-US" dirty="0">
               <a:solidFill>
@@ -7082,12 +7075,12 @@
       </p:sp>
       <p:sp>
         <p:nvSpPr>
-          <p:cNvPr id="7" name="Slide Number Placeholder 6"/>
-          <p:cNvSpPr>
-            <a:spLocks noGrp="1"/>
-          </p:cNvSpPr>
-          <p:nvPr>
-            <p:ph type="sldNum" sz="quarter" idx="13"/>
+          <p:cNvPr id="6" name="Slide Number Placeholder 5"/>
+          <p:cNvSpPr>
+            <a:spLocks noGrp="1"/>
+          </p:cNvSpPr>
+          <p:nvPr>
+            <p:ph type="sldNum" sz="quarter" idx="12"/>
           </p:nvPr>
         </p:nvSpPr>
         <p:spPr/>
@@ -7112,10 +7105,41 @@
           </a:p>
         </p:txBody>
       </p:sp>
+      <p:sp>
+        <p:nvSpPr>
+          <p:cNvPr id="7" name="Header Placeholder 6"/>
+          <p:cNvSpPr>
+            <a:spLocks noGrp="1"/>
+          </p:cNvSpPr>
+          <p:nvPr>
+            <p:ph type="hdr" sz="quarter" idx="13"/>
+          </p:nvPr>
+        </p:nvSpPr>
+        <p:spPr/>
+        <p:txBody>
+          <a:bodyPr/>
+          <a:lstStyle/>
+          <a:p>
+            <a:r>
+              <a:rPr lang="en-US">
+                <a:solidFill>
+                  <a:prstClr val="black"/>
+                </a:solidFill>
+              </a:rPr>
+              <a:t>Build 2014</a:t>
+            </a:r>
+            <a:endParaRPr lang="en-US" dirty="0">
+              <a:solidFill>
+                <a:prstClr val="black"/>
+              </a:solidFill>
+            </a:endParaRPr>
+          </a:p>
+        </p:txBody>
+      </p:sp>
     </p:spTree>
     <p:extLst>
       <p:ext uri="{BB962C8B-B14F-4D97-AF65-F5344CB8AC3E}">
-        <p14:creationId xmlns:p14="http://schemas.microsoft.com/office/powerpoint/2010/main" val="2509412685"/>
+        <p14:creationId xmlns:p14="http://schemas.microsoft.com/office/powerpoint/2010/main" val="472659781"/>
       </p:ext>
     </p:extLst>
   </p:cSld>
@@ -7280,7 +7304,7 @@
                 </a:solidFill>
               </a:rPr>
               <a:pPr/>
-              <a:t>11/24/2016</a:t>
+              <a:t>12/12/2016</a:t>
             </a:fld>
             <a:endParaRPr lang="en-US" dirty="0">
               <a:solidFill>
@@ -7325,7 +7349,7 @@
     </p:spTree>
     <p:extLst>
       <p:ext uri="{BB962C8B-B14F-4D97-AF65-F5344CB8AC3E}">
-        <p14:creationId xmlns:p14="http://schemas.microsoft.com/office/powerpoint/2010/main" val="2047366070"/>
+        <p14:creationId xmlns:p14="http://schemas.microsoft.com/office/powerpoint/2010/main" val="2639183544"/>
       </p:ext>
     </p:extLst>
   </p:cSld>
@@ -7385,43 +7409,12 @@
       </p:sp>
       <p:sp>
         <p:nvSpPr>
-          <p:cNvPr id="4" name="Header Placeholder 3"/>
-          <p:cNvSpPr>
-            <a:spLocks noGrp="1"/>
-          </p:cNvSpPr>
-          <p:nvPr>
-            <p:ph type="hdr" sz="quarter" idx="10"/>
-          </p:nvPr>
-        </p:nvSpPr>
-        <p:spPr/>
-        <p:txBody>
-          <a:bodyPr/>
-          <a:lstStyle/>
-          <a:p>
-            <a:r>
-              <a:rPr lang="en-US">
-                <a:solidFill>
-                  <a:prstClr val="black"/>
-                </a:solidFill>
-              </a:rPr>
-              <a:t>Build 2014</a:t>
-            </a:r>
-            <a:endParaRPr lang="en-US" dirty="0">
-              <a:solidFill>
-                <a:prstClr val="black"/>
-              </a:solidFill>
-            </a:endParaRPr>
-          </a:p>
-        </p:txBody>
-      </p:sp>
-      <p:sp>
-        <p:nvSpPr>
-          <p:cNvPr id="5" name="Footer Placeholder 4"/>
-          <p:cNvSpPr>
-            <a:spLocks noGrp="1"/>
-          </p:cNvSpPr>
-          <p:nvPr>
-            <p:ph type="ftr" sz="quarter" idx="11"/>
+          <p:cNvPr id="4" name="Footer Placeholder 3"/>
+          <p:cNvSpPr>
+            <a:spLocks noGrp="1"/>
+          </p:cNvSpPr>
+          <p:nvPr>
+            <p:ph type="ftr" sz="quarter" idx="10"/>
           </p:nvPr>
         </p:nvSpPr>
         <p:spPr/>
@@ -7470,27 +7463,27 @@
       </p:sp>
       <p:sp>
         <p:nvSpPr>
-          <p:cNvPr id="6" name="Date Placeholder 5"/>
-          <p:cNvSpPr>
-            <a:spLocks noGrp="1"/>
-          </p:cNvSpPr>
-          <p:nvPr>
-            <p:ph type="dt" idx="12"/>
-          </p:nvPr>
-        </p:nvSpPr>
-        <p:spPr/>
-        <p:txBody>
-          <a:bodyPr/>
-          <a:lstStyle/>
-          <a:p>
-            <a:fld id="{9F00D60D-1703-4D24-8308-FEE06A50A69C}" type="datetime1">
+          <p:cNvPr id="5" name="Date Placeholder 4"/>
+          <p:cNvSpPr>
+            <a:spLocks noGrp="1"/>
+          </p:cNvSpPr>
+          <p:nvPr>
+            <p:ph type="dt" idx="11"/>
+          </p:nvPr>
+        </p:nvSpPr>
+        <p:spPr/>
+        <p:txBody>
+          <a:bodyPr/>
+          <a:lstStyle/>
+          <a:p>
+            <a:fld id="{FCF63DAE-D37E-4C44-BD81-0E251F1BE300}" type="datetime1">
               <a:rPr lang="en-US" smtClean="0">
                 <a:solidFill>
                   <a:prstClr val="black"/>
                 </a:solidFill>
               </a:rPr>
               <a:pPr/>
-              <a:t>11/24/2016</a:t>
+              <a:t>12/12/2016</a:t>
             </a:fld>
             <a:endParaRPr lang="en-US" dirty="0">
               <a:solidFill>
@@ -7502,12 +7495,12 @@
       </p:sp>
       <p:sp>
         <p:nvSpPr>
-          <p:cNvPr id="7" name="Slide Number Placeholder 6"/>
-          <p:cNvSpPr>
-            <a:spLocks noGrp="1"/>
-          </p:cNvSpPr>
-          <p:nvPr>
-            <p:ph type="sldNum" sz="quarter" idx="13"/>
+          <p:cNvPr id="6" name="Slide Number Placeholder 5"/>
+          <p:cNvSpPr>
+            <a:spLocks noGrp="1"/>
+          </p:cNvSpPr>
+          <p:nvPr>
+            <p:ph type="sldNum" sz="quarter" idx="12"/>
           </p:nvPr>
         </p:nvSpPr>
         <p:spPr/>
@@ -7532,10 +7525,41 @@
           </a:p>
         </p:txBody>
       </p:sp>
+      <p:sp>
+        <p:nvSpPr>
+          <p:cNvPr id="7" name="Header Placeholder 6"/>
+          <p:cNvSpPr>
+            <a:spLocks noGrp="1"/>
+          </p:cNvSpPr>
+          <p:nvPr>
+            <p:ph type="hdr" sz="quarter" idx="13"/>
+          </p:nvPr>
+        </p:nvSpPr>
+        <p:spPr/>
+        <p:txBody>
+          <a:bodyPr/>
+          <a:lstStyle/>
+          <a:p>
+            <a:r>
+              <a:rPr lang="en-US">
+                <a:solidFill>
+                  <a:prstClr val="black"/>
+                </a:solidFill>
+              </a:rPr>
+              <a:t>Build 2014</a:t>
+            </a:r>
+            <a:endParaRPr lang="en-US" dirty="0">
+              <a:solidFill>
+                <a:prstClr val="black"/>
+              </a:solidFill>
+            </a:endParaRPr>
+          </a:p>
+        </p:txBody>
+      </p:sp>
     </p:spTree>
     <p:extLst>
       <p:ext uri="{BB962C8B-B14F-4D97-AF65-F5344CB8AC3E}">
-        <p14:creationId xmlns:p14="http://schemas.microsoft.com/office/powerpoint/2010/main" val="3134217166"/>
+        <p14:creationId xmlns:p14="http://schemas.microsoft.com/office/powerpoint/2010/main" val="585965803"/>
       </p:ext>
     </p:extLst>
   </p:cSld>
@@ -7700,7 +7724,7 @@
                 </a:solidFill>
               </a:rPr>
               <a:pPr/>
-              <a:t>11/24/2016</a:t>
+              <a:t>12/12/2016</a:t>
             </a:fld>
             <a:endParaRPr lang="en-US" dirty="0">
               <a:solidFill>
@@ -7745,7 +7769,7 @@
     </p:spTree>
     <p:extLst>
       <p:ext uri="{BB962C8B-B14F-4D97-AF65-F5344CB8AC3E}">
-        <p14:creationId xmlns:p14="http://schemas.microsoft.com/office/powerpoint/2010/main" val="1818615962"/>
+        <p14:creationId xmlns:p14="http://schemas.microsoft.com/office/powerpoint/2010/main" val="1304618400"/>
       </p:ext>
     </p:extLst>
   </p:cSld>
@@ -7910,7 +7934,7 @@
                 </a:solidFill>
               </a:rPr>
               <a:pPr/>
-              <a:t>11/24/2016</a:t>
+              <a:t>12/12/2016</a:t>
             </a:fld>
             <a:endParaRPr lang="en-US" dirty="0">
               <a:solidFill>
@@ -7956,6 +7980,1686 @@
     <p:extLst>
       <p:ext uri="{BB962C8B-B14F-4D97-AF65-F5344CB8AC3E}">
         <p14:creationId xmlns:p14="http://schemas.microsoft.com/office/powerpoint/2010/main" val="2148390417"/>
+      </p:ext>
+    </p:extLst>
+  </p:cSld>
+  <p:clrMapOvr>
+    <a:masterClrMapping/>
+  </p:clrMapOvr>
+</p:notes>
+</file>
+
+<file path=ppt/notesSlides/notesSlide40.xml><?xml version="1.0" encoding="utf-8"?>
+<p:notes xmlns:a="http://schemas.openxmlformats.org/drawingml/2006/main" xmlns:r="http://schemas.openxmlformats.org/officeDocument/2006/relationships" xmlns:p="http://schemas.openxmlformats.org/presentationml/2006/main">
+  <p:cSld>
+    <p:spTree>
+      <p:nvGrpSpPr>
+        <p:cNvPr id="1" name=""/>
+        <p:cNvGrpSpPr/>
+        <p:nvPr/>
+      </p:nvGrpSpPr>
+      <p:grpSpPr>
+        <a:xfrm>
+          <a:off x="0" y="0"/>
+          <a:ext cx="0" cy="0"/>
+          <a:chOff x="0" y="0"/>
+          <a:chExt cx="0" cy="0"/>
+        </a:xfrm>
+      </p:grpSpPr>
+      <p:sp>
+        <p:nvSpPr>
+          <p:cNvPr id="2" name="Slide Image Placeholder 1"/>
+          <p:cNvSpPr>
+            <a:spLocks noGrp="1" noRot="1" noChangeAspect="1"/>
+          </p:cNvSpPr>
+          <p:nvPr>
+            <p:ph type="sldImg"/>
+          </p:nvPr>
+        </p:nvSpPr>
+        <p:spPr/>
+      </p:sp>
+      <p:sp>
+        <p:nvSpPr>
+          <p:cNvPr id="3" name="Notes Placeholder 2"/>
+          <p:cNvSpPr>
+            <a:spLocks noGrp="1"/>
+          </p:cNvSpPr>
+          <p:nvPr>
+            <p:ph type="body" idx="1"/>
+          </p:nvPr>
+        </p:nvSpPr>
+        <p:spPr/>
+        <p:txBody>
+          <a:bodyPr/>
+          <a:lstStyle/>
+          <a:p>
+            <a:endParaRPr lang="en-US"/>
+          </a:p>
+        </p:txBody>
+      </p:sp>
+      <p:sp>
+        <p:nvSpPr>
+          <p:cNvPr id="4" name="Footer Placeholder 3"/>
+          <p:cNvSpPr>
+            <a:spLocks noGrp="1"/>
+          </p:cNvSpPr>
+          <p:nvPr>
+            <p:ph type="ftr" sz="quarter" idx="10"/>
+          </p:nvPr>
+        </p:nvSpPr>
+        <p:spPr/>
+        <p:txBody>
+          <a:bodyPr/>
+          <a:lstStyle/>
+          <a:p>
+            <a:pPr defTabSz="914099" eaLnBrk="0" hangingPunct="0"/>
+            <a:r>
+              <a:rPr lang="en-US" sz="400">
+                <a:gradFill>
+                  <a:gsLst>
+                    <a:gs pos="0">
+                      <a:prstClr val="black"/>
+                    </a:gs>
+                    <a:gs pos="100000">
+                      <a:prstClr val="black"/>
+                    </a:gs>
+                  </a:gsLst>
+                  <a:lin ang="5400000" scaled="0"/>
+                </a:gradFill>
+                <a:latin typeface="Segoe UI" pitchFamily="34" charset="0"/>
+                <a:ea typeface="Segoe UI" pitchFamily="34" charset="0"/>
+                <a:cs typeface="Segoe UI" pitchFamily="34" charset="0"/>
+              </a:rPr>
+              <a:t>© 2014 Microsoft Corporation. All rights reserved. Microsoft, Windows, and other product names are or may be registered trademarks and/or trademarks in the U.S. and/or other countries. The information herein is for informational purposes only and represents the current view of Microsoft Corporation as of the date of this presentation.  Because Microsoft must respond to changing market conditions, it should not be interpreted to be a commitment on the part of Microsoft, and Microsoft cannot guarantee the accuracy of any information provided after the date of this presentation.  MICROSOFT MAKES NO WARRANTIES, EXPRESS, IMPLIED OR STATUTORY, AS TO THE INFORMATION IN THIS PRESENTATION.</a:t>
+            </a:r>
+            <a:endParaRPr lang="en-US" sz="400" dirty="0">
+              <a:gradFill>
+                <a:gsLst>
+                  <a:gs pos="0">
+                    <a:prstClr val="black"/>
+                  </a:gs>
+                  <a:gs pos="100000">
+                    <a:prstClr val="black"/>
+                  </a:gs>
+                </a:gsLst>
+                <a:lin ang="5400000" scaled="0"/>
+              </a:gradFill>
+              <a:latin typeface="Segoe UI" pitchFamily="34" charset="0"/>
+              <a:ea typeface="Segoe UI" pitchFamily="34" charset="0"/>
+              <a:cs typeface="Segoe UI" pitchFamily="34" charset="0"/>
+            </a:endParaRPr>
+          </a:p>
+        </p:txBody>
+      </p:sp>
+      <p:sp>
+        <p:nvSpPr>
+          <p:cNvPr id="5" name="Date Placeholder 4"/>
+          <p:cNvSpPr>
+            <a:spLocks noGrp="1"/>
+          </p:cNvSpPr>
+          <p:nvPr>
+            <p:ph type="dt" idx="11"/>
+          </p:nvPr>
+        </p:nvSpPr>
+        <p:spPr/>
+        <p:txBody>
+          <a:bodyPr/>
+          <a:lstStyle/>
+          <a:p>
+            <a:fld id="{FCF63DAE-D37E-4C44-BD81-0E251F1BE300}" type="datetime1">
+              <a:rPr lang="en-US" smtClean="0">
+                <a:solidFill>
+                  <a:prstClr val="black"/>
+                </a:solidFill>
+              </a:rPr>
+              <a:pPr/>
+              <a:t>12/12/2016</a:t>
+            </a:fld>
+            <a:endParaRPr lang="en-US" dirty="0">
+              <a:solidFill>
+                <a:prstClr val="black"/>
+              </a:solidFill>
+            </a:endParaRPr>
+          </a:p>
+        </p:txBody>
+      </p:sp>
+      <p:sp>
+        <p:nvSpPr>
+          <p:cNvPr id="6" name="Slide Number Placeholder 5"/>
+          <p:cNvSpPr>
+            <a:spLocks noGrp="1"/>
+          </p:cNvSpPr>
+          <p:nvPr>
+            <p:ph type="sldNum" sz="quarter" idx="12"/>
+          </p:nvPr>
+        </p:nvSpPr>
+        <p:spPr/>
+        <p:txBody>
+          <a:bodyPr/>
+          <a:lstStyle/>
+          <a:p>
+            <a:fld id="{B4008EB6-D09E-4580-8CD6-DDB14511944F}" type="slidenum">
+              <a:rPr lang="en-US" smtClean="0">
+                <a:solidFill>
+                  <a:prstClr val="black"/>
+                </a:solidFill>
+              </a:rPr>
+              <a:pPr/>
+              <a:t>43</a:t>
+            </a:fld>
+            <a:endParaRPr lang="en-US" dirty="0">
+              <a:solidFill>
+                <a:prstClr val="black"/>
+              </a:solidFill>
+            </a:endParaRPr>
+          </a:p>
+        </p:txBody>
+      </p:sp>
+      <p:sp>
+        <p:nvSpPr>
+          <p:cNvPr id="7" name="Header Placeholder 6"/>
+          <p:cNvSpPr>
+            <a:spLocks noGrp="1"/>
+          </p:cNvSpPr>
+          <p:nvPr>
+            <p:ph type="hdr" sz="quarter" idx="13"/>
+          </p:nvPr>
+        </p:nvSpPr>
+        <p:spPr/>
+        <p:txBody>
+          <a:bodyPr/>
+          <a:lstStyle/>
+          <a:p>
+            <a:r>
+              <a:rPr lang="en-US">
+                <a:solidFill>
+                  <a:prstClr val="black"/>
+                </a:solidFill>
+              </a:rPr>
+              <a:t>Build 2014</a:t>
+            </a:r>
+            <a:endParaRPr lang="en-US" dirty="0">
+              <a:solidFill>
+                <a:prstClr val="black"/>
+              </a:solidFill>
+            </a:endParaRPr>
+          </a:p>
+        </p:txBody>
+      </p:sp>
+    </p:spTree>
+    <p:extLst>
+      <p:ext uri="{BB962C8B-B14F-4D97-AF65-F5344CB8AC3E}">
+        <p14:creationId xmlns:p14="http://schemas.microsoft.com/office/powerpoint/2010/main" val="2762037189"/>
+      </p:ext>
+    </p:extLst>
+  </p:cSld>
+  <p:clrMapOvr>
+    <a:masterClrMapping/>
+  </p:clrMapOvr>
+</p:notes>
+</file>
+
+<file path=ppt/notesSlides/notesSlide41.xml><?xml version="1.0" encoding="utf-8"?>
+<p:notes xmlns:a="http://schemas.openxmlformats.org/drawingml/2006/main" xmlns:r="http://schemas.openxmlformats.org/officeDocument/2006/relationships" xmlns:p="http://schemas.openxmlformats.org/presentationml/2006/main">
+  <p:cSld>
+    <p:spTree>
+      <p:nvGrpSpPr>
+        <p:cNvPr id="1" name=""/>
+        <p:cNvGrpSpPr/>
+        <p:nvPr/>
+      </p:nvGrpSpPr>
+      <p:grpSpPr>
+        <a:xfrm>
+          <a:off x="0" y="0"/>
+          <a:ext cx="0" cy="0"/>
+          <a:chOff x="0" y="0"/>
+          <a:chExt cx="0" cy="0"/>
+        </a:xfrm>
+      </p:grpSpPr>
+      <p:sp>
+        <p:nvSpPr>
+          <p:cNvPr id="2" name="Slide Image Placeholder 1"/>
+          <p:cNvSpPr>
+            <a:spLocks noGrp="1" noRot="1" noChangeAspect="1"/>
+          </p:cNvSpPr>
+          <p:nvPr>
+            <p:ph type="sldImg"/>
+          </p:nvPr>
+        </p:nvSpPr>
+        <p:spPr/>
+      </p:sp>
+      <p:sp>
+        <p:nvSpPr>
+          <p:cNvPr id="3" name="Notes Placeholder 2"/>
+          <p:cNvSpPr>
+            <a:spLocks noGrp="1"/>
+          </p:cNvSpPr>
+          <p:nvPr>
+            <p:ph type="body" idx="1"/>
+          </p:nvPr>
+        </p:nvSpPr>
+        <p:spPr/>
+        <p:txBody>
+          <a:bodyPr/>
+          <a:lstStyle/>
+          <a:p>
+            <a:endParaRPr lang="en-US"/>
+          </a:p>
+        </p:txBody>
+      </p:sp>
+      <p:sp>
+        <p:nvSpPr>
+          <p:cNvPr id="4" name="Header Placeholder 3"/>
+          <p:cNvSpPr>
+            <a:spLocks noGrp="1"/>
+          </p:cNvSpPr>
+          <p:nvPr>
+            <p:ph type="hdr" sz="quarter" idx="10"/>
+          </p:nvPr>
+        </p:nvSpPr>
+        <p:spPr/>
+        <p:txBody>
+          <a:bodyPr/>
+          <a:lstStyle/>
+          <a:p>
+            <a:r>
+              <a:rPr lang="en-US">
+                <a:solidFill>
+                  <a:prstClr val="black"/>
+                </a:solidFill>
+              </a:rPr>
+              <a:t>Build 2014</a:t>
+            </a:r>
+            <a:endParaRPr lang="en-US" dirty="0">
+              <a:solidFill>
+                <a:prstClr val="black"/>
+              </a:solidFill>
+            </a:endParaRPr>
+          </a:p>
+        </p:txBody>
+      </p:sp>
+      <p:sp>
+        <p:nvSpPr>
+          <p:cNvPr id="5" name="Footer Placeholder 4"/>
+          <p:cNvSpPr>
+            <a:spLocks noGrp="1"/>
+          </p:cNvSpPr>
+          <p:nvPr>
+            <p:ph type="ftr" sz="quarter" idx="11"/>
+          </p:nvPr>
+        </p:nvSpPr>
+        <p:spPr/>
+        <p:txBody>
+          <a:bodyPr/>
+          <a:lstStyle/>
+          <a:p>
+            <a:pPr defTabSz="914099" eaLnBrk="0" hangingPunct="0"/>
+            <a:r>
+              <a:rPr lang="en-US" sz="400">
+                <a:gradFill>
+                  <a:gsLst>
+                    <a:gs pos="0">
+                      <a:prstClr val="black"/>
+                    </a:gs>
+                    <a:gs pos="100000">
+                      <a:prstClr val="black"/>
+                    </a:gs>
+                  </a:gsLst>
+                  <a:lin ang="5400000" scaled="0"/>
+                </a:gradFill>
+                <a:latin typeface="Segoe UI" pitchFamily="34" charset="0"/>
+                <a:ea typeface="Segoe UI" pitchFamily="34" charset="0"/>
+                <a:cs typeface="Segoe UI" pitchFamily="34" charset="0"/>
+              </a:rPr>
+              <a:t>© 2014 Microsoft Corporation. All rights reserved. Microsoft, Windows, and other product names are or may be registered trademarks and/or trademarks in the U.S. and/or other countries. The information herein is for informational purposes only and represents the current view of Microsoft Corporation as of the date of this presentation.  Because Microsoft must respond to changing market conditions, it should not be interpreted to be a commitment on the part of Microsoft, and Microsoft cannot guarantee the accuracy of any information provided after the date of this presentation.  MICROSOFT MAKES NO WARRANTIES, EXPRESS, IMPLIED OR STATUTORY, AS TO THE INFORMATION IN THIS PRESENTATION.</a:t>
+            </a:r>
+            <a:endParaRPr lang="en-US" sz="400" dirty="0">
+              <a:gradFill>
+                <a:gsLst>
+                  <a:gs pos="0">
+                    <a:prstClr val="black"/>
+                  </a:gs>
+                  <a:gs pos="100000">
+                    <a:prstClr val="black"/>
+                  </a:gs>
+                </a:gsLst>
+                <a:lin ang="5400000" scaled="0"/>
+              </a:gradFill>
+              <a:latin typeface="Segoe UI" pitchFamily="34" charset="0"/>
+              <a:ea typeface="Segoe UI" pitchFamily="34" charset="0"/>
+              <a:cs typeface="Segoe UI" pitchFamily="34" charset="0"/>
+            </a:endParaRPr>
+          </a:p>
+        </p:txBody>
+      </p:sp>
+      <p:sp>
+        <p:nvSpPr>
+          <p:cNvPr id="6" name="Date Placeholder 5"/>
+          <p:cNvSpPr>
+            <a:spLocks noGrp="1"/>
+          </p:cNvSpPr>
+          <p:nvPr>
+            <p:ph type="dt" idx="12"/>
+          </p:nvPr>
+        </p:nvSpPr>
+        <p:spPr/>
+        <p:txBody>
+          <a:bodyPr/>
+          <a:lstStyle/>
+          <a:p>
+            <a:fld id="{9F00D60D-1703-4D24-8308-FEE06A50A69C}" type="datetime1">
+              <a:rPr lang="en-US" smtClean="0">
+                <a:solidFill>
+                  <a:prstClr val="black"/>
+                </a:solidFill>
+              </a:rPr>
+              <a:pPr/>
+              <a:t>12/12/2016</a:t>
+            </a:fld>
+            <a:endParaRPr lang="en-US" dirty="0">
+              <a:solidFill>
+                <a:prstClr val="black"/>
+              </a:solidFill>
+            </a:endParaRPr>
+          </a:p>
+        </p:txBody>
+      </p:sp>
+      <p:sp>
+        <p:nvSpPr>
+          <p:cNvPr id="7" name="Slide Number Placeholder 6"/>
+          <p:cNvSpPr>
+            <a:spLocks noGrp="1"/>
+          </p:cNvSpPr>
+          <p:nvPr>
+            <p:ph type="sldNum" sz="quarter" idx="13"/>
+          </p:nvPr>
+        </p:nvSpPr>
+        <p:spPr/>
+        <p:txBody>
+          <a:bodyPr/>
+          <a:lstStyle/>
+          <a:p>
+            <a:fld id="{B4008EB6-D09E-4580-8CD6-DDB14511944F}" type="slidenum">
+              <a:rPr lang="en-US" smtClean="0">
+                <a:solidFill>
+                  <a:prstClr val="black"/>
+                </a:solidFill>
+              </a:rPr>
+              <a:pPr/>
+              <a:t>44</a:t>
+            </a:fld>
+            <a:endParaRPr lang="en-US" dirty="0">
+              <a:solidFill>
+                <a:prstClr val="black"/>
+              </a:solidFill>
+            </a:endParaRPr>
+          </a:p>
+        </p:txBody>
+      </p:sp>
+    </p:spTree>
+    <p:extLst>
+      <p:ext uri="{BB962C8B-B14F-4D97-AF65-F5344CB8AC3E}">
+        <p14:creationId xmlns:p14="http://schemas.microsoft.com/office/powerpoint/2010/main" val="3357644"/>
+      </p:ext>
+    </p:extLst>
+  </p:cSld>
+  <p:clrMapOvr>
+    <a:masterClrMapping/>
+  </p:clrMapOvr>
+</p:notes>
+</file>
+
+<file path=ppt/notesSlides/notesSlide42.xml><?xml version="1.0" encoding="utf-8"?>
+<p:notes xmlns:a="http://schemas.openxmlformats.org/drawingml/2006/main" xmlns:r="http://schemas.openxmlformats.org/officeDocument/2006/relationships" xmlns:p="http://schemas.openxmlformats.org/presentationml/2006/main">
+  <p:cSld>
+    <p:spTree>
+      <p:nvGrpSpPr>
+        <p:cNvPr id="1" name=""/>
+        <p:cNvGrpSpPr/>
+        <p:nvPr/>
+      </p:nvGrpSpPr>
+      <p:grpSpPr>
+        <a:xfrm>
+          <a:off x="0" y="0"/>
+          <a:ext cx="0" cy="0"/>
+          <a:chOff x="0" y="0"/>
+          <a:chExt cx="0" cy="0"/>
+        </a:xfrm>
+      </p:grpSpPr>
+      <p:sp>
+        <p:nvSpPr>
+          <p:cNvPr id="2" name="Slide Image Placeholder 1"/>
+          <p:cNvSpPr>
+            <a:spLocks noGrp="1" noRot="1" noChangeAspect="1"/>
+          </p:cNvSpPr>
+          <p:nvPr>
+            <p:ph type="sldImg"/>
+          </p:nvPr>
+        </p:nvSpPr>
+        <p:spPr/>
+      </p:sp>
+      <p:sp>
+        <p:nvSpPr>
+          <p:cNvPr id="3" name="Notes Placeholder 2"/>
+          <p:cNvSpPr>
+            <a:spLocks noGrp="1"/>
+          </p:cNvSpPr>
+          <p:nvPr>
+            <p:ph type="body" idx="1"/>
+          </p:nvPr>
+        </p:nvSpPr>
+        <p:spPr/>
+        <p:txBody>
+          <a:bodyPr/>
+          <a:lstStyle/>
+          <a:p>
+            <a:endParaRPr lang="en-US"/>
+          </a:p>
+        </p:txBody>
+      </p:sp>
+      <p:sp>
+        <p:nvSpPr>
+          <p:cNvPr id="4" name="Header Placeholder 3"/>
+          <p:cNvSpPr>
+            <a:spLocks noGrp="1"/>
+          </p:cNvSpPr>
+          <p:nvPr>
+            <p:ph type="hdr" sz="quarter" idx="10"/>
+          </p:nvPr>
+        </p:nvSpPr>
+        <p:spPr/>
+        <p:txBody>
+          <a:bodyPr/>
+          <a:lstStyle/>
+          <a:p>
+            <a:r>
+              <a:rPr lang="en-US">
+                <a:solidFill>
+                  <a:prstClr val="black"/>
+                </a:solidFill>
+              </a:rPr>
+              <a:t>Build 2014</a:t>
+            </a:r>
+            <a:endParaRPr lang="en-US" dirty="0">
+              <a:solidFill>
+                <a:prstClr val="black"/>
+              </a:solidFill>
+            </a:endParaRPr>
+          </a:p>
+        </p:txBody>
+      </p:sp>
+      <p:sp>
+        <p:nvSpPr>
+          <p:cNvPr id="5" name="Footer Placeholder 4"/>
+          <p:cNvSpPr>
+            <a:spLocks noGrp="1"/>
+          </p:cNvSpPr>
+          <p:nvPr>
+            <p:ph type="ftr" sz="quarter" idx="11"/>
+          </p:nvPr>
+        </p:nvSpPr>
+        <p:spPr/>
+        <p:txBody>
+          <a:bodyPr/>
+          <a:lstStyle/>
+          <a:p>
+            <a:pPr defTabSz="914099" eaLnBrk="0" hangingPunct="0"/>
+            <a:r>
+              <a:rPr lang="en-US" sz="400">
+                <a:gradFill>
+                  <a:gsLst>
+                    <a:gs pos="0">
+                      <a:prstClr val="black"/>
+                    </a:gs>
+                    <a:gs pos="100000">
+                      <a:prstClr val="black"/>
+                    </a:gs>
+                  </a:gsLst>
+                  <a:lin ang="5400000" scaled="0"/>
+                </a:gradFill>
+                <a:latin typeface="Segoe UI" pitchFamily="34" charset="0"/>
+                <a:ea typeface="Segoe UI" pitchFamily="34" charset="0"/>
+                <a:cs typeface="Segoe UI" pitchFamily="34" charset="0"/>
+              </a:rPr>
+              <a:t>© 2014 Microsoft Corporation. All rights reserved. Microsoft, Windows, and other product names are or may be registered trademarks and/or trademarks in the U.S. and/or other countries. The information herein is for informational purposes only and represents the current view of Microsoft Corporation as of the date of this presentation.  Because Microsoft must respond to changing market conditions, it should not be interpreted to be a commitment on the part of Microsoft, and Microsoft cannot guarantee the accuracy of any information provided after the date of this presentation.  MICROSOFT MAKES NO WARRANTIES, EXPRESS, IMPLIED OR STATUTORY, AS TO THE INFORMATION IN THIS PRESENTATION.</a:t>
+            </a:r>
+            <a:endParaRPr lang="en-US" sz="400" dirty="0">
+              <a:gradFill>
+                <a:gsLst>
+                  <a:gs pos="0">
+                    <a:prstClr val="black"/>
+                  </a:gs>
+                  <a:gs pos="100000">
+                    <a:prstClr val="black"/>
+                  </a:gs>
+                </a:gsLst>
+                <a:lin ang="5400000" scaled="0"/>
+              </a:gradFill>
+              <a:latin typeface="Segoe UI" pitchFamily="34" charset="0"/>
+              <a:ea typeface="Segoe UI" pitchFamily="34" charset="0"/>
+              <a:cs typeface="Segoe UI" pitchFamily="34" charset="0"/>
+            </a:endParaRPr>
+          </a:p>
+        </p:txBody>
+      </p:sp>
+      <p:sp>
+        <p:nvSpPr>
+          <p:cNvPr id="6" name="Date Placeholder 5"/>
+          <p:cNvSpPr>
+            <a:spLocks noGrp="1"/>
+          </p:cNvSpPr>
+          <p:nvPr>
+            <p:ph type="dt" idx="12"/>
+          </p:nvPr>
+        </p:nvSpPr>
+        <p:spPr/>
+        <p:txBody>
+          <a:bodyPr/>
+          <a:lstStyle/>
+          <a:p>
+            <a:fld id="{9F00D60D-1703-4D24-8308-FEE06A50A69C}" type="datetime1">
+              <a:rPr lang="en-US" smtClean="0">
+                <a:solidFill>
+                  <a:prstClr val="black"/>
+                </a:solidFill>
+              </a:rPr>
+              <a:pPr/>
+              <a:t>12/12/2016</a:t>
+            </a:fld>
+            <a:endParaRPr lang="en-US" dirty="0">
+              <a:solidFill>
+                <a:prstClr val="black"/>
+              </a:solidFill>
+            </a:endParaRPr>
+          </a:p>
+        </p:txBody>
+      </p:sp>
+      <p:sp>
+        <p:nvSpPr>
+          <p:cNvPr id="7" name="Slide Number Placeholder 6"/>
+          <p:cNvSpPr>
+            <a:spLocks noGrp="1"/>
+          </p:cNvSpPr>
+          <p:nvPr>
+            <p:ph type="sldNum" sz="quarter" idx="13"/>
+          </p:nvPr>
+        </p:nvSpPr>
+        <p:spPr/>
+        <p:txBody>
+          <a:bodyPr/>
+          <a:lstStyle/>
+          <a:p>
+            <a:fld id="{B4008EB6-D09E-4580-8CD6-DDB14511944F}" type="slidenum">
+              <a:rPr lang="en-US" smtClean="0">
+                <a:solidFill>
+                  <a:prstClr val="black"/>
+                </a:solidFill>
+              </a:rPr>
+              <a:pPr/>
+              <a:t>45</a:t>
+            </a:fld>
+            <a:endParaRPr lang="en-US" dirty="0">
+              <a:solidFill>
+                <a:prstClr val="black"/>
+              </a:solidFill>
+            </a:endParaRPr>
+          </a:p>
+        </p:txBody>
+      </p:sp>
+    </p:spTree>
+    <p:extLst>
+      <p:ext uri="{BB962C8B-B14F-4D97-AF65-F5344CB8AC3E}">
+        <p14:creationId xmlns:p14="http://schemas.microsoft.com/office/powerpoint/2010/main" val="698718609"/>
+      </p:ext>
+    </p:extLst>
+  </p:cSld>
+  <p:clrMapOvr>
+    <a:masterClrMapping/>
+  </p:clrMapOvr>
+</p:notes>
+</file>
+
+<file path=ppt/notesSlides/notesSlide43.xml><?xml version="1.0" encoding="utf-8"?>
+<p:notes xmlns:a="http://schemas.openxmlformats.org/drawingml/2006/main" xmlns:r="http://schemas.openxmlformats.org/officeDocument/2006/relationships" xmlns:p="http://schemas.openxmlformats.org/presentationml/2006/main">
+  <p:cSld>
+    <p:spTree>
+      <p:nvGrpSpPr>
+        <p:cNvPr id="1" name=""/>
+        <p:cNvGrpSpPr/>
+        <p:nvPr/>
+      </p:nvGrpSpPr>
+      <p:grpSpPr>
+        <a:xfrm>
+          <a:off x="0" y="0"/>
+          <a:ext cx="0" cy="0"/>
+          <a:chOff x="0" y="0"/>
+          <a:chExt cx="0" cy="0"/>
+        </a:xfrm>
+      </p:grpSpPr>
+      <p:sp>
+        <p:nvSpPr>
+          <p:cNvPr id="2" name="Slide Image Placeholder 1"/>
+          <p:cNvSpPr>
+            <a:spLocks noGrp="1" noRot="1" noChangeAspect="1"/>
+          </p:cNvSpPr>
+          <p:nvPr>
+            <p:ph type="sldImg"/>
+          </p:nvPr>
+        </p:nvSpPr>
+        <p:spPr/>
+      </p:sp>
+      <p:sp>
+        <p:nvSpPr>
+          <p:cNvPr id="3" name="Notes Placeholder 2"/>
+          <p:cNvSpPr>
+            <a:spLocks noGrp="1"/>
+          </p:cNvSpPr>
+          <p:nvPr>
+            <p:ph type="body" idx="1"/>
+          </p:nvPr>
+        </p:nvSpPr>
+        <p:spPr/>
+        <p:txBody>
+          <a:bodyPr/>
+          <a:lstStyle/>
+          <a:p>
+            <a:endParaRPr lang="en-US"/>
+          </a:p>
+        </p:txBody>
+      </p:sp>
+      <p:sp>
+        <p:nvSpPr>
+          <p:cNvPr id="4" name="Header Placeholder 3"/>
+          <p:cNvSpPr>
+            <a:spLocks noGrp="1"/>
+          </p:cNvSpPr>
+          <p:nvPr>
+            <p:ph type="hdr" sz="quarter" idx="10"/>
+          </p:nvPr>
+        </p:nvSpPr>
+        <p:spPr/>
+        <p:txBody>
+          <a:bodyPr/>
+          <a:lstStyle/>
+          <a:p>
+            <a:r>
+              <a:rPr lang="en-US">
+                <a:solidFill>
+                  <a:prstClr val="black"/>
+                </a:solidFill>
+              </a:rPr>
+              <a:t>Build 2014</a:t>
+            </a:r>
+            <a:endParaRPr lang="en-US" dirty="0">
+              <a:solidFill>
+                <a:prstClr val="black"/>
+              </a:solidFill>
+            </a:endParaRPr>
+          </a:p>
+        </p:txBody>
+      </p:sp>
+      <p:sp>
+        <p:nvSpPr>
+          <p:cNvPr id="5" name="Footer Placeholder 4"/>
+          <p:cNvSpPr>
+            <a:spLocks noGrp="1"/>
+          </p:cNvSpPr>
+          <p:nvPr>
+            <p:ph type="ftr" sz="quarter" idx="11"/>
+          </p:nvPr>
+        </p:nvSpPr>
+        <p:spPr/>
+        <p:txBody>
+          <a:bodyPr/>
+          <a:lstStyle/>
+          <a:p>
+            <a:pPr defTabSz="914099" eaLnBrk="0" hangingPunct="0"/>
+            <a:r>
+              <a:rPr lang="en-US" sz="400">
+                <a:gradFill>
+                  <a:gsLst>
+                    <a:gs pos="0">
+                      <a:prstClr val="black"/>
+                    </a:gs>
+                    <a:gs pos="100000">
+                      <a:prstClr val="black"/>
+                    </a:gs>
+                  </a:gsLst>
+                  <a:lin ang="5400000" scaled="0"/>
+                </a:gradFill>
+                <a:latin typeface="Segoe UI" pitchFamily="34" charset="0"/>
+                <a:ea typeface="Segoe UI" pitchFamily="34" charset="0"/>
+                <a:cs typeface="Segoe UI" pitchFamily="34" charset="0"/>
+              </a:rPr>
+              <a:t>© 2014 Microsoft Corporation. All rights reserved. Microsoft, Windows, and other product names are or may be registered trademarks and/or trademarks in the U.S. and/or other countries. The information herein is for informational purposes only and represents the current view of Microsoft Corporation as of the date of this presentation.  Because Microsoft must respond to changing market conditions, it should not be interpreted to be a commitment on the part of Microsoft, and Microsoft cannot guarantee the accuracy of any information provided after the date of this presentation.  MICROSOFT MAKES NO WARRANTIES, EXPRESS, IMPLIED OR STATUTORY, AS TO THE INFORMATION IN THIS PRESENTATION.</a:t>
+            </a:r>
+            <a:endParaRPr lang="en-US" sz="400" dirty="0">
+              <a:gradFill>
+                <a:gsLst>
+                  <a:gs pos="0">
+                    <a:prstClr val="black"/>
+                  </a:gs>
+                  <a:gs pos="100000">
+                    <a:prstClr val="black"/>
+                  </a:gs>
+                </a:gsLst>
+                <a:lin ang="5400000" scaled="0"/>
+              </a:gradFill>
+              <a:latin typeface="Segoe UI" pitchFamily="34" charset="0"/>
+              <a:ea typeface="Segoe UI" pitchFamily="34" charset="0"/>
+              <a:cs typeface="Segoe UI" pitchFamily="34" charset="0"/>
+            </a:endParaRPr>
+          </a:p>
+        </p:txBody>
+      </p:sp>
+      <p:sp>
+        <p:nvSpPr>
+          <p:cNvPr id="6" name="Date Placeholder 5"/>
+          <p:cNvSpPr>
+            <a:spLocks noGrp="1"/>
+          </p:cNvSpPr>
+          <p:nvPr>
+            <p:ph type="dt" idx="12"/>
+          </p:nvPr>
+        </p:nvSpPr>
+        <p:spPr/>
+        <p:txBody>
+          <a:bodyPr/>
+          <a:lstStyle/>
+          <a:p>
+            <a:fld id="{9F00D60D-1703-4D24-8308-FEE06A50A69C}" type="datetime1">
+              <a:rPr lang="en-US" smtClean="0">
+                <a:solidFill>
+                  <a:prstClr val="black"/>
+                </a:solidFill>
+              </a:rPr>
+              <a:pPr/>
+              <a:t>12/12/2016</a:t>
+            </a:fld>
+            <a:endParaRPr lang="en-US" dirty="0">
+              <a:solidFill>
+                <a:prstClr val="black"/>
+              </a:solidFill>
+            </a:endParaRPr>
+          </a:p>
+        </p:txBody>
+      </p:sp>
+      <p:sp>
+        <p:nvSpPr>
+          <p:cNvPr id="7" name="Slide Number Placeholder 6"/>
+          <p:cNvSpPr>
+            <a:spLocks noGrp="1"/>
+          </p:cNvSpPr>
+          <p:nvPr>
+            <p:ph type="sldNum" sz="quarter" idx="13"/>
+          </p:nvPr>
+        </p:nvSpPr>
+        <p:spPr/>
+        <p:txBody>
+          <a:bodyPr/>
+          <a:lstStyle/>
+          <a:p>
+            <a:fld id="{B4008EB6-D09E-4580-8CD6-DDB14511944F}" type="slidenum">
+              <a:rPr lang="en-US" smtClean="0">
+                <a:solidFill>
+                  <a:prstClr val="black"/>
+                </a:solidFill>
+              </a:rPr>
+              <a:pPr/>
+              <a:t>46</a:t>
+            </a:fld>
+            <a:endParaRPr lang="en-US" dirty="0">
+              <a:solidFill>
+                <a:prstClr val="black"/>
+              </a:solidFill>
+            </a:endParaRPr>
+          </a:p>
+        </p:txBody>
+      </p:sp>
+    </p:spTree>
+    <p:extLst>
+      <p:ext uri="{BB962C8B-B14F-4D97-AF65-F5344CB8AC3E}">
+        <p14:creationId xmlns:p14="http://schemas.microsoft.com/office/powerpoint/2010/main" val="1723905328"/>
+      </p:ext>
+    </p:extLst>
+  </p:cSld>
+  <p:clrMapOvr>
+    <a:masterClrMapping/>
+  </p:clrMapOvr>
+</p:notes>
+</file>
+
+<file path=ppt/notesSlides/notesSlide44.xml><?xml version="1.0" encoding="utf-8"?>
+<p:notes xmlns:a="http://schemas.openxmlformats.org/drawingml/2006/main" xmlns:r="http://schemas.openxmlformats.org/officeDocument/2006/relationships" xmlns:p="http://schemas.openxmlformats.org/presentationml/2006/main">
+  <p:cSld>
+    <p:spTree>
+      <p:nvGrpSpPr>
+        <p:cNvPr id="1" name=""/>
+        <p:cNvGrpSpPr/>
+        <p:nvPr/>
+      </p:nvGrpSpPr>
+      <p:grpSpPr>
+        <a:xfrm>
+          <a:off x="0" y="0"/>
+          <a:ext cx="0" cy="0"/>
+          <a:chOff x="0" y="0"/>
+          <a:chExt cx="0" cy="0"/>
+        </a:xfrm>
+      </p:grpSpPr>
+      <p:sp>
+        <p:nvSpPr>
+          <p:cNvPr id="2" name="Slide Image Placeholder 1"/>
+          <p:cNvSpPr>
+            <a:spLocks noGrp="1" noRot="1" noChangeAspect="1"/>
+          </p:cNvSpPr>
+          <p:nvPr>
+            <p:ph type="sldImg"/>
+          </p:nvPr>
+        </p:nvSpPr>
+        <p:spPr/>
+      </p:sp>
+      <p:sp>
+        <p:nvSpPr>
+          <p:cNvPr id="3" name="Notes Placeholder 2"/>
+          <p:cNvSpPr>
+            <a:spLocks noGrp="1"/>
+          </p:cNvSpPr>
+          <p:nvPr>
+            <p:ph type="body" idx="1"/>
+          </p:nvPr>
+        </p:nvSpPr>
+        <p:spPr/>
+        <p:txBody>
+          <a:bodyPr/>
+          <a:lstStyle/>
+          <a:p>
+            <a:endParaRPr lang="en-US"/>
+          </a:p>
+        </p:txBody>
+      </p:sp>
+      <p:sp>
+        <p:nvSpPr>
+          <p:cNvPr id="4" name="Header Placeholder 3"/>
+          <p:cNvSpPr>
+            <a:spLocks noGrp="1"/>
+          </p:cNvSpPr>
+          <p:nvPr>
+            <p:ph type="hdr" sz="quarter" idx="10"/>
+          </p:nvPr>
+        </p:nvSpPr>
+        <p:spPr/>
+        <p:txBody>
+          <a:bodyPr/>
+          <a:lstStyle/>
+          <a:p>
+            <a:r>
+              <a:rPr lang="en-US">
+                <a:solidFill>
+                  <a:prstClr val="black"/>
+                </a:solidFill>
+              </a:rPr>
+              <a:t>Build 2014</a:t>
+            </a:r>
+            <a:endParaRPr lang="en-US" dirty="0">
+              <a:solidFill>
+                <a:prstClr val="black"/>
+              </a:solidFill>
+            </a:endParaRPr>
+          </a:p>
+        </p:txBody>
+      </p:sp>
+      <p:sp>
+        <p:nvSpPr>
+          <p:cNvPr id="5" name="Footer Placeholder 4"/>
+          <p:cNvSpPr>
+            <a:spLocks noGrp="1"/>
+          </p:cNvSpPr>
+          <p:nvPr>
+            <p:ph type="ftr" sz="quarter" idx="11"/>
+          </p:nvPr>
+        </p:nvSpPr>
+        <p:spPr/>
+        <p:txBody>
+          <a:bodyPr/>
+          <a:lstStyle/>
+          <a:p>
+            <a:pPr defTabSz="914099" eaLnBrk="0" hangingPunct="0"/>
+            <a:r>
+              <a:rPr lang="en-US" sz="400">
+                <a:gradFill>
+                  <a:gsLst>
+                    <a:gs pos="0">
+                      <a:prstClr val="black"/>
+                    </a:gs>
+                    <a:gs pos="100000">
+                      <a:prstClr val="black"/>
+                    </a:gs>
+                  </a:gsLst>
+                  <a:lin ang="5400000" scaled="0"/>
+                </a:gradFill>
+                <a:latin typeface="Segoe UI" pitchFamily="34" charset="0"/>
+                <a:ea typeface="Segoe UI" pitchFamily="34" charset="0"/>
+                <a:cs typeface="Segoe UI" pitchFamily="34" charset="0"/>
+              </a:rPr>
+              <a:t>© 2014 Microsoft Corporation. All rights reserved. Microsoft, Windows, and other product names are or may be registered trademarks and/or trademarks in the U.S. and/or other countries. The information herein is for informational purposes only and represents the current view of Microsoft Corporation as of the date of this presentation.  Because Microsoft must respond to changing market conditions, it should not be interpreted to be a commitment on the part of Microsoft, and Microsoft cannot guarantee the accuracy of any information provided after the date of this presentation.  MICROSOFT MAKES NO WARRANTIES, EXPRESS, IMPLIED OR STATUTORY, AS TO THE INFORMATION IN THIS PRESENTATION.</a:t>
+            </a:r>
+            <a:endParaRPr lang="en-US" sz="400" dirty="0">
+              <a:gradFill>
+                <a:gsLst>
+                  <a:gs pos="0">
+                    <a:prstClr val="black"/>
+                  </a:gs>
+                  <a:gs pos="100000">
+                    <a:prstClr val="black"/>
+                  </a:gs>
+                </a:gsLst>
+                <a:lin ang="5400000" scaled="0"/>
+              </a:gradFill>
+              <a:latin typeface="Segoe UI" pitchFamily="34" charset="0"/>
+              <a:ea typeface="Segoe UI" pitchFamily="34" charset="0"/>
+              <a:cs typeface="Segoe UI" pitchFamily="34" charset="0"/>
+            </a:endParaRPr>
+          </a:p>
+        </p:txBody>
+      </p:sp>
+      <p:sp>
+        <p:nvSpPr>
+          <p:cNvPr id="6" name="Date Placeholder 5"/>
+          <p:cNvSpPr>
+            <a:spLocks noGrp="1"/>
+          </p:cNvSpPr>
+          <p:nvPr>
+            <p:ph type="dt" idx="12"/>
+          </p:nvPr>
+        </p:nvSpPr>
+        <p:spPr/>
+        <p:txBody>
+          <a:bodyPr/>
+          <a:lstStyle/>
+          <a:p>
+            <a:fld id="{9F00D60D-1703-4D24-8308-FEE06A50A69C}" type="datetime1">
+              <a:rPr lang="en-US" smtClean="0">
+                <a:solidFill>
+                  <a:prstClr val="black"/>
+                </a:solidFill>
+              </a:rPr>
+              <a:pPr/>
+              <a:t>12/12/2016</a:t>
+            </a:fld>
+            <a:endParaRPr lang="en-US" dirty="0">
+              <a:solidFill>
+                <a:prstClr val="black"/>
+              </a:solidFill>
+            </a:endParaRPr>
+          </a:p>
+        </p:txBody>
+      </p:sp>
+      <p:sp>
+        <p:nvSpPr>
+          <p:cNvPr id="7" name="Slide Number Placeholder 6"/>
+          <p:cNvSpPr>
+            <a:spLocks noGrp="1"/>
+          </p:cNvSpPr>
+          <p:nvPr>
+            <p:ph type="sldNum" sz="quarter" idx="13"/>
+          </p:nvPr>
+        </p:nvSpPr>
+        <p:spPr/>
+        <p:txBody>
+          <a:bodyPr/>
+          <a:lstStyle/>
+          <a:p>
+            <a:fld id="{B4008EB6-D09E-4580-8CD6-DDB14511944F}" type="slidenum">
+              <a:rPr lang="en-US" smtClean="0">
+                <a:solidFill>
+                  <a:prstClr val="black"/>
+                </a:solidFill>
+              </a:rPr>
+              <a:pPr/>
+              <a:t>47</a:t>
+            </a:fld>
+            <a:endParaRPr lang="en-US" dirty="0">
+              <a:solidFill>
+                <a:prstClr val="black"/>
+              </a:solidFill>
+            </a:endParaRPr>
+          </a:p>
+        </p:txBody>
+      </p:sp>
+    </p:spTree>
+    <p:extLst>
+      <p:ext uri="{BB962C8B-B14F-4D97-AF65-F5344CB8AC3E}">
+        <p14:creationId xmlns:p14="http://schemas.microsoft.com/office/powerpoint/2010/main" val="2509412685"/>
+      </p:ext>
+    </p:extLst>
+  </p:cSld>
+  <p:clrMapOvr>
+    <a:masterClrMapping/>
+  </p:clrMapOvr>
+</p:notes>
+</file>
+
+<file path=ppt/notesSlides/notesSlide45.xml><?xml version="1.0" encoding="utf-8"?>
+<p:notes xmlns:a="http://schemas.openxmlformats.org/drawingml/2006/main" xmlns:r="http://schemas.openxmlformats.org/officeDocument/2006/relationships" xmlns:p="http://schemas.openxmlformats.org/presentationml/2006/main">
+  <p:cSld>
+    <p:spTree>
+      <p:nvGrpSpPr>
+        <p:cNvPr id="1" name=""/>
+        <p:cNvGrpSpPr/>
+        <p:nvPr/>
+      </p:nvGrpSpPr>
+      <p:grpSpPr>
+        <a:xfrm>
+          <a:off x="0" y="0"/>
+          <a:ext cx="0" cy="0"/>
+          <a:chOff x="0" y="0"/>
+          <a:chExt cx="0" cy="0"/>
+        </a:xfrm>
+      </p:grpSpPr>
+      <p:sp>
+        <p:nvSpPr>
+          <p:cNvPr id="2" name="Slide Image Placeholder 1"/>
+          <p:cNvSpPr>
+            <a:spLocks noGrp="1" noRot="1" noChangeAspect="1"/>
+          </p:cNvSpPr>
+          <p:nvPr>
+            <p:ph type="sldImg"/>
+          </p:nvPr>
+        </p:nvSpPr>
+        <p:spPr/>
+      </p:sp>
+      <p:sp>
+        <p:nvSpPr>
+          <p:cNvPr id="3" name="Notes Placeholder 2"/>
+          <p:cNvSpPr>
+            <a:spLocks noGrp="1"/>
+          </p:cNvSpPr>
+          <p:nvPr>
+            <p:ph type="body" idx="1"/>
+          </p:nvPr>
+        </p:nvSpPr>
+        <p:spPr/>
+        <p:txBody>
+          <a:bodyPr/>
+          <a:lstStyle/>
+          <a:p>
+            <a:endParaRPr lang="en-US"/>
+          </a:p>
+        </p:txBody>
+      </p:sp>
+      <p:sp>
+        <p:nvSpPr>
+          <p:cNvPr id="4" name="Header Placeholder 3"/>
+          <p:cNvSpPr>
+            <a:spLocks noGrp="1"/>
+          </p:cNvSpPr>
+          <p:nvPr>
+            <p:ph type="hdr" sz="quarter" idx="10"/>
+          </p:nvPr>
+        </p:nvSpPr>
+        <p:spPr/>
+        <p:txBody>
+          <a:bodyPr/>
+          <a:lstStyle/>
+          <a:p>
+            <a:r>
+              <a:rPr lang="en-US">
+                <a:solidFill>
+                  <a:prstClr val="black"/>
+                </a:solidFill>
+              </a:rPr>
+              <a:t>Build 2014</a:t>
+            </a:r>
+            <a:endParaRPr lang="en-US" dirty="0">
+              <a:solidFill>
+                <a:prstClr val="black"/>
+              </a:solidFill>
+            </a:endParaRPr>
+          </a:p>
+        </p:txBody>
+      </p:sp>
+      <p:sp>
+        <p:nvSpPr>
+          <p:cNvPr id="5" name="Footer Placeholder 4"/>
+          <p:cNvSpPr>
+            <a:spLocks noGrp="1"/>
+          </p:cNvSpPr>
+          <p:nvPr>
+            <p:ph type="ftr" sz="quarter" idx="11"/>
+          </p:nvPr>
+        </p:nvSpPr>
+        <p:spPr/>
+        <p:txBody>
+          <a:bodyPr/>
+          <a:lstStyle/>
+          <a:p>
+            <a:pPr defTabSz="914099" eaLnBrk="0" hangingPunct="0"/>
+            <a:r>
+              <a:rPr lang="en-US" sz="400">
+                <a:gradFill>
+                  <a:gsLst>
+                    <a:gs pos="0">
+                      <a:prstClr val="black"/>
+                    </a:gs>
+                    <a:gs pos="100000">
+                      <a:prstClr val="black"/>
+                    </a:gs>
+                  </a:gsLst>
+                  <a:lin ang="5400000" scaled="0"/>
+                </a:gradFill>
+                <a:latin typeface="Segoe UI" pitchFamily="34" charset="0"/>
+                <a:ea typeface="Segoe UI" pitchFamily="34" charset="0"/>
+                <a:cs typeface="Segoe UI" pitchFamily="34" charset="0"/>
+              </a:rPr>
+              <a:t>© 2014 Microsoft Corporation. All rights reserved. Microsoft, Windows, and other product names are or may be registered trademarks and/or trademarks in the U.S. and/or other countries. The information herein is for informational purposes only and represents the current view of Microsoft Corporation as of the date of this presentation.  Because Microsoft must respond to changing market conditions, it should not be interpreted to be a commitment on the part of Microsoft, and Microsoft cannot guarantee the accuracy of any information provided after the date of this presentation.  MICROSOFT MAKES NO WARRANTIES, EXPRESS, IMPLIED OR STATUTORY, AS TO THE INFORMATION IN THIS PRESENTATION.</a:t>
+            </a:r>
+            <a:endParaRPr lang="en-US" sz="400" dirty="0">
+              <a:gradFill>
+                <a:gsLst>
+                  <a:gs pos="0">
+                    <a:prstClr val="black"/>
+                  </a:gs>
+                  <a:gs pos="100000">
+                    <a:prstClr val="black"/>
+                  </a:gs>
+                </a:gsLst>
+                <a:lin ang="5400000" scaled="0"/>
+              </a:gradFill>
+              <a:latin typeface="Segoe UI" pitchFamily="34" charset="0"/>
+              <a:ea typeface="Segoe UI" pitchFamily="34" charset="0"/>
+              <a:cs typeface="Segoe UI" pitchFamily="34" charset="0"/>
+            </a:endParaRPr>
+          </a:p>
+        </p:txBody>
+      </p:sp>
+      <p:sp>
+        <p:nvSpPr>
+          <p:cNvPr id="6" name="Date Placeholder 5"/>
+          <p:cNvSpPr>
+            <a:spLocks noGrp="1"/>
+          </p:cNvSpPr>
+          <p:nvPr>
+            <p:ph type="dt" idx="12"/>
+          </p:nvPr>
+        </p:nvSpPr>
+        <p:spPr/>
+        <p:txBody>
+          <a:bodyPr/>
+          <a:lstStyle/>
+          <a:p>
+            <a:fld id="{9F00D60D-1703-4D24-8308-FEE06A50A69C}" type="datetime1">
+              <a:rPr lang="en-US" smtClean="0">
+                <a:solidFill>
+                  <a:prstClr val="black"/>
+                </a:solidFill>
+              </a:rPr>
+              <a:pPr/>
+              <a:t>12/12/2016</a:t>
+            </a:fld>
+            <a:endParaRPr lang="en-US" dirty="0">
+              <a:solidFill>
+                <a:prstClr val="black"/>
+              </a:solidFill>
+            </a:endParaRPr>
+          </a:p>
+        </p:txBody>
+      </p:sp>
+      <p:sp>
+        <p:nvSpPr>
+          <p:cNvPr id="7" name="Slide Number Placeholder 6"/>
+          <p:cNvSpPr>
+            <a:spLocks noGrp="1"/>
+          </p:cNvSpPr>
+          <p:nvPr>
+            <p:ph type="sldNum" sz="quarter" idx="13"/>
+          </p:nvPr>
+        </p:nvSpPr>
+        <p:spPr/>
+        <p:txBody>
+          <a:bodyPr/>
+          <a:lstStyle/>
+          <a:p>
+            <a:fld id="{B4008EB6-D09E-4580-8CD6-DDB14511944F}" type="slidenum">
+              <a:rPr lang="en-US" smtClean="0">
+                <a:solidFill>
+                  <a:prstClr val="black"/>
+                </a:solidFill>
+              </a:rPr>
+              <a:pPr/>
+              <a:t>48</a:t>
+            </a:fld>
+            <a:endParaRPr lang="en-US" dirty="0">
+              <a:solidFill>
+                <a:prstClr val="black"/>
+              </a:solidFill>
+            </a:endParaRPr>
+          </a:p>
+        </p:txBody>
+      </p:sp>
+    </p:spTree>
+    <p:extLst>
+      <p:ext uri="{BB962C8B-B14F-4D97-AF65-F5344CB8AC3E}">
+        <p14:creationId xmlns:p14="http://schemas.microsoft.com/office/powerpoint/2010/main" val="2047366070"/>
+      </p:ext>
+    </p:extLst>
+  </p:cSld>
+  <p:clrMapOvr>
+    <a:masterClrMapping/>
+  </p:clrMapOvr>
+</p:notes>
+</file>
+
+<file path=ppt/notesSlides/notesSlide46.xml><?xml version="1.0" encoding="utf-8"?>
+<p:notes xmlns:a="http://schemas.openxmlformats.org/drawingml/2006/main" xmlns:r="http://schemas.openxmlformats.org/officeDocument/2006/relationships" xmlns:p="http://schemas.openxmlformats.org/presentationml/2006/main">
+  <p:cSld>
+    <p:spTree>
+      <p:nvGrpSpPr>
+        <p:cNvPr id="1" name=""/>
+        <p:cNvGrpSpPr/>
+        <p:nvPr/>
+      </p:nvGrpSpPr>
+      <p:grpSpPr>
+        <a:xfrm>
+          <a:off x="0" y="0"/>
+          <a:ext cx="0" cy="0"/>
+          <a:chOff x="0" y="0"/>
+          <a:chExt cx="0" cy="0"/>
+        </a:xfrm>
+      </p:grpSpPr>
+      <p:sp>
+        <p:nvSpPr>
+          <p:cNvPr id="2" name="Slide Image Placeholder 1"/>
+          <p:cNvSpPr>
+            <a:spLocks noGrp="1" noRot="1" noChangeAspect="1"/>
+          </p:cNvSpPr>
+          <p:nvPr>
+            <p:ph type="sldImg"/>
+          </p:nvPr>
+        </p:nvSpPr>
+        <p:spPr/>
+      </p:sp>
+      <p:sp>
+        <p:nvSpPr>
+          <p:cNvPr id="3" name="Notes Placeholder 2"/>
+          <p:cNvSpPr>
+            <a:spLocks noGrp="1"/>
+          </p:cNvSpPr>
+          <p:nvPr>
+            <p:ph type="body" idx="1"/>
+          </p:nvPr>
+        </p:nvSpPr>
+        <p:spPr/>
+        <p:txBody>
+          <a:bodyPr/>
+          <a:lstStyle/>
+          <a:p>
+            <a:endParaRPr lang="en-US"/>
+          </a:p>
+        </p:txBody>
+      </p:sp>
+      <p:sp>
+        <p:nvSpPr>
+          <p:cNvPr id="4" name="Header Placeholder 3"/>
+          <p:cNvSpPr>
+            <a:spLocks noGrp="1"/>
+          </p:cNvSpPr>
+          <p:nvPr>
+            <p:ph type="hdr" sz="quarter" idx="10"/>
+          </p:nvPr>
+        </p:nvSpPr>
+        <p:spPr/>
+        <p:txBody>
+          <a:bodyPr/>
+          <a:lstStyle/>
+          <a:p>
+            <a:r>
+              <a:rPr lang="en-US">
+                <a:solidFill>
+                  <a:prstClr val="black"/>
+                </a:solidFill>
+              </a:rPr>
+              <a:t>Build 2014</a:t>
+            </a:r>
+            <a:endParaRPr lang="en-US" dirty="0">
+              <a:solidFill>
+                <a:prstClr val="black"/>
+              </a:solidFill>
+            </a:endParaRPr>
+          </a:p>
+        </p:txBody>
+      </p:sp>
+      <p:sp>
+        <p:nvSpPr>
+          <p:cNvPr id="5" name="Footer Placeholder 4"/>
+          <p:cNvSpPr>
+            <a:spLocks noGrp="1"/>
+          </p:cNvSpPr>
+          <p:nvPr>
+            <p:ph type="ftr" sz="quarter" idx="11"/>
+          </p:nvPr>
+        </p:nvSpPr>
+        <p:spPr/>
+        <p:txBody>
+          <a:bodyPr/>
+          <a:lstStyle/>
+          <a:p>
+            <a:pPr defTabSz="914099" eaLnBrk="0" hangingPunct="0"/>
+            <a:r>
+              <a:rPr lang="en-US" sz="400">
+                <a:gradFill>
+                  <a:gsLst>
+                    <a:gs pos="0">
+                      <a:prstClr val="black"/>
+                    </a:gs>
+                    <a:gs pos="100000">
+                      <a:prstClr val="black"/>
+                    </a:gs>
+                  </a:gsLst>
+                  <a:lin ang="5400000" scaled="0"/>
+                </a:gradFill>
+                <a:latin typeface="Segoe UI" pitchFamily="34" charset="0"/>
+                <a:ea typeface="Segoe UI" pitchFamily="34" charset="0"/>
+                <a:cs typeface="Segoe UI" pitchFamily="34" charset="0"/>
+              </a:rPr>
+              <a:t>© 2014 Microsoft Corporation. All rights reserved. Microsoft, Windows, and other product names are or may be registered trademarks and/or trademarks in the U.S. and/or other countries. The information herein is for informational purposes only and represents the current view of Microsoft Corporation as of the date of this presentation.  Because Microsoft must respond to changing market conditions, it should not be interpreted to be a commitment on the part of Microsoft, and Microsoft cannot guarantee the accuracy of any information provided after the date of this presentation.  MICROSOFT MAKES NO WARRANTIES, EXPRESS, IMPLIED OR STATUTORY, AS TO THE INFORMATION IN THIS PRESENTATION.</a:t>
+            </a:r>
+            <a:endParaRPr lang="en-US" sz="400" dirty="0">
+              <a:gradFill>
+                <a:gsLst>
+                  <a:gs pos="0">
+                    <a:prstClr val="black"/>
+                  </a:gs>
+                  <a:gs pos="100000">
+                    <a:prstClr val="black"/>
+                  </a:gs>
+                </a:gsLst>
+                <a:lin ang="5400000" scaled="0"/>
+              </a:gradFill>
+              <a:latin typeface="Segoe UI" pitchFamily="34" charset="0"/>
+              <a:ea typeface="Segoe UI" pitchFamily="34" charset="0"/>
+              <a:cs typeface="Segoe UI" pitchFamily="34" charset="0"/>
+            </a:endParaRPr>
+          </a:p>
+        </p:txBody>
+      </p:sp>
+      <p:sp>
+        <p:nvSpPr>
+          <p:cNvPr id="6" name="Date Placeholder 5"/>
+          <p:cNvSpPr>
+            <a:spLocks noGrp="1"/>
+          </p:cNvSpPr>
+          <p:nvPr>
+            <p:ph type="dt" idx="12"/>
+          </p:nvPr>
+        </p:nvSpPr>
+        <p:spPr/>
+        <p:txBody>
+          <a:bodyPr/>
+          <a:lstStyle/>
+          <a:p>
+            <a:fld id="{9F00D60D-1703-4D24-8308-FEE06A50A69C}" type="datetime1">
+              <a:rPr lang="en-US" smtClean="0">
+                <a:solidFill>
+                  <a:prstClr val="black"/>
+                </a:solidFill>
+              </a:rPr>
+              <a:pPr/>
+              <a:t>12/12/2016</a:t>
+            </a:fld>
+            <a:endParaRPr lang="en-US" dirty="0">
+              <a:solidFill>
+                <a:prstClr val="black"/>
+              </a:solidFill>
+            </a:endParaRPr>
+          </a:p>
+        </p:txBody>
+      </p:sp>
+      <p:sp>
+        <p:nvSpPr>
+          <p:cNvPr id="7" name="Slide Number Placeholder 6"/>
+          <p:cNvSpPr>
+            <a:spLocks noGrp="1"/>
+          </p:cNvSpPr>
+          <p:nvPr>
+            <p:ph type="sldNum" sz="quarter" idx="13"/>
+          </p:nvPr>
+        </p:nvSpPr>
+        <p:spPr/>
+        <p:txBody>
+          <a:bodyPr/>
+          <a:lstStyle/>
+          <a:p>
+            <a:fld id="{B4008EB6-D09E-4580-8CD6-DDB14511944F}" type="slidenum">
+              <a:rPr lang="en-US" smtClean="0">
+                <a:solidFill>
+                  <a:prstClr val="black"/>
+                </a:solidFill>
+              </a:rPr>
+              <a:pPr/>
+              <a:t>49</a:t>
+            </a:fld>
+            <a:endParaRPr lang="en-US" dirty="0">
+              <a:solidFill>
+                <a:prstClr val="black"/>
+              </a:solidFill>
+            </a:endParaRPr>
+          </a:p>
+        </p:txBody>
+      </p:sp>
+    </p:spTree>
+    <p:extLst>
+      <p:ext uri="{BB962C8B-B14F-4D97-AF65-F5344CB8AC3E}">
+        <p14:creationId xmlns:p14="http://schemas.microsoft.com/office/powerpoint/2010/main" val="3134217166"/>
+      </p:ext>
+    </p:extLst>
+  </p:cSld>
+  <p:clrMapOvr>
+    <a:masterClrMapping/>
+  </p:clrMapOvr>
+</p:notes>
+</file>
+
+<file path=ppt/notesSlides/notesSlide47.xml><?xml version="1.0" encoding="utf-8"?>
+<p:notes xmlns:a="http://schemas.openxmlformats.org/drawingml/2006/main" xmlns:r="http://schemas.openxmlformats.org/officeDocument/2006/relationships" xmlns:p="http://schemas.openxmlformats.org/presentationml/2006/main">
+  <p:cSld>
+    <p:spTree>
+      <p:nvGrpSpPr>
+        <p:cNvPr id="1" name=""/>
+        <p:cNvGrpSpPr/>
+        <p:nvPr/>
+      </p:nvGrpSpPr>
+      <p:grpSpPr>
+        <a:xfrm>
+          <a:off x="0" y="0"/>
+          <a:ext cx="0" cy="0"/>
+          <a:chOff x="0" y="0"/>
+          <a:chExt cx="0" cy="0"/>
+        </a:xfrm>
+      </p:grpSpPr>
+      <p:sp>
+        <p:nvSpPr>
+          <p:cNvPr id="2" name="Slide Image Placeholder 1"/>
+          <p:cNvSpPr>
+            <a:spLocks noGrp="1" noRot="1" noChangeAspect="1"/>
+          </p:cNvSpPr>
+          <p:nvPr>
+            <p:ph type="sldImg"/>
+          </p:nvPr>
+        </p:nvSpPr>
+        <p:spPr/>
+      </p:sp>
+      <p:sp>
+        <p:nvSpPr>
+          <p:cNvPr id="3" name="Notes Placeholder 2"/>
+          <p:cNvSpPr>
+            <a:spLocks noGrp="1"/>
+          </p:cNvSpPr>
+          <p:nvPr>
+            <p:ph type="body" idx="1"/>
+          </p:nvPr>
+        </p:nvSpPr>
+        <p:spPr/>
+        <p:txBody>
+          <a:bodyPr/>
+          <a:lstStyle/>
+          <a:p>
+            <a:endParaRPr lang="en-US"/>
+          </a:p>
+        </p:txBody>
+      </p:sp>
+      <p:sp>
+        <p:nvSpPr>
+          <p:cNvPr id="4" name="Header Placeholder 3"/>
+          <p:cNvSpPr>
+            <a:spLocks noGrp="1"/>
+          </p:cNvSpPr>
+          <p:nvPr>
+            <p:ph type="hdr" sz="quarter" idx="10"/>
+          </p:nvPr>
+        </p:nvSpPr>
+        <p:spPr/>
+        <p:txBody>
+          <a:bodyPr/>
+          <a:lstStyle/>
+          <a:p>
+            <a:r>
+              <a:rPr lang="en-US">
+                <a:solidFill>
+                  <a:prstClr val="black"/>
+                </a:solidFill>
+              </a:rPr>
+              <a:t>Build 2014</a:t>
+            </a:r>
+            <a:endParaRPr lang="en-US" dirty="0">
+              <a:solidFill>
+                <a:prstClr val="black"/>
+              </a:solidFill>
+            </a:endParaRPr>
+          </a:p>
+        </p:txBody>
+      </p:sp>
+      <p:sp>
+        <p:nvSpPr>
+          <p:cNvPr id="5" name="Footer Placeholder 4"/>
+          <p:cNvSpPr>
+            <a:spLocks noGrp="1"/>
+          </p:cNvSpPr>
+          <p:nvPr>
+            <p:ph type="ftr" sz="quarter" idx="11"/>
+          </p:nvPr>
+        </p:nvSpPr>
+        <p:spPr/>
+        <p:txBody>
+          <a:bodyPr/>
+          <a:lstStyle/>
+          <a:p>
+            <a:pPr defTabSz="914099" eaLnBrk="0" hangingPunct="0"/>
+            <a:r>
+              <a:rPr lang="en-US" sz="400">
+                <a:gradFill>
+                  <a:gsLst>
+                    <a:gs pos="0">
+                      <a:prstClr val="black"/>
+                    </a:gs>
+                    <a:gs pos="100000">
+                      <a:prstClr val="black"/>
+                    </a:gs>
+                  </a:gsLst>
+                  <a:lin ang="5400000" scaled="0"/>
+                </a:gradFill>
+                <a:latin typeface="Segoe UI" pitchFamily="34" charset="0"/>
+                <a:ea typeface="Segoe UI" pitchFamily="34" charset="0"/>
+                <a:cs typeface="Segoe UI" pitchFamily="34" charset="0"/>
+              </a:rPr>
+              <a:t>© 2014 Microsoft Corporation. All rights reserved. Microsoft, Windows, and other product names are or may be registered trademarks and/or trademarks in the U.S. and/or other countries. The information herein is for informational purposes only and represents the current view of Microsoft Corporation as of the date of this presentation.  Because Microsoft must respond to changing market conditions, it should not be interpreted to be a commitment on the part of Microsoft, and Microsoft cannot guarantee the accuracy of any information provided after the date of this presentation.  MICROSOFT MAKES NO WARRANTIES, EXPRESS, IMPLIED OR STATUTORY, AS TO THE INFORMATION IN THIS PRESENTATION.</a:t>
+            </a:r>
+            <a:endParaRPr lang="en-US" sz="400" dirty="0">
+              <a:gradFill>
+                <a:gsLst>
+                  <a:gs pos="0">
+                    <a:prstClr val="black"/>
+                  </a:gs>
+                  <a:gs pos="100000">
+                    <a:prstClr val="black"/>
+                  </a:gs>
+                </a:gsLst>
+                <a:lin ang="5400000" scaled="0"/>
+              </a:gradFill>
+              <a:latin typeface="Segoe UI" pitchFamily="34" charset="0"/>
+              <a:ea typeface="Segoe UI" pitchFamily="34" charset="0"/>
+              <a:cs typeface="Segoe UI" pitchFamily="34" charset="0"/>
+            </a:endParaRPr>
+          </a:p>
+        </p:txBody>
+      </p:sp>
+      <p:sp>
+        <p:nvSpPr>
+          <p:cNvPr id="6" name="Date Placeholder 5"/>
+          <p:cNvSpPr>
+            <a:spLocks noGrp="1"/>
+          </p:cNvSpPr>
+          <p:nvPr>
+            <p:ph type="dt" idx="12"/>
+          </p:nvPr>
+        </p:nvSpPr>
+        <p:spPr/>
+        <p:txBody>
+          <a:bodyPr/>
+          <a:lstStyle/>
+          <a:p>
+            <a:fld id="{9F00D60D-1703-4D24-8308-FEE06A50A69C}" type="datetime1">
+              <a:rPr lang="en-US" smtClean="0">
+                <a:solidFill>
+                  <a:prstClr val="black"/>
+                </a:solidFill>
+              </a:rPr>
+              <a:pPr/>
+              <a:t>12/12/2016</a:t>
+            </a:fld>
+            <a:endParaRPr lang="en-US" dirty="0">
+              <a:solidFill>
+                <a:prstClr val="black"/>
+              </a:solidFill>
+            </a:endParaRPr>
+          </a:p>
+        </p:txBody>
+      </p:sp>
+      <p:sp>
+        <p:nvSpPr>
+          <p:cNvPr id="7" name="Slide Number Placeholder 6"/>
+          <p:cNvSpPr>
+            <a:spLocks noGrp="1"/>
+          </p:cNvSpPr>
+          <p:nvPr>
+            <p:ph type="sldNum" sz="quarter" idx="13"/>
+          </p:nvPr>
+        </p:nvSpPr>
+        <p:spPr/>
+        <p:txBody>
+          <a:bodyPr/>
+          <a:lstStyle/>
+          <a:p>
+            <a:fld id="{B4008EB6-D09E-4580-8CD6-DDB14511944F}" type="slidenum">
+              <a:rPr lang="en-US" smtClean="0">
+                <a:solidFill>
+                  <a:prstClr val="black"/>
+                </a:solidFill>
+              </a:rPr>
+              <a:pPr/>
+              <a:t>50</a:t>
+            </a:fld>
+            <a:endParaRPr lang="en-US" dirty="0">
+              <a:solidFill>
+                <a:prstClr val="black"/>
+              </a:solidFill>
+            </a:endParaRPr>
+          </a:p>
+        </p:txBody>
+      </p:sp>
+    </p:spTree>
+    <p:extLst>
+      <p:ext uri="{BB962C8B-B14F-4D97-AF65-F5344CB8AC3E}">
+        <p14:creationId xmlns:p14="http://schemas.microsoft.com/office/powerpoint/2010/main" val="1818615962"/>
       </p:ext>
     </p:extLst>
   </p:cSld>
@@ -8120,7 +9824,7 @@
                 </a:solidFill>
               </a:rPr>
               <a:pPr/>
-              <a:t>11/24/2016</a:t>
+              <a:t>12/12/2016</a:t>
             </a:fld>
             <a:endParaRPr lang="en-US" dirty="0">
               <a:solidFill>
@@ -8330,7 +10034,7 @@
                 </a:solidFill>
               </a:rPr>
               <a:pPr/>
-              <a:t>11/24/2016</a:t>
+              <a:t>12/12/2016</a:t>
             </a:fld>
             <a:endParaRPr lang="en-US" dirty="0">
               <a:solidFill>
@@ -8375,7 +10079,7 @@
     </p:spTree>
     <p:extLst>
       <p:ext uri="{BB962C8B-B14F-4D97-AF65-F5344CB8AC3E}">
-        <p14:creationId xmlns:p14="http://schemas.microsoft.com/office/powerpoint/2010/main" val="317740385"/>
+        <p14:creationId xmlns:p14="http://schemas.microsoft.com/office/powerpoint/2010/main" val="1960742941"/>
       </p:ext>
     </p:extLst>
   </p:cSld>
@@ -8540,7 +10244,7 @@
                 </a:solidFill>
               </a:rPr>
               <a:pPr/>
-              <a:t>11/24/2016</a:t>
+              <a:t>12/12/2016</a:t>
             </a:fld>
             <a:endParaRPr lang="en-US" dirty="0">
               <a:solidFill>
@@ -8585,7 +10289,7 @@
     </p:spTree>
     <p:extLst>
       <p:ext uri="{BB962C8B-B14F-4D97-AF65-F5344CB8AC3E}">
-        <p14:creationId xmlns:p14="http://schemas.microsoft.com/office/powerpoint/2010/main" val="1597269258"/>
+        <p14:creationId xmlns:p14="http://schemas.microsoft.com/office/powerpoint/2010/main" val="317740385"/>
       </p:ext>
     </p:extLst>
   </p:cSld>
@@ -8750,7 +10454,7 @@
                 </a:solidFill>
               </a:rPr>
               <a:pPr/>
-              <a:t>11/24/2016</a:t>
+              <a:t>12/12/2016</a:t>
             </a:fld>
             <a:endParaRPr lang="en-US" dirty="0">
               <a:solidFill>
@@ -8795,7 +10499,7 @@
     </p:spTree>
     <p:extLst>
       <p:ext uri="{BB962C8B-B14F-4D97-AF65-F5344CB8AC3E}">
-        <p14:creationId xmlns:p14="http://schemas.microsoft.com/office/powerpoint/2010/main" val="2608144558"/>
+        <p14:creationId xmlns:p14="http://schemas.microsoft.com/office/powerpoint/2010/main" val="3822678047"/>
       </p:ext>
     </p:extLst>
   </p:cSld>
@@ -8960,7 +10664,7 @@
                 </a:solidFill>
               </a:rPr>
               <a:pPr/>
-              <a:t>11/24/2016</a:t>
+              <a:t>12/12/2016</a:t>
             </a:fld>
             <a:endParaRPr lang="en-US" dirty="0">
               <a:solidFill>
@@ -9005,7 +10709,7 @@
     </p:spTree>
     <p:extLst>
       <p:ext uri="{BB962C8B-B14F-4D97-AF65-F5344CB8AC3E}">
-        <p14:creationId xmlns:p14="http://schemas.microsoft.com/office/powerpoint/2010/main" val="2026973576"/>
+        <p14:creationId xmlns:p14="http://schemas.microsoft.com/office/powerpoint/2010/main" val="3626112180"/>
       </p:ext>
     </p:extLst>
   </p:cSld>
@@ -23579,6 +25283,282 @@
         </p:nvSpPr>
         <p:spPr>
           <a:xfrm>
+            <a:off x="5761037" y="1973262"/>
+            <a:ext cx="5865037" cy="3505200"/>
+          </a:xfrm>
+        </p:spPr>
+        <p:txBody>
+          <a:bodyPr/>
+          <a:lstStyle/>
+          <a:p>
+            <a:pPr marL="571500" indent="-571500">
+              <a:buFont typeface="Arial" panose="020B0604020202020204" pitchFamily="34" charset="0"/>
+              <a:buChar char="•"/>
+            </a:pPr>
+            <a:r>
+              <a:rPr lang="en-US" dirty="0" smtClean="0"/>
+              <a:t>Admin needs to consent when first go to admin panel.</a:t>
+            </a:r>
+          </a:p>
+          <a:p>
+            <a:pPr marL="571500" indent="-571500">
+              <a:buFont typeface="Arial" panose="020B0604020202020204" pitchFamily="34" charset="0"/>
+              <a:buChar char="•"/>
+            </a:pPr>
+            <a:r>
+              <a:rPr lang="en-US" dirty="0" smtClean="0"/>
+              <a:t>Click </a:t>
+            </a:r>
+            <a:r>
+              <a:rPr lang="en-US" b="1" dirty="0" smtClean="0"/>
+              <a:t>Consent</a:t>
+            </a:r>
+            <a:r>
+              <a:rPr lang="en-US" dirty="0" smtClean="0"/>
+              <a:t> button to login and accept and then consent success. </a:t>
+            </a:r>
+            <a:endParaRPr lang="en-US" dirty="0"/>
+          </a:p>
+        </p:txBody>
+      </p:sp>
+      <p:sp>
+        <p:nvSpPr>
+          <p:cNvPr id="3" name="Title 2"/>
+          <p:cNvSpPr>
+            <a:spLocks noGrp="1"/>
+          </p:cNvSpPr>
+          <p:nvPr>
+            <p:ph type="title"/>
+          </p:nvPr>
+        </p:nvSpPr>
+        <p:spPr/>
+        <p:txBody>
+          <a:bodyPr/>
+          <a:lstStyle/>
+          <a:p>
+            <a:r>
+              <a:rPr lang="en-US" dirty="0"/>
+              <a:t>Admin Panel</a:t>
+            </a:r>
+          </a:p>
+        </p:txBody>
+      </p:sp>
+      <p:pic>
+        <p:nvPicPr>
+          <p:cNvPr id="5" name="Picture 4"/>
+          <p:cNvPicPr>
+            <a:picLocks noChangeAspect="1"/>
+          </p:cNvPicPr>
+          <p:nvPr/>
+        </p:nvPicPr>
+        <p:blipFill>
+          <a:blip r:embed="rId3"/>
+          <a:stretch>
+            <a:fillRect/>
+          </a:stretch>
+        </p:blipFill>
+        <p:spPr>
+          <a:xfrm>
+            <a:off x="282576" y="1592263"/>
+            <a:ext cx="5470836" cy="1828800"/>
+          </a:xfrm>
+          <a:prstGeom prst="rect">
+            <a:avLst/>
+          </a:prstGeom>
+        </p:spPr>
+      </p:pic>
+    </p:spTree>
+    <p:extLst>
+      <p:ext uri="{BB962C8B-B14F-4D97-AF65-F5344CB8AC3E}">
+        <p14:creationId xmlns:p14="http://schemas.microsoft.com/office/powerpoint/2010/main" val="1906374937"/>
+      </p:ext>
+    </p:extLst>
+  </p:cSld>
+  <p:clrMapOvr>
+    <a:masterClrMapping/>
+  </p:clrMapOvr>
+  <mc:AlternateContent xmlns:mc="http://schemas.openxmlformats.org/markup-compatibility/2006" xmlns:p14="http://schemas.microsoft.com/office/powerpoint/2010/main">
+    <mc:Choice Requires="p14">
+      <p:transition spd="med" p14:dur="700">
+        <p:fade/>
+      </p:transition>
+    </mc:Choice>
+    <mc:Fallback xmlns="">
+      <p:transition spd="med">
+        <p:fade/>
+      </p:transition>
+    </mc:Fallback>
+  </mc:AlternateContent>
+</p:sld>
+</file>
+
+<file path=ppt/slides/slide11.xml><?xml version="1.0" encoding="utf-8"?>
+<p:sld xmlns:a="http://schemas.openxmlformats.org/drawingml/2006/main" xmlns:r="http://schemas.openxmlformats.org/officeDocument/2006/relationships" xmlns:p="http://schemas.openxmlformats.org/presentationml/2006/main">
+  <p:cSld>
+    <p:spTree>
+      <p:nvGrpSpPr>
+        <p:cNvPr id="1" name=""/>
+        <p:cNvGrpSpPr/>
+        <p:nvPr/>
+      </p:nvGrpSpPr>
+      <p:grpSpPr>
+        <a:xfrm>
+          <a:off x="0" y="0"/>
+          <a:ext cx="0" cy="0"/>
+          <a:chOff x="0" y="0"/>
+          <a:chExt cx="0" cy="0"/>
+        </a:xfrm>
+      </p:grpSpPr>
+      <p:sp>
+        <p:nvSpPr>
+          <p:cNvPr id="3" name="Title 2"/>
+          <p:cNvSpPr>
+            <a:spLocks noGrp="1"/>
+          </p:cNvSpPr>
+          <p:nvPr>
+            <p:ph type="title"/>
+          </p:nvPr>
+        </p:nvSpPr>
+        <p:spPr/>
+        <p:txBody>
+          <a:bodyPr/>
+          <a:lstStyle/>
+          <a:p>
+            <a:r>
+              <a:rPr lang="en-US" dirty="0"/>
+              <a:t>Admin Panel </a:t>
+            </a:r>
+            <a:r>
+              <a:rPr lang="en-US" dirty="0" smtClean="0"/>
+              <a:t>- Admin Consent and Unconsent</a:t>
+            </a:r>
+            <a:endParaRPr lang="en-US" dirty="0"/>
+          </a:p>
+        </p:txBody>
+      </p:sp>
+      <p:sp>
+        <p:nvSpPr>
+          <p:cNvPr id="8" name="Text Placeholder 1"/>
+          <p:cNvSpPr>
+            <a:spLocks noGrp="1"/>
+          </p:cNvSpPr>
+          <p:nvPr>
+            <p:ph type="body" sz="quarter" idx="4294967295"/>
+          </p:nvPr>
+        </p:nvSpPr>
+        <p:spPr>
+          <a:xfrm>
+            <a:off x="274640" y="1820862"/>
+            <a:ext cx="7532888" cy="3631763"/>
+          </a:xfrm>
+          <a:prstGeom prst="rect">
+            <a:avLst/>
+          </a:prstGeom>
+        </p:spPr>
+        <p:txBody>
+          <a:bodyPr/>
+          <a:lstStyle/>
+          <a:p>
+            <a:r>
+              <a:rPr lang="en-US" dirty="0" smtClean="0"/>
+              <a:t>Admin can click consent and unconsent buttons to apply/re-apply admin consent.</a:t>
+            </a:r>
+          </a:p>
+          <a:p>
+            <a:r>
+              <a:rPr lang="en-US" dirty="0" smtClean="0"/>
+              <a:t>If clicks </a:t>
+            </a:r>
+            <a:r>
+              <a:rPr lang="en-US" dirty="0"/>
+              <a:t>consent and unconsent buttons </a:t>
+            </a:r>
+            <a:r>
+              <a:rPr lang="en-US" dirty="0" smtClean="0"/>
+              <a:t>admin needs to login again and then continue. </a:t>
+            </a:r>
+            <a:endParaRPr lang="en-US" dirty="0"/>
+          </a:p>
+        </p:txBody>
+      </p:sp>
+      <p:pic>
+        <p:nvPicPr>
+          <p:cNvPr id="2" name="Picture 1"/>
+          <p:cNvPicPr>
+            <a:picLocks noChangeAspect="1"/>
+          </p:cNvPicPr>
+          <p:nvPr/>
+        </p:nvPicPr>
+        <p:blipFill>
+          <a:blip r:embed="rId3"/>
+          <a:stretch>
+            <a:fillRect/>
+          </a:stretch>
+        </p:blipFill>
+        <p:spPr>
+          <a:xfrm>
+            <a:off x="7807528" y="1540541"/>
+            <a:ext cx="4192142" cy="1651922"/>
+          </a:xfrm>
+          <a:prstGeom prst="rect">
+            <a:avLst/>
+          </a:prstGeom>
+        </p:spPr>
+      </p:pic>
+    </p:spTree>
+    <p:extLst>
+      <p:ext uri="{BB962C8B-B14F-4D97-AF65-F5344CB8AC3E}">
+        <p14:creationId xmlns:p14="http://schemas.microsoft.com/office/powerpoint/2010/main" val="1557109361"/>
+      </p:ext>
+    </p:extLst>
+  </p:cSld>
+  <p:clrMapOvr>
+    <a:masterClrMapping/>
+  </p:clrMapOvr>
+  <mc:AlternateContent xmlns:mc="http://schemas.openxmlformats.org/markup-compatibility/2006" xmlns:p14="http://schemas.microsoft.com/office/powerpoint/2010/main">
+    <mc:Choice Requires="p14">
+      <p:transition spd="med" p14:dur="700">
+        <p:fade/>
+      </p:transition>
+    </mc:Choice>
+    <mc:Fallback xmlns="">
+      <p:transition spd="med">
+        <p:fade/>
+      </p:transition>
+    </mc:Fallback>
+  </mc:AlternateContent>
+</p:sld>
+</file>
+
+<file path=ppt/slides/slide12.xml><?xml version="1.0" encoding="utf-8"?>
+<p:sld xmlns:a="http://schemas.openxmlformats.org/drawingml/2006/main" xmlns:r="http://schemas.openxmlformats.org/officeDocument/2006/relationships" xmlns:p="http://schemas.openxmlformats.org/presentationml/2006/main">
+  <p:cSld>
+    <p:spTree>
+      <p:nvGrpSpPr>
+        <p:cNvPr id="1" name=""/>
+        <p:cNvGrpSpPr/>
+        <p:nvPr/>
+      </p:nvGrpSpPr>
+      <p:grpSpPr>
+        <a:xfrm>
+          <a:off x="0" y="0"/>
+          <a:ext cx="0" cy="0"/>
+          <a:chOff x="0" y="0"/>
+          <a:chExt cx="0" cy="0"/>
+        </a:xfrm>
+      </p:grpSpPr>
+      <p:sp>
+        <p:nvSpPr>
+          <p:cNvPr id="2" name="Text Placeholder 1"/>
+          <p:cNvSpPr>
+            <a:spLocks noGrp="1"/>
+          </p:cNvSpPr>
+          <p:nvPr>
+            <p:ph type="body" sz="quarter" idx="15"/>
+          </p:nvPr>
+        </p:nvSpPr>
+        <p:spPr>
+          <a:xfrm>
             <a:off x="274639" y="1516062"/>
             <a:ext cx="11351435" cy="1600200"/>
           </a:xfrm>
@@ -23694,7 +25674,157 @@
 </p:sld>
 </file>
 
-<file path=ppt/slides/slide11.xml><?xml version="1.0" encoding="utf-8"?>
+<file path=ppt/slides/slide13.xml><?xml version="1.0" encoding="utf-8"?>
+<p:sld xmlns:a="http://schemas.openxmlformats.org/drawingml/2006/main" xmlns:r="http://schemas.openxmlformats.org/officeDocument/2006/relationships" xmlns:p="http://schemas.openxmlformats.org/presentationml/2006/main">
+  <p:cSld>
+    <p:spTree>
+      <p:nvGrpSpPr>
+        <p:cNvPr id="1" name=""/>
+        <p:cNvGrpSpPr/>
+        <p:nvPr/>
+      </p:nvGrpSpPr>
+      <p:grpSpPr>
+        <a:xfrm>
+          <a:off x="0" y="0"/>
+          <a:ext cx="0" cy="0"/>
+          <a:chOff x="0" y="0"/>
+          <a:chExt cx="0" cy="0"/>
+        </a:xfrm>
+      </p:grpSpPr>
+      <p:sp>
+        <p:nvSpPr>
+          <p:cNvPr id="2" name="Text Placeholder 1"/>
+          <p:cNvSpPr>
+            <a:spLocks noGrp="1"/>
+          </p:cNvSpPr>
+          <p:nvPr>
+            <p:ph type="body" sz="quarter" idx="15"/>
+          </p:nvPr>
+        </p:nvSpPr>
+        <p:spPr>
+          <a:xfrm>
+            <a:off x="5532437" y="1744662"/>
+            <a:ext cx="6093637" cy="3505200"/>
+          </a:xfrm>
+        </p:spPr>
+        <p:txBody>
+          <a:bodyPr/>
+          <a:lstStyle/>
+          <a:p>
+            <a:pPr marL="571500" indent="-571500">
+              <a:buFont typeface="Arial" panose="020B0604020202020204" pitchFamily="34" charset="0"/>
+              <a:buChar char="•"/>
+            </a:pPr>
+            <a:r>
+              <a:rPr lang="en-US" dirty="0" smtClean="0"/>
+              <a:t>Admin can click </a:t>
+            </a:r>
+            <a:r>
+              <a:rPr lang="en-US" b="1" dirty="0" smtClean="0"/>
+              <a:t>Enable User Access</a:t>
+            </a:r>
+            <a:r>
+              <a:rPr lang="en-US" dirty="0" smtClean="0"/>
+              <a:t> button to enable access to all tenant users.</a:t>
+            </a:r>
+          </a:p>
+          <a:p>
+            <a:pPr marL="571500" indent="-571500">
+              <a:buFont typeface="Arial" panose="020B0604020202020204" pitchFamily="34" charset="0"/>
+              <a:buChar char="•"/>
+            </a:pPr>
+            <a:r>
+              <a:rPr lang="en-US" dirty="0" smtClean="0"/>
+              <a:t>It will take a while to effect after the button is clicked.</a:t>
+            </a:r>
+            <a:endParaRPr lang="en-US" dirty="0"/>
+          </a:p>
+          <a:p>
+            <a:pPr marL="571500" indent="-571500">
+              <a:buFont typeface="Arial" panose="020B0604020202020204" pitchFamily="34" charset="0"/>
+              <a:buChar char="•"/>
+            </a:pPr>
+            <a:endParaRPr lang="en-US" dirty="0"/>
+          </a:p>
+        </p:txBody>
+      </p:sp>
+      <p:sp>
+        <p:nvSpPr>
+          <p:cNvPr id="3" name="Title 2"/>
+          <p:cNvSpPr>
+            <a:spLocks noGrp="1"/>
+          </p:cNvSpPr>
+          <p:nvPr>
+            <p:ph type="title"/>
+          </p:nvPr>
+        </p:nvSpPr>
+        <p:spPr/>
+        <p:txBody>
+          <a:bodyPr/>
+          <a:lstStyle/>
+          <a:p>
+            <a:r>
+              <a:rPr lang="en-US" dirty="0"/>
+              <a:t>Admin Panel - </a:t>
+            </a:r>
+            <a:r>
+              <a:rPr lang="en-US" dirty="0" smtClean="0"/>
+              <a:t>Enable User Access</a:t>
+            </a:r>
+            <a:endParaRPr lang="en-US" dirty="0"/>
+          </a:p>
+        </p:txBody>
+      </p:sp>
+      <p:pic>
+        <p:nvPicPr>
+          <p:cNvPr id="8" name="Picture 7"/>
+          <p:cNvPicPr>
+            <a:picLocks noChangeAspect="1"/>
+          </p:cNvPicPr>
+          <p:nvPr/>
+        </p:nvPicPr>
+        <p:blipFill>
+          <a:blip r:embed="rId3"/>
+          <a:stretch>
+            <a:fillRect/>
+          </a:stretch>
+        </p:blipFill>
+        <p:spPr>
+          <a:xfrm>
+            <a:off x="295276" y="1516062"/>
+            <a:ext cx="4638095" cy="1380952"/>
+          </a:xfrm>
+          <a:prstGeom prst="rect">
+            <a:avLst/>
+          </a:prstGeom>
+        </p:spPr>
+      </p:pic>
+    </p:spTree>
+    <p:extLst>
+      <p:ext uri="{BB962C8B-B14F-4D97-AF65-F5344CB8AC3E}">
+        <p14:creationId xmlns:p14="http://schemas.microsoft.com/office/powerpoint/2010/main" val="1187192620"/>
+      </p:ext>
+    </p:extLst>
+  </p:cSld>
+  <p:clrMapOvr>
+    <a:masterClrMapping/>
+  </p:clrMapOvr>
+  <mc:AlternateContent xmlns:mc="http://schemas.openxmlformats.org/markup-compatibility/2006" xmlns:p14="http://schemas.microsoft.com/office/powerpoint/2010/main">
+    <mc:Choice Requires="p14">
+      <p:transition spd="med" p14:dur="700">
+        <p:fade/>
+      </p:transition>
+    </mc:Choice>
+    <mc:Fallback xmlns="">
+      <p:transition spd="med">
+        <p:fade/>
+      </p:transition>
+    </mc:Fallback>
+  </mc:AlternateContent>
+</p:sld>
+</file>
+
+<file path=ppt/slides/slide14.xml><?xml version="1.0" encoding="utf-8"?>
 <p:sld xmlns:a="http://schemas.openxmlformats.org/drawingml/2006/main" xmlns:r="http://schemas.openxmlformats.org/officeDocument/2006/relationships" xmlns:p="http://schemas.openxmlformats.org/presentationml/2006/main">
   <p:cSld>
     <p:bg>
@@ -23766,7 +25896,7 @@
 </p:sld>
 </file>
 
-<file path=ppt/slides/slide12.xml><?xml version="1.0" encoding="utf-8"?>
+<file path=ppt/slides/slide15.xml><?xml version="1.0" encoding="utf-8"?>
 <p:sld xmlns:a="http://schemas.openxmlformats.org/drawingml/2006/main" xmlns:r="http://schemas.openxmlformats.org/officeDocument/2006/relationships" xmlns:p="http://schemas.openxmlformats.org/presentationml/2006/main">
   <p:cSld>
     <p:spTree>
@@ -23845,7 +25975,7 @@
 </p:sld>
 </file>
 
-<file path=ppt/slides/slide13.xml><?xml version="1.0" encoding="utf-8"?>
+<file path=ppt/slides/slide16.xml><?xml version="1.0" encoding="utf-8"?>
 <p:sld xmlns:a="http://schemas.openxmlformats.org/drawingml/2006/main" xmlns:r="http://schemas.openxmlformats.org/officeDocument/2006/relationships" xmlns:p="http://schemas.openxmlformats.org/presentationml/2006/main">
   <p:cSld>
     <p:spTree>
@@ -24038,7 +26168,7 @@
 </p:sld>
 </file>
 
-<file path=ppt/slides/slide14.xml><?xml version="1.0" encoding="utf-8"?>
+<file path=ppt/slides/slide17.xml><?xml version="1.0" encoding="utf-8"?>
 <p:sld xmlns:a="http://schemas.openxmlformats.org/drawingml/2006/main" xmlns:r="http://schemas.openxmlformats.org/officeDocument/2006/relationships" xmlns:p="http://schemas.openxmlformats.org/presentationml/2006/main">
   <p:cSld>
     <p:spTree>
@@ -24176,7 +26306,7 @@
 </p:sld>
 </file>
 
-<file path=ppt/slides/slide15.xml><?xml version="1.0" encoding="utf-8"?>
+<file path=ppt/slides/slide18.xml><?xml version="1.0" encoding="utf-8"?>
 <p:sld xmlns:a="http://schemas.openxmlformats.org/drawingml/2006/main" xmlns:r="http://schemas.openxmlformats.org/officeDocument/2006/relationships" xmlns:p="http://schemas.openxmlformats.org/presentationml/2006/main">
   <p:cSld>
     <p:spTree>
@@ -24205,7 +26335,7 @@
         </p:nvSpPr>
         <p:spPr>
           <a:xfrm>
-            <a:off x="4849000" y="2582862"/>
+            <a:off x="4849000" y="3040062"/>
             <a:ext cx="7315203" cy="914400"/>
           </a:xfrm>
         </p:spPr>
@@ -24222,12 +26352,20 @@
               <a:t>Click the </a:t>
             </a:r>
             <a:r>
-              <a:rPr lang="en-US" b="1" dirty="0"/>
-              <a:t>Yes</a:t>
+              <a:rPr lang="en-US" b="1" dirty="0" smtClean="0"/>
+              <a:t>Use Existing O365 Account </a:t>
+            </a:r>
+            <a:r>
+              <a:rPr lang="en-US" dirty="0" smtClean="0"/>
+              <a:t>button to login and then </a:t>
             </a:r>
             <a:r>
               <a:rPr lang="en-US" dirty="0"/>
-              <a:t> button to link the account.</a:t>
+              <a:t>link the </a:t>
+            </a:r>
+            <a:r>
+              <a:rPr lang="en-US" dirty="0" smtClean="0"/>
+              <a:t>accounts.</a:t>
             </a:r>
           </a:p>
           <a:p>
@@ -24236,16 +26374,31 @@
               <a:buChar char="•"/>
             </a:pPr>
             <a:r>
+              <a:rPr lang="en-US" dirty="0" smtClean="0"/>
+              <a:t>After link succeed it will go to all schools page.</a:t>
+            </a:r>
+            <a:endParaRPr lang="en-US" dirty="0"/>
+          </a:p>
+          <a:p>
+            <a:pPr marL="571500" indent="-571500">
+              <a:buFont typeface="Arial" panose="020B0604020202020204" pitchFamily="34" charset="0"/>
+              <a:buChar char="•"/>
+            </a:pPr>
+            <a:r>
               <a:rPr lang="en-US" dirty="0"/>
               <a:t>Click the </a:t>
             </a:r>
             <a:r>
-              <a:rPr lang="en-US" b="1" dirty="0"/>
-              <a:t>No</a:t>
+              <a:rPr lang="en-US" b="1" dirty="0" smtClean="0"/>
+              <a:t>Cancel </a:t>
+            </a:r>
+            <a:r>
+              <a:rPr lang="en-US" dirty="0" smtClean="0"/>
+              <a:t>button </a:t>
             </a:r>
             <a:r>
               <a:rPr lang="en-US" dirty="0"/>
-              <a:t> button to show a basic page and stop.</a:t>
+              <a:t>to show a basic page and stop.</a:t>
             </a:r>
           </a:p>
         </p:txBody>
@@ -24274,7 +26427,7 @@
       </p:sp>
       <p:pic>
         <p:nvPicPr>
-          <p:cNvPr id="4" name="Picture 3"/>
+          <p:cNvPr id="5" name="Picture 4"/>
           <p:cNvPicPr>
             <a:picLocks noChangeAspect="1"/>
           </p:cNvPicPr>
@@ -24288,8 +26441,8 @@
         </p:blipFill>
         <p:spPr>
           <a:xfrm>
-            <a:off x="30797" y="2125662"/>
-            <a:ext cx="4590476" cy="1609524"/>
+            <a:off x="274639" y="1943291"/>
+            <a:ext cx="4532351" cy="1020571"/>
           </a:xfrm>
           <a:prstGeom prst="rect">
             <a:avLst/>
@@ -24321,139 +26474,7 @@
 </p:sld>
 </file>
 
-<file path=ppt/slides/slide16.xml><?xml version="1.0" encoding="utf-8"?>
-<p:sld xmlns:a="http://schemas.openxmlformats.org/drawingml/2006/main" xmlns:r="http://schemas.openxmlformats.org/officeDocument/2006/relationships" xmlns:p="http://schemas.openxmlformats.org/presentationml/2006/main">
-  <p:cSld>
-    <p:spTree>
-      <p:nvGrpSpPr>
-        <p:cNvPr id="1" name=""/>
-        <p:cNvGrpSpPr/>
-        <p:nvPr/>
-      </p:nvGrpSpPr>
-      <p:grpSpPr>
-        <a:xfrm>
-          <a:off x="0" y="0"/>
-          <a:ext cx="0" cy="0"/>
-          <a:chOff x="0" y="0"/>
-          <a:chExt cx="0" cy="0"/>
-        </a:xfrm>
-      </p:grpSpPr>
-      <p:sp>
-        <p:nvSpPr>
-          <p:cNvPr id="3" name="Title 2"/>
-          <p:cNvSpPr>
-            <a:spLocks noGrp="1"/>
-          </p:cNvSpPr>
-          <p:nvPr>
-            <p:ph type="title"/>
-          </p:nvPr>
-        </p:nvSpPr>
-        <p:spPr/>
-        <p:txBody>
-          <a:bodyPr/>
-          <a:lstStyle/>
-          <a:p>
-            <a:r>
-              <a:rPr lang="en-US" dirty="0"/>
-              <a:t>Login to Office 365 and Link the accounts</a:t>
-            </a:r>
-          </a:p>
-        </p:txBody>
-      </p:sp>
-      <p:sp>
-        <p:nvSpPr>
-          <p:cNvPr id="8" name="Text Placeholder 1"/>
-          <p:cNvSpPr>
-            <a:spLocks noGrp="1"/>
-          </p:cNvSpPr>
-          <p:nvPr>
-            <p:ph type="body" sz="quarter" idx="4294967295"/>
-          </p:nvPr>
-        </p:nvSpPr>
-        <p:spPr>
-          <a:xfrm>
-            <a:off x="274640" y="1820862"/>
-            <a:ext cx="6248398" cy="3631763"/>
-          </a:xfrm>
-          <a:prstGeom prst="rect">
-            <a:avLst/>
-          </a:prstGeom>
-        </p:spPr>
-        <p:txBody>
-          <a:bodyPr/>
-          <a:lstStyle/>
-          <a:p>
-            <a:r>
-              <a:rPr lang="en-US" dirty="0"/>
-              <a:t>Click the </a:t>
-            </a:r>
-            <a:r>
-              <a:rPr lang="en-US" b="1" dirty="0"/>
-              <a:t>Login</a:t>
-            </a:r>
-            <a:r>
-              <a:rPr lang="en-US" dirty="0"/>
-              <a:t> button and login to Office 365.</a:t>
-            </a:r>
-          </a:p>
-          <a:p>
-            <a:r>
-              <a:rPr lang="en-US" dirty="0"/>
-              <a:t>After the login succeeds the account will link automatically and then go to the all schools page.</a:t>
-            </a:r>
-          </a:p>
-        </p:txBody>
-      </p:sp>
-      <p:pic>
-        <p:nvPicPr>
-          <p:cNvPr id="4" name="Picture 3"/>
-          <p:cNvPicPr>
-            <a:picLocks noChangeAspect="1"/>
-          </p:cNvPicPr>
-          <p:nvPr/>
-        </p:nvPicPr>
-        <p:blipFill>
-          <a:blip r:embed="rId3"/>
-          <a:stretch>
-            <a:fillRect/>
-          </a:stretch>
-        </p:blipFill>
-        <p:spPr>
-          <a:xfrm>
-            <a:off x="6564203" y="1776826"/>
-            <a:ext cx="5600000" cy="2180952"/>
-          </a:xfrm>
-          <a:prstGeom prst="rect">
-            <a:avLst/>
-          </a:prstGeom>
-        </p:spPr>
-      </p:pic>
-    </p:spTree>
-    <p:extLst>
-      <p:ext uri="{BB962C8B-B14F-4D97-AF65-F5344CB8AC3E}">
-        <p14:creationId xmlns:p14="http://schemas.microsoft.com/office/powerpoint/2010/main" val="120959980"/>
-      </p:ext>
-    </p:extLst>
-  </p:cSld>
-  <p:clrMapOvr>
-    <a:masterClrMapping/>
-  </p:clrMapOvr>
-  <mc:AlternateContent xmlns:mc="http://schemas.openxmlformats.org/markup-compatibility/2006" xmlns:p14="http://schemas.microsoft.com/office/powerpoint/2010/main">
-    <mc:Choice Requires="p14">
-      <p:transition spd="med" p14:dur="700">
-        <p:fade/>
-      </p:transition>
-    </mc:Choice>
-    <mc:Fallback xmlns="">
-      <p:transition spd="med">
-        <p:fade/>
-      </p:transition>
-    </mc:Fallback>
-  </mc:AlternateContent>
-</p:sld>
-</file>
-
-<file path=ppt/slides/slide17.xml><?xml version="1.0" encoding="utf-8"?>
+<file path=ppt/slides/slide19.xml><?xml version="1.0" encoding="utf-8"?>
 <p:sld xmlns:a="http://schemas.openxmlformats.org/drawingml/2006/main" xmlns:r="http://schemas.openxmlformats.org/officeDocument/2006/relationships" xmlns:p="http://schemas.openxmlformats.org/presentationml/2006/main">
   <p:cSld>
     <p:spTree>
@@ -24572,7 +26593,203 @@
 </p:sld>
 </file>
 
-<file path=ppt/slides/slide18.xml><?xml version="1.0" encoding="utf-8"?>
+<file path=ppt/slides/slide2.xml><?xml version="1.0" encoding="utf-8"?>
+<p:sld xmlns:a="http://schemas.openxmlformats.org/drawingml/2006/main" xmlns:r="http://schemas.openxmlformats.org/officeDocument/2006/relationships" xmlns:p="http://schemas.openxmlformats.org/presentationml/2006/main">
+  <p:cSld>
+    <p:spTree>
+      <p:nvGrpSpPr>
+        <p:cNvPr id="1" name=""/>
+        <p:cNvGrpSpPr/>
+        <p:nvPr/>
+      </p:nvGrpSpPr>
+      <p:grpSpPr>
+        <a:xfrm>
+          <a:off x="0" y="0"/>
+          <a:ext cx="0" cy="0"/>
+          <a:chOff x="0" y="0"/>
+          <a:chExt cx="0" cy="0"/>
+        </a:xfrm>
+      </p:grpSpPr>
+      <p:sp>
+        <p:nvSpPr>
+          <p:cNvPr id="2" name="Text Placeholder 1"/>
+          <p:cNvSpPr>
+            <a:spLocks noGrp="1"/>
+          </p:cNvSpPr>
+          <p:nvPr>
+            <p:ph type="body" sz="quarter" idx="15"/>
+          </p:nvPr>
+        </p:nvSpPr>
+        <p:spPr>
+          <a:xfrm>
+            <a:off x="4849000" y="3344862"/>
+            <a:ext cx="7315203" cy="914400"/>
+          </a:xfrm>
+        </p:spPr>
+        <p:txBody>
+          <a:bodyPr/>
+          <a:lstStyle/>
+          <a:p>
+            <a:r>
+              <a:rPr lang="en-US" dirty="0"/>
+              <a:t>Admin Login Authentication Flow</a:t>
+            </a:r>
+          </a:p>
+          <a:p>
+            <a:r>
+              <a:rPr lang="en-US" dirty="0"/>
+              <a:t>Local Login Authentication Flow</a:t>
+            </a:r>
+          </a:p>
+          <a:p>
+            <a:r>
+              <a:rPr lang="en-US" dirty="0"/>
+              <a:t>O365 Login Authentication Flow</a:t>
+            </a:r>
+          </a:p>
+          <a:p>
+            <a:r>
+              <a:rPr lang="en-US" dirty="0"/>
+              <a:t>ALL SCHOOLS</a:t>
+            </a:r>
+          </a:p>
+          <a:p>
+            <a:r>
+              <a:rPr lang="en-US" dirty="0"/>
+              <a:t>SCHOOL CLASSES</a:t>
+            </a:r>
+          </a:p>
+          <a:p>
+            <a:r>
+              <a:rPr lang="en-US" dirty="0"/>
+              <a:t>CLASS </a:t>
+            </a:r>
+            <a:r>
+              <a:rPr lang="en-US" dirty="0" smtClean="0"/>
+              <a:t>DETAILS</a:t>
+            </a:r>
+          </a:p>
+          <a:p>
+            <a:r>
+              <a:rPr lang="en-US" altLang="zh-CN" dirty="0" smtClean="0"/>
+              <a:t>Teachers/Students</a:t>
+            </a:r>
+            <a:endParaRPr lang="en-US" dirty="0" smtClean="0"/>
+          </a:p>
+          <a:p>
+            <a:r>
+              <a:rPr lang="en-US" dirty="0" smtClean="0"/>
+              <a:t>Demo Helper</a:t>
+            </a:r>
+            <a:endParaRPr lang="en-US" dirty="0"/>
+          </a:p>
+          <a:p>
+            <a:r>
+              <a:rPr lang="en-US" dirty="0"/>
+              <a:t>Sync Data With Web Job </a:t>
+            </a:r>
+          </a:p>
+          <a:p>
+            <a:endParaRPr lang="en-US" dirty="0"/>
+          </a:p>
+        </p:txBody>
+      </p:sp>
+      <p:sp>
+        <p:nvSpPr>
+          <p:cNvPr id="5" name="Title 4"/>
+          <p:cNvSpPr>
+            <a:spLocks noGrp="1"/>
+          </p:cNvSpPr>
+          <p:nvPr>
+            <p:ph type="title"/>
+          </p:nvPr>
+        </p:nvSpPr>
+        <p:spPr/>
+        <p:txBody>
+          <a:bodyPr/>
+          <a:lstStyle/>
+          <a:p>
+            <a:r>
+              <a:rPr lang="en-US" dirty="0"/>
+              <a:t>Agenda</a:t>
+            </a:r>
+            <a:br>
+              <a:rPr lang="en-US" dirty="0"/>
+            </a:br>
+            <a:endParaRPr lang="en-US" dirty="0"/>
+          </a:p>
+        </p:txBody>
+      </p:sp>
+      <p:pic>
+        <p:nvPicPr>
+          <p:cNvPr id="9" name="Picture Placeholder 8"/>
+          <p:cNvPicPr>
+            <a:picLocks noGrp="1" noChangeAspect="1"/>
+          </p:cNvPicPr>
+          <p:nvPr>
+            <p:ph type="pic" sz="quarter" idx="16"/>
+          </p:nvPr>
+        </p:nvPicPr>
+        <p:blipFill>
+          <a:blip r:embed="rId3"/>
+          <a:srcRect l="10183" r="10183"/>
+          <a:stretch>
+            <a:fillRect/>
+          </a:stretch>
+        </p:blipFill>
+        <p:spPr>
+          <a:xfrm>
+            <a:off x="122236" y="1820862"/>
+            <a:ext cx="4953001" cy="3657600"/>
+          </a:xfrm>
+          <a:prstGeom prst="rect">
+            <a:avLst/>
+          </a:prstGeom>
+          <a:ln>
+            <a:noFill/>
+          </a:ln>
+          <a:effectLst>
+            <a:reflection blurRad="12700" stA="30000" endPos="30000" dist="5000" dir="5400000" sy="-100000" algn="bl" rotWithShape="0"/>
+          </a:effectLst>
+          <a:scene3d>
+            <a:camera prst="perspectiveContrastingLeftFacing">
+              <a:rot lat="300000" lon="19800000" rev="0"/>
+            </a:camera>
+            <a:lightRig rig="threePt" dir="t">
+              <a:rot lat="0" lon="0" rev="2700000"/>
+            </a:lightRig>
+          </a:scene3d>
+          <a:sp3d>
+            <a:bevelT w="63500" h="50800"/>
+          </a:sp3d>
+        </p:spPr>
+      </p:pic>
+    </p:spTree>
+    <p:extLst>
+      <p:ext uri="{BB962C8B-B14F-4D97-AF65-F5344CB8AC3E}">
+        <p14:creationId xmlns:p14="http://schemas.microsoft.com/office/powerpoint/2010/main" val="3193321457"/>
+      </p:ext>
+    </p:extLst>
+  </p:cSld>
+  <p:clrMapOvr>
+    <a:masterClrMapping/>
+  </p:clrMapOvr>
+  <mc:AlternateContent xmlns:mc="http://schemas.openxmlformats.org/markup-compatibility/2006" xmlns:p14="http://schemas.microsoft.com/office/powerpoint/2010/main">
+    <mc:Choice Requires="p14">
+      <p:transition spd="med" p14:dur="700">
+        <p:fade/>
+      </p:transition>
+    </mc:Choice>
+    <mc:Fallback xmlns="">
+      <p:transition spd="med">
+        <p:fade/>
+      </p:transition>
+    </mc:Fallback>
+  </mc:AlternateContent>
+</p:sld>
+</file>
+
+<file path=ppt/slides/slide20.xml><?xml version="1.0" encoding="utf-8"?>
 <p:sld xmlns:a="http://schemas.openxmlformats.org/drawingml/2006/main" xmlns:r="http://schemas.openxmlformats.org/officeDocument/2006/relationships" xmlns:p="http://schemas.openxmlformats.org/presentationml/2006/main">
   <p:cSld>
     <p:spTree>
@@ -24741,7 +26958,7 @@
 </p:sld>
 </file>
 
-<file path=ppt/slides/slide19.xml><?xml version="1.0" encoding="utf-8"?>
+<file path=ppt/slides/slide21.xml><?xml version="1.0" encoding="utf-8"?>
 <p:sld xmlns:a="http://schemas.openxmlformats.org/drawingml/2006/main" xmlns:r="http://schemas.openxmlformats.org/officeDocument/2006/relationships" xmlns:p="http://schemas.openxmlformats.org/presentationml/2006/main">
   <p:cSld>
     <p:spTree>
@@ -24941,185 +27158,7 @@
 </p:sld>
 </file>
 
-<file path=ppt/slides/slide2.xml><?xml version="1.0" encoding="utf-8"?>
-<p:sld xmlns:a="http://schemas.openxmlformats.org/drawingml/2006/main" xmlns:r="http://schemas.openxmlformats.org/officeDocument/2006/relationships" xmlns:p="http://schemas.openxmlformats.org/presentationml/2006/main">
-  <p:cSld>
-    <p:spTree>
-      <p:nvGrpSpPr>
-        <p:cNvPr id="1" name=""/>
-        <p:cNvGrpSpPr/>
-        <p:nvPr/>
-      </p:nvGrpSpPr>
-      <p:grpSpPr>
-        <a:xfrm>
-          <a:off x="0" y="0"/>
-          <a:ext cx="0" cy="0"/>
-          <a:chOff x="0" y="0"/>
-          <a:chExt cx="0" cy="0"/>
-        </a:xfrm>
-      </p:grpSpPr>
-      <p:sp>
-        <p:nvSpPr>
-          <p:cNvPr id="2" name="Text Placeholder 1"/>
-          <p:cNvSpPr>
-            <a:spLocks noGrp="1"/>
-          </p:cNvSpPr>
-          <p:nvPr>
-            <p:ph type="body" sz="quarter" idx="15"/>
-          </p:nvPr>
-        </p:nvSpPr>
-        <p:spPr>
-          <a:xfrm>
-            <a:off x="4849000" y="3344862"/>
-            <a:ext cx="7315203" cy="914400"/>
-          </a:xfrm>
-        </p:spPr>
-        <p:txBody>
-          <a:bodyPr/>
-          <a:lstStyle/>
-          <a:p>
-            <a:r>
-              <a:rPr lang="en-US" dirty="0"/>
-              <a:t>Admin Login Authentication Flow</a:t>
-            </a:r>
-          </a:p>
-          <a:p>
-            <a:r>
-              <a:rPr lang="en-US" dirty="0"/>
-              <a:t>Local Login Authentication Flow</a:t>
-            </a:r>
-          </a:p>
-          <a:p>
-            <a:r>
-              <a:rPr lang="en-US" dirty="0"/>
-              <a:t>O365 Login Authentication Flow</a:t>
-            </a:r>
-          </a:p>
-          <a:p>
-            <a:r>
-              <a:rPr lang="en-US" dirty="0"/>
-              <a:t>ALL SCHOOLS</a:t>
-            </a:r>
-          </a:p>
-          <a:p>
-            <a:r>
-              <a:rPr lang="en-US" dirty="0"/>
-              <a:t>SCHOOL CLASSES</a:t>
-            </a:r>
-          </a:p>
-          <a:p>
-            <a:r>
-              <a:rPr lang="en-US" dirty="0"/>
-              <a:t>CLASS DETAILS</a:t>
-            </a:r>
-          </a:p>
-          <a:p>
-            <a:r>
-              <a:rPr lang="en-US" dirty="0"/>
-              <a:t>Sync Data With Web Job </a:t>
-            </a:r>
-          </a:p>
-          <a:p>
-            <a:endParaRPr lang="en-US" dirty="0"/>
-          </a:p>
-        </p:txBody>
-      </p:sp>
-      <p:sp>
-        <p:nvSpPr>
-          <p:cNvPr id="5" name="Title 4"/>
-          <p:cNvSpPr>
-            <a:spLocks noGrp="1"/>
-          </p:cNvSpPr>
-          <p:nvPr>
-            <p:ph type="title"/>
-          </p:nvPr>
-        </p:nvSpPr>
-        <p:spPr/>
-        <p:txBody>
-          <a:bodyPr/>
-          <a:lstStyle/>
-          <a:p>
-            <a:r>
-              <a:rPr lang="en-US" dirty="0"/>
-              <a:t>Agenda</a:t>
-            </a:r>
-            <a:br>
-              <a:rPr lang="en-US" dirty="0"/>
-            </a:br>
-            <a:endParaRPr lang="en-US" dirty="0"/>
-          </a:p>
-        </p:txBody>
-      </p:sp>
-      <p:pic>
-        <p:nvPicPr>
-          <p:cNvPr id="9" name="Picture Placeholder 8"/>
-          <p:cNvPicPr>
-            <a:picLocks noGrp="1" noChangeAspect="1"/>
-          </p:cNvPicPr>
-          <p:nvPr>
-            <p:ph type="pic" sz="quarter" idx="16"/>
-          </p:nvPr>
-        </p:nvPicPr>
-        <p:blipFill>
-          <a:blip r:embed="rId3"/>
-          <a:srcRect l="10183" r="10183"/>
-          <a:stretch>
-            <a:fillRect/>
-          </a:stretch>
-        </p:blipFill>
-        <p:spPr>
-          <a:xfrm>
-            <a:off x="122236" y="1820862"/>
-            <a:ext cx="4953001" cy="3657600"/>
-          </a:xfrm>
-          <a:prstGeom prst="rect">
-            <a:avLst/>
-          </a:prstGeom>
-          <a:ln>
-            <a:noFill/>
-          </a:ln>
-          <a:effectLst>
-            <a:reflection blurRad="12700" stA="30000" endPos="30000" dist="5000" dir="5400000" sy="-100000" algn="bl" rotWithShape="0"/>
-          </a:effectLst>
-          <a:scene3d>
-            <a:camera prst="perspectiveContrastingLeftFacing">
-              <a:rot lat="300000" lon="19800000" rev="0"/>
-            </a:camera>
-            <a:lightRig rig="threePt" dir="t">
-              <a:rot lat="0" lon="0" rev="2700000"/>
-            </a:lightRig>
-          </a:scene3d>
-          <a:sp3d>
-            <a:bevelT w="63500" h="50800"/>
-          </a:sp3d>
-        </p:spPr>
-      </p:pic>
-    </p:spTree>
-    <p:extLst>
-      <p:ext uri="{BB962C8B-B14F-4D97-AF65-F5344CB8AC3E}">
-        <p14:creationId xmlns:p14="http://schemas.microsoft.com/office/powerpoint/2010/main" val="3193321457"/>
-      </p:ext>
-    </p:extLst>
-  </p:cSld>
-  <p:clrMapOvr>
-    <a:masterClrMapping/>
-  </p:clrMapOvr>
-  <mc:AlternateContent xmlns:mc="http://schemas.openxmlformats.org/markup-compatibility/2006" xmlns:p14="http://schemas.microsoft.com/office/powerpoint/2010/main">
-    <mc:Choice Requires="p14">
-      <p:transition spd="med" p14:dur="700">
-        <p:fade/>
-      </p:transition>
-    </mc:Choice>
-    <mc:Fallback xmlns="">
-      <p:transition spd="med">
-        <p:fade/>
-      </p:transition>
-    </mc:Fallback>
-  </mc:AlternateContent>
-</p:sld>
-</file>
-
-<file path=ppt/slides/slide20.xml><?xml version="1.0" encoding="utf-8"?>
+<file path=ppt/slides/slide22.xml><?xml version="1.0" encoding="utf-8"?>
 <p:sld xmlns:a="http://schemas.openxmlformats.org/drawingml/2006/main" xmlns:r="http://schemas.openxmlformats.org/officeDocument/2006/relationships" xmlns:p="http://schemas.openxmlformats.org/presentationml/2006/main">
   <p:cSld>
     <p:bg>
@@ -25191,7 +27230,7 @@
 </p:sld>
 </file>
 
-<file path=ppt/slides/slide21.xml><?xml version="1.0" encoding="utf-8"?>
+<file path=ppt/slides/slide23.xml><?xml version="1.0" encoding="utf-8"?>
 <p:sld xmlns:a="http://schemas.openxmlformats.org/drawingml/2006/main" xmlns:r="http://schemas.openxmlformats.org/officeDocument/2006/relationships" xmlns:p="http://schemas.openxmlformats.org/presentationml/2006/main">
   <p:cSld>
     <p:spTree>
@@ -25270,7 +27309,7 @@
 </p:sld>
 </file>
 
-<file path=ppt/slides/slide22.xml><?xml version="1.0" encoding="utf-8"?>
+<file path=ppt/slides/slide24.xml><?xml version="1.0" encoding="utf-8"?>
 <p:sld xmlns:a="http://schemas.openxmlformats.org/drawingml/2006/main" xmlns:r="http://schemas.openxmlformats.org/officeDocument/2006/relationships" xmlns:p="http://schemas.openxmlformats.org/presentationml/2006/main">
   <p:cSld>
     <p:spTree>
@@ -25408,7 +27447,7 @@
 </p:sld>
 </file>
 
-<file path=ppt/slides/slide23.xml><?xml version="1.0" encoding="utf-8"?>
+<file path=ppt/slides/slide25.xml><?xml version="1.0" encoding="utf-8"?>
 <p:sld xmlns:a="http://schemas.openxmlformats.org/drawingml/2006/main" xmlns:r="http://schemas.openxmlformats.org/officeDocument/2006/relationships" xmlns:p="http://schemas.openxmlformats.org/presentationml/2006/main">
   <p:cSld>
     <p:spTree>
@@ -25437,7 +27476,7 @@
         </p:nvSpPr>
         <p:spPr>
           <a:xfrm>
-            <a:off x="4849000" y="2582862"/>
+            <a:off x="4849000" y="3040062"/>
             <a:ext cx="7315203" cy="914400"/>
           </a:xfrm>
         </p:spPr>
@@ -25454,12 +27493,20 @@
               <a:t>Click the </a:t>
             </a:r>
             <a:r>
-              <a:rPr lang="en-US" b="1" dirty="0"/>
-              <a:t>Yes</a:t>
+              <a:rPr lang="en-US" b="1" dirty="0" smtClean="0"/>
+              <a:t>Use Existing Local Account </a:t>
+            </a:r>
+            <a:r>
+              <a:rPr lang="en-US" dirty="0" smtClean="0"/>
+              <a:t>button </a:t>
             </a:r>
             <a:r>
               <a:rPr lang="en-US" dirty="0"/>
-              <a:t> button to link the account.</a:t>
+              <a:t>to link the </a:t>
+            </a:r>
+            <a:r>
+              <a:rPr lang="en-US" dirty="0" smtClean="0"/>
+              <a:t>account to an existing account.</a:t>
             </a:r>
           </a:p>
           <a:p>
@@ -25468,17 +27515,45 @@
               <a:buChar char="•"/>
             </a:pPr>
             <a:r>
+              <a:rPr lang="en-US" dirty="0" smtClean="0"/>
+              <a:t>Click </a:t>
+            </a:r>
+            <a:r>
+              <a:rPr lang="en-US" b="1" dirty="0" smtClean="0"/>
+              <a:t>Create Local account button </a:t>
+            </a:r>
+            <a:r>
+              <a:rPr lang="en-US" dirty="0" smtClean="0"/>
+              <a:t>to create a new local account and then link.</a:t>
+            </a:r>
+            <a:endParaRPr lang="en-US" dirty="0"/>
+          </a:p>
+          <a:p>
+            <a:pPr marL="571500" indent="-571500">
+              <a:buFont typeface="Arial" panose="020B0604020202020204" pitchFamily="34" charset="0"/>
+              <a:buChar char="•"/>
+            </a:pPr>
+            <a:r>
               <a:rPr lang="en-US" dirty="0"/>
               <a:t>Click the </a:t>
             </a:r>
             <a:r>
-              <a:rPr lang="en-US" b="1" dirty="0"/>
-              <a:t>No</a:t>
+              <a:rPr lang="en-US" b="1" dirty="0" smtClean="0"/>
+              <a:t>Cancel </a:t>
+            </a:r>
+            <a:r>
+              <a:rPr lang="en-US" dirty="0" smtClean="0"/>
+              <a:t>button </a:t>
             </a:r>
             <a:r>
               <a:rPr lang="en-US" dirty="0"/>
-              <a:t> button to go to the all schools page</a:t>
-            </a:r>
+              <a:t>to </a:t>
+            </a:r>
+            <a:r>
+              <a:rPr lang="en-US" dirty="0" smtClean="0"/>
+              <a:t>show a message and then stop.</a:t>
+            </a:r>
+            <a:endParaRPr lang="en-US" dirty="0"/>
           </a:p>
         </p:txBody>
       </p:sp>
@@ -25506,7 +27581,7 @@
       </p:sp>
       <p:pic>
         <p:nvPicPr>
-          <p:cNvPr id="5" name="Picture 4"/>
+          <p:cNvPr id="4" name="Picture 3"/>
           <p:cNvPicPr>
             <a:picLocks noChangeAspect="1"/>
           </p:cNvPicPr>
@@ -25520,8 +27595,8 @@
         </p:blipFill>
         <p:spPr>
           <a:xfrm>
-            <a:off x="274639" y="2278062"/>
-            <a:ext cx="4297788" cy="1417452"/>
+            <a:off x="274639" y="1925833"/>
+            <a:ext cx="4535493" cy="885629"/>
           </a:xfrm>
           <a:prstGeom prst="rect">
             <a:avLst/>
@@ -25553,7 +27628,7 @@
 </p:sld>
 </file>
 
-<file path=ppt/slides/slide24.xml><?xml version="1.0" encoding="utf-8"?>
+<file path=ppt/slides/slide26.xml><?xml version="1.0" encoding="utf-8"?>
 <p:sld xmlns:a="http://schemas.openxmlformats.org/drawingml/2006/main" xmlns:r="http://schemas.openxmlformats.org/officeDocument/2006/relationships" xmlns:p="http://schemas.openxmlformats.org/presentationml/2006/main">
   <p:cSld>
     <p:spTree>
@@ -25605,7 +27680,7 @@
         <p:spPr>
           <a:xfrm>
             <a:off x="274640" y="1820862"/>
-            <a:ext cx="6248398" cy="4185761"/>
+            <a:ext cx="6248398" cy="2400657"/>
           </a:xfrm>
           <a:prstGeom prst="rect">
             <a:avLst/>
@@ -25616,37 +27691,24 @@
           <a:lstStyle/>
           <a:p>
             <a:r>
-              <a:rPr lang="en-US" dirty="0"/>
-              <a:t>Click the </a:t>
-            </a:r>
-            <a:r>
-              <a:rPr lang="en-US" b="1" dirty="0"/>
-              <a:t>Login with local account</a:t>
-            </a:r>
-            <a:r>
-              <a:rPr lang="en-US" dirty="0"/>
-              <a:t> button to login with Local account.</a:t>
-            </a:r>
-          </a:p>
-          <a:p>
-            <a:r>
-              <a:rPr lang="en-US" dirty="0"/>
-              <a:t>Click the </a:t>
-            </a:r>
-            <a:r>
-              <a:rPr lang="en-US" b="1" dirty="0"/>
-              <a:t>Create local account</a:t>
-            </a:r>
-            <a:r>
-              <a:rPr lang="en-US" dirty="0"/>
-              <a:t> to create a Local account and then link the accounts.</a:t>
-            </a:r>
+              <a:rPr lang="en-US" dirty="0" smtClean="0"/>
+              <a:t>Input local account’s email and password and then click </a:t>
+            </a:r>
+            <a:r>
+              <a:rPr lang="en-US" b="1" dirty="0" smtClean="0"/>
+              <a:t>Login and Link </a:t>
+            </a:r>
+            <a:r>
+              <a:rPr lang="en-US" dirty="0" smtClean="0"/>
+              <a:t>button to link.</a:t>
+            </a:r>
+            <a:endParaRPr lang="en-US" dirty="0"/>
           </a:p>
         </p:txBody>
       </p:sp>
       <p:pic>
         <p:nvPicPr>
-          <p:cNvPr id="2" name="Picture 1"/>
+          <p:cNvPr id="4" name="Picture 3"/>
           <p:cNvPicPr>
             <a:picLocks noChangeAspect="1"/>
           </p:cNvPicPr>
@@ -25660,8 +27722,8 @@
         </p:blipFill>
         <p:spPr>
           <a:xfrm>
-            <a:off x="7132637" y="1843404"/>
-            <a:ext cx="4200000" cy="2790476"/>
+            <a:off x="6827837" y="1812924"/>
+            <a:ext cx="4990476" cy="1771429"/>
           </a:xfrm>
           <a:prstGeom prst="rect">
             <a:avLst/>
@@ -25693,7 +27755,7 @@
 </p:sld>
 </file>
 
-<file path=ppt/slides/slide25.xml><?xml version="1.0" encoding="utf-8"?>
+<file path=ppt/slides/slide27.xml><?xml version="1.0" encoding="utf-8"?>
 <p:sld xmlns:a="http://schemas.openxmlformats.org/drawingml/2006/main" xmlns:r="http://schemas.openxmlformats.org/officeDocument/2006/relationships" xmlns:p="http://schemas.openxmlformats.org/presentationml/2006/main">
   <p:cSld>
     <p:spTree>
@@ -25872,7 +27934,7 @@
 </p:sld>
 </file>
 
-<file path=ppt/slides/slide26.xml><?xml version="1.0" encoding="utf-8"?>
+<file path=ppt/slides/slide28.xml><?xml version="1.0" encoding="utf-8"?>
 <p:sld xmlns:a="http://schemas.openxmlformats.org/drawingml/2006/main" xmlns:r="http://schemas.openxmlformats.org/officeDocument/2006/relationships" xmlns:p="http://schemas.openxmlformats.org/presentationml/2006/main">
   <p:cSld>
     <p:spTree>
@@ -26041,7 +28103,7 @@
 </p:sld>
 </file>
 
-<file path=ppt/slides/slide27.xml><?xml version="1.0" encoding="utf-8"?>
+<file path=ppt/slides/slide29.xml><?xml version="1.0" encoding="utf-8"?>
 <p:sld xmlns:a="http://schemas.openxmlformats.org/drawingml/2006/main" xmlns:r="http://schemas.openxmlformats.org/officeDocument/2006/relationships" xmlns:p="http://schemas.openxmlformats.org/presentationml/2006/main">
   <p:cSld>
     <p:spTree>
@@ -26241,217 +28303,6 @@
 </p:sld>
 </file>
 
-<file path=ppt/slides/slide28.xml><?xml version="1.0" encoding="utf-8"?>
-<p:sld xmlns:a="http://schemas.openxmlformats.org/drawingml/2006/main" xmlns:r="http://schemas.openxmlformats.org/officeDocument/2006/relationships" xmlns:p="http://schemas.openxmlformats.org/presentationml/2006/main">
-  <p:cSld>
-    <p:bg>
-      <p:bgPr>
-        <a:solidFill>
-          <a:schemeClr val="bg2"/>
-        </a:solidFill>
-        <a:effectLst/>
-      </p:bgPr>
-    </p:bg>
-    <p:spTree>
-      <p:nvGrpSpPr>
-        <p:cNvPr id="1" name=""/>
-        <p:cNvGrpSpPr/>
-        <p:nvPr/>
-      </p:nvGrpSpPr>
-      <p:grpSpPr>
-        <a:xfrm>
-          <a:off x="0" y="0"/>
-          <a:ext cx="0" cy="0"/>
-          <a:chOff x="0" y="0"/>
-          <a:chExt cx="0" cy="0"/>
-        </a:xfrm>
-      </p:grpSpPr>
-      <p:sp>
-        <p:nvSpPr>
-          <p:cNvPr id="4" name="Title 3"/>
-          <p:cNvSpPr>
-            <a:spLocks noGrp="1"/>
-          </p:cNvSpPr>
-          <p:nvPr>
-            <p:ph type="title"/>
-          </p:nvPr>
-        </p:nvSpPr>
-        <p:spPr/>
-        <p:txBody>
-          <a:bodyPr/>
-          <a:lstStyle/>
-          <a:p>
-            <a:r>
-              <a:rPr lang="en-US" dirty="0"/>
-              <a:t>ALL SCHOOLS</a:t>
-            </a:r>
-          </a:p>
-        </p:txBody>
-      </p:sp>
-    </p:spTree>
-    <p:extLst>
-      <p:ext uri="{BB962C8B-B14F-4D97-AF65-F5344CB8AC3E}">
-        <p14:creationId xmlns:p14="http://schemas.microsoft.com/office/powerpoint/2010/main" val="3297895409"/>
-      </p:ext>
-    </p:extLst>
-  </p:cSld>
-  <p:clrMapOvr>
-    <a:masterClrMapping/>
-  </p:clrMapOvr>
-  <mc:AlternateContent xmlns:mc="http://schemas.openxmlformats.org/markup-compatibility/2006" xmlns:p14="http://schemas.microsoft.com/office/powerpoint/2010/main">
-    <mc:Choice Requires="p14">
-      <p:transition spd="med" p14:dur="700">
-        <p:fade/>
-      </p:transition>
-    </mc:Choice>
-    <mc:Fallback xmlns="">
-      <p:transition spd="med">
-        <p:fade/>
-      </p:transition>
-    </mc:Fallback>
-  </mc:AlternateContent>
-</p:sld>
-</file>
-
-<file path=ppt/slides/slide29.xml><?xml version="1.0" encoding="utf-8"?>
-<p:sld xmlns:a="http://schemas.openxmlformats.org/drawingml/2006/main" xmlns:r="http://schemas.openxmlformats.org/officeDocument/2006/relationships" xmlns:p="http://schemas.openxmlformats.org/presentationml/2006/main">
-  <p:cSld>
-    <p:spTree>
-      <p:nvGrpSpPr>
-        <p:cNvPr id="1" name=""/>
-        <p:cNvGrpSpPr/>
-        <p:nvPr/>
-      </p:nvGrpSpPr>
-      <p:grpSpPr>
-        <a:xfrm>
-          <a:off x="0" y="0"/>
-          <a:ext cx="0" cy="0"/>
-          <a:chOff x="0" y="0"/>
-          <a:chExt cx="0" cy="0"/>
-        </a:xfrm>
-      </p:grpSpPr>
-      <p:sp>
-        <p:nvSpPr>
-          <p:cNvPr id="2" name="Text Placeholder 1"/>
-          <p:cNvSpPr>
-            <a:spLocks noGrp="1"/>
-          </p:cNvSpPr>
-          <p:nvPr>
-            <p:ph type="body" sz="quarter" idx="10"/>
-          </p:nvPr>
-        </p:nvSpPr>
-        <p:spPr>
-          <a:xfrm>
-            <a:off x="274639" y="1265046"/>
-            <a:ext cx="11887199" cy="2743199"/>
-          </a:xfrm>
-        </p:spPr>
-        <p:txBody>
-          <a:bodyPr/>
-          <a:lstStyle/>
-          <a:p>
-            <a:r>
-              <a:rPr lang="en-US" sz="2800" dirty="0"/>
-              <a:t>Login with a teacher/student account &amp; go to the all schools page. </a:t>
-            </a:r>
-          </a:p>
-          <a:p>
-            <a:r>
-              <a:rPr lang="en-US" sz="2800" dirty="0"/>
-              <a:t>Teacher/student’s id is displayed in the top right corner. </a:t>
-            </a:r>
-          </a:p>
-          <a:p>
-            <a:r>
-              <a:rPr lang="en-US" sz="2800" dirty="0"/>
-              <a:t>Current school(s) enrolled are marked with green color.</a:t>
-            </a:r>
-          </a:p>
-          <a:p>
-            <a:r>
-              <a:rPr lang="en-US" sz="2800" dirty="0"/>
-              <a:t>Click a school name to go to the classes page.</a:t>
-            </a:r>
-          </a:p>
-          <a:p>
-            <a:r>
-              <a:rPr lang="en-US" sz="2800" dirty="0"/>
-              <a:t>Click the Bing map icon to show a map of the selected school. </a:t>
-            </a:r>
-          </a:p>
-        </p:txBody>
-      </p:sp>
-      <p:sp>
-        <p:nvSpPr>
-          <p:cNvPr id="3" name="Title 2"/>
-          <p:cNvSpPr>
-            <a:spLocks noGrp="1"/>
-          </p:cNvSpPr>
-          <p:nvPr>
-            <p:ph type="title"/>
-          </p:nvPr>
-        </p:nvSpPr>
-        <p:spPr/>
-        <p:txBody>
-          <a:bodyPr/>
-          <a:lstStyle/>
-          <a:p>
-            <a:r>
-              <a:rPr lang="en-US" dirty="0"/>
-              <a:t>ALL SCHOOLS</a:t>
-            </a:r>
-          </a:p>
-        </p:txBody>
-      </p:sp>
-      <p:pic>
-        <p:nvPicPr>
-          <p:cNvPr id="4" name="Picture 3"/>
-          <p:cNvPicPr>
-            <a:picLocks noChangeAspect="1"/>
-          </p:cNvPicPr>
-          <p:nvPr/>
-        </p:nvPicPr>
-        <p:blipFill>
-          <a:blip r:embed="rId3"/>
-          <a:stretch>
-            <a:fillRect/>
-          </a:stretch>
-        </p:blipFill>
-        <p:spPr>
-          <a:xfrm>
-            <a:off x="503237" y="4008245"/>
-            <a:ext cx="9220198" cy="2919882"/>
-          </a:xfrm>
-          <a:prstGeom prst="rect">
-            <a:avLst/>
-          </a:prstGeom>
-        </p:spPr>
-      </p:pic>
-    </p:spTree>
-    <p:extLst>
-      <p:ext uri="{BB962C8B-B14F-4D97-AF65-F5344CB8AC3E}">
-        <p14:creationId xmlns:p14="http://schemas.microsoft.com/office/powerpoint/2010/main" val="1675107910"/>
-      </p:ext>
-    </p:extLst>
-  </p:cSld>
-  <p:clrMapOvr>
-    <a:masterClrMapping/>
-  </p:clrMapOvr>
-  <mc:AlternateContent xmlns:mc="http://schemas.openxmlformats.org/markup-compatibility/2006" xmlns:p14="http://schemas.microsoft.com/office/powerpoint/2010/main">
-    <mc:Choice Requires="p14">
-      <p:transition spd="med" p14:dur="700">
-        <p:fade/>
-      </p:transition>
-    </mc:Choice>
-    <mc:Fallback xmlns="">
-      <p:transition spd="med">
-        <p:fade/>
-      </p:transition>
-    </mc:Fallback>
-  </mc:AlternateContent>
-</p:sld>
-</file>
-
 <file path=ppt/slides/slide3.xml><?xml version="1.0" encoding="utf-8"?>
 <p:sld xmlns:a="http://schemas.openxmlformats.org/drawingml/2006/main" xmlns:r="http://schemas.openxmlformats.org/officeDocument/2006/relationships" xmlns:p="http://schemas.openxmlformats.org/presentationml/2006/main">
   <p:cSld>
@@ -26566,7 +28417,7 @@
           <a:p>
             <a:r>
               <a:rPr lang="en-US" dirty="0"/>
-              <a:t>SCHOOL CLASSES</a:t>
+              <a:t>ALL SCHOOLS</a:t>
             </a:r>
           </a:p>
         </p:txBody>
@@ -26574,7 +28425,7 @@
     </p:spTree>
     <p:extLst>
       <p:ext uri="{BB962C8B-B14F-4D97-AF65-F5344CB8AC3E}">
-        <p14:creationId xmlns:p14="http://schemas.microsoft.com/office/powerpoint/2010/main" val="1223378607"/>
+        <p14:creationId xmlns:p14="http://schemas.microsoft.com/office/powerpoint/2010/main" val="3297895409"/>
       </p:ext>
     </p:extLst>
   </p:cSld>
@@ -26635,31 +28486,37 @@
           <a:p>
             <a:r>
               <a:rPr lang="en-US" sz="2800" dirty="0"/>
-              <a:t>All classes are displayed on the school classes page.</a:t>
+              <a:t>Login with a teacher/student account &amp; go to the all schools page. </a:t>
             </a:r>
           </a:p>
           <a:p>
             <a:r>
               <a:rPr lang="en-US" sz="2800" dirty="0"/>
-              <a:t>My classes are highlighted with a green color.</a:t>
+              <a:t>Teacher/student’s id is displayed in the top right corner. </a:t>
             </a:r>
           </a:p>
           <a:p>
             <a:r>
               <a:rPr lang="en-US" sz="2800" dirty="0"/>
-              <a:t>Classes that the current users are highlighted with the gray color.</a:t>
+              <a:t>Current school(s) enrolled are marked with green color.</a:t>
             </a:r>
           </a:p>
           <a:p>
             <a:r>
               <a:rPr lang="en-US" sz="2800" dirty="0"/>
-              <a:t>Hover on a class to pop up the class details window.</a:t>
-            </a:r>
-          </a:p>
-          <a:p>
+              <a:t>Click </a:t>
+            </a:r>
+            <a:r>
+              <a:rPr lang="en-US" sz="2800" b="1" dirty="0" smtClean="0"/>
+              <a:t>CLASSES</a:t>
+            </a:r>
+            <a:r>
+              <a:rPr lang="en-US" sz="2800" dirty="0" smtClean="0"/>
+              <a:t> to </a:t>
+            </a:r>
             <a:r>
               <a:rPr lang="en-US" sz="2800" dirty="0"/>
-              <a:t>Click on a green highlighted class to go to the class detail page.</a:t>
+              <a:t>go to the classes page.</a:t>
             </a:r>
           </a:p>
           <a:p>
@@ -26669,20 +28526,28 @@
             </a:r>
             <a:r>
               <a:rPr lang="en-US" sz="2800" b="1" dirty="0"/>
-              <a:t>My Classes</a:t>
+              <a:t>Bing map icon </a:t>
             </a:r>
             <a:r>
               <a:rPr lang="en-US" sz="2800" dirty="0"/>
-              <a:t> or </a:t>
-            </a:r>
-            <a:r>
-              <a:rPr lang="en-US" sz="2800" b="1" dirty="0"/>
-              <a:t>All Classes</a:t>
-            </a:r>
+              <a:t>to show a map of the selected school. </a:t>
+            </a:r>
+            <a:endParaRPr lang="en-US" sz="2800" dirty="0" smtClean="0"/>
+          </a:p>
+          <a:p>
             <a:r>
               <a:rPr lang="en-US" sz="2800" dirty="0"/>
-              <a:t> links to switch views.</a:t>
-            </a:r>
+              <a:t>Click </a:t>
+            </a:r>
+            <a:r>
+              <a:rPr lang="en-US" sz="2800" b="1" dirty="0" smtClean="0"/>
+              <a:t>Teachers/students</a:t>
+            </a:r>
+            <a:r>
+              <a:rPr lang="en-US" sz="2800" dirty="0" smtClean="0"/>
+              <a:t> to show teachers/students of current school.</a:t>
+            </a:r>
+            <a:endParaRPr lang="en-US" sz="2800" dirty="0"/>
           </a:p>
         </p:txBody>
       </p:sp>
@@ -26703,14 +28568,14 @@
           <a:p>
             <a:r>
               <a:rPr lang="en-US" dirty="0"/>
-              <a:t>SCHOOL CLASSES</a:t>
+              <a:t>ALL SCHOOLS</a:t>
             </a:r>
           </a:p>
         </p:txBody>
       </p:sp>
       <p:pic>
         <p:nvPicPr>
-          <p:cNvPr id="4" name="Picture 3"/>
+          <p:cNvPr id="6" name="Picture 5"/>
           <p:cNvPicPr>
             <a:picLocks noChangeAspect="1"/>
           </p:cNvPicPr>
@@ -26724,8 +28589,241 @@
         </p:blipFill>
         <p:spPr>
           <a:xfrm>
-            <a:off x="1951037" y="4565954"/>
-            <a:ext cx="7685714" cy="2428571"/>
+            <a:off x="1265237" y="4259262"/>
+            <a:ext cx="9047161" cy="2456691"/>
+          </a:xfrm>
+          <a:prstGeom prst="rect">
+            <a:avLst/>
+          </a:prstGeom>
+        </p:spPr>
+      </p:pic>
+    </p:spTree>
+    <p:extLst>
+      <p:ext uri="{BB962C8B-B14F-4D97-AF65-F5344CB8AC3E}">
+        <p14:creationId xmlns:p14="http://schemas.microsoft.com/office/powerpoint/2010/main" val="1675107910"/>
+      </p:ext>
+    </p:extLst>
+  </p:cSld>
+  <p:clrMapOvr>
+    <a:masterClrMapping/>
+  </p:clrMapOvr>
+  <mc:AlternateContent xmlns:mc="http://schemas.openxmlformats.org/markup-compatibility/2006" xmlns:p14="http://schemas.microsoft.com/office/powerpoint/2010/main">
+    <mc:Choice Requires="p14">
+      <p:transition spd="med" p14:dur="700">
+        <p:fade/>
+      </p:transition>
+    </mc:Choice>
+    <mc:Fallback xmlns="">
+      <p:transition spd="med">
+        <p:fade/>
+      </p:transition>
+    </mc:Fallback>
+  </mc:AlternateContent>
+</p:sld>
+</file>
+
+<file path=ppt/slides/slide32.xml><?xml version="1.0" encoding="utf-8"?>
+<p:sld xmlns:a="http://schemas.openxmlformats.org/drawingml/2006/main" xmlns:r="http://schemas.openxmlformats.org/officeDocument/2006/relationships" xmlns:p="http://schemas.openxmlformats.org/presentationml/2006/main">
+  <p:cSld>
+    <p:bg>
+      <p:bgPr>
+        <a:solidFill>
+          <a:schemeClr val="bg2"/>
+        </a:solidFill>
+        <a:effectLst/>
+      </p:bgPr>
+    </p:bg>
+    <p:spTree>
+      <p:nvGrpSpPr>
+        <p:cNvPr id="1" name=""/>
+        <p:cNvGrpSpPr/>
+        <p:nvPr/>
+      </p:nvGrpSpPr>
+      <p:grpSpPr>
+        <a:xfrm>
+          <a:off x="0" y="0"/>
+          <a:ext cx="0" cy="0"/>
+          <a:chOff x="0" y="0"/>
+          <a:chExt cx="0" cy="0"/>
+        </a:xfrm>
+      </p:grpSpPr>
+      <p:sp>
+        <p:nvSpPr>
+          <p:cNvPr id="4" name="Title 3"/>
+          <p:cNvSpPr>
+            <a:spLocks noGrp="1"/>
+          </p:cNvSpPr>
+          <p:nvPr>
+            <p:ph type="title"/>
+          </p:nvPr>
+        </p:nvSpPr>
+        <p:spPr/>
+        <p:txBody>
+          <a:bodyPr/>
+          <a:lstStyle/>
+          <a:p>
+            <a:r>
+              <a:rPr lang="en-US" dirty="0"/>
+              <a:t>SCHOOL CLASSES</a:t>
+            </a:r>
+          </a:p>
+        </p:txBody>
+      </p:sp>
+    </p:spTree>
+    <p:extLst>
+      <p:ext uri="{BB962C8B-B14F-4D97-AF65-F5344CB8AC3E}">
+        <p14:creationId xmlns:p14="http://schemas.microsoft.com/office/powerpoint/2010/main" val="1223378607"/>
+      </p:ext>
+    </p:extLst>
+  </p:cSld>
+  <p:clrMapOvr>
+    <a:masterClrMapping/>
+  </p:clrMapOvr>
+  <mc:AlternateContent xmlns:mc="http://schemas.openxmlformats.org/markup-compatibility/2006" xmlns:p14="http://schemas.microsoft.com/office/powerpoint/2010/main">
+    <mc:Choice Requires="p14">
+      <p:transition spd="med" p14:dur="700">
+        <p:fade/>
+      </p:transition>
+    </mc:Choice>
+    <mc:Fallback xmlns="">
+      <p:transition spd="med">
+        <p:fade/>
+      </p:transition>
+    </mc:Fallback>
+  </mc:AlternateContent>
+</p:sld>
+</file>
+
+<file path=ppt/slides/slide33.xml><?xml version="1.0" encoding="utf-8"?>
+<p:sld xmlns:a="http://schemas.openxmlformats.org/drawingml/2006/main" xmlns:r="http://schemas.openxmlformats.org/officeDocument/2006/relationships" xmlns:p="http://schemas.openxmlformats.org/presentationml/2006/main">
+  <p:cSld>
+    <p:spTree>
+      <p:nvGrpSpPr>
+        <p:cNvPr id="1" name=""/>
+        <p:cNvGrpSpPr/>
+        <p:nvPr/>
+      </p:nvGrpSpPr>
+      <p:grpSpPr>
+        <a:xfrm>
+          <a:off x="0" y="0"/>
+          <a:ext cx="0" cy="0"/>
+          <a:chOff x="0" y="0"/>
+          <a:chExt cx="0" cy="0"/>
+        </a:xfrm>
+      </p:grpSpPr>
+      <p:sp>
+        <p:nvSpPr>
+          <p:cNvPr id="2" name="Text Placeholder 1"/>
+          <p:cNvSpPr>
+            <a:spLocks noGrp="1"/>
+          </p:cNvSpPr>
+          <p:nvPr>
+            <p:ph type="body" sz="quarter" idx="10"/>
+          </p:nvPr>
+        </p:nvSpPr>
+        <p:spPr>
+          <a:xfrm>
+            <a:off x="274639" y="1265046"/>
+            <a:ext cx="11887199" cy="2743199"/>
+          </a:xfrm>
+        </p:spPr>
+        <p:txBody>
+          <a:bodyPr/>
+          <a:lstStyle/>
+          <a:p>
+            <a:r>
+              <a:rPr lang="en-US" sz="2800" dirty="0"/>
+              <a:t>All classes are displayed on the school classes page.</a:t>
+            </a:r>
+          </a:p>
+          <a:p>
+            <a:r>
+              <a:rPr lang="en-US" sz="2800" dirty="0"/>
+              <a:t>My classes are highlighted with a green color.</a:t>
+            </a:r>
+          </a:p>
+          <a:p>
+            <a:r>
+              <a:rPr lang="en-US" sz="2800" dirty="0"/>
+              <a:t>Classes that the current users are highlighted with the gray color.</a:t>
+            </a:r>
+          </a:p>
+          <a:p>
+            <a:r>
+              <a:rPr lang="en-US" sz="2800" dirty="0"/>
+              <a:t>Hover on a class to pop up the class details window.</a:t>
+            </a:r>
+          </a:p>
+          <a:p>
+            <a:r>
+              <a:rPr lang="en-US" sz="2800" dirty="0"/>
+              <a:t>Click on a green highlighted class to go to the class detail page.</a:t>
+            </a:r>
+          </a:p>
+          <a:p>
+            <a:r>
+              <a:rPr lang="en-US" sz="2800" dirty="0"/>
+              <a:t>Click the </a:t>
+            </a:r>
+            <a:r>
+              <a:rPr lang="en-US" sz="2800" b="1" dirty="0"/>
+              <a:t>My Classes</a:t>
+            </a:r>
+            <a:r>
+              <a:rPr lang="en-US" sz="2800" dirty="0"/>
+              <a:t> or </a:t>
+            </a:r>
+            <a:r>
+              <a:rPr lang="en-US" sz="2800" b="1" dirty="0"/>
+              <a:t>All Classes</a:t>
+            </a:r>
+            <a:r>
+              <a:rPr lang="en-US" sz="2800" dirty="0"/>
+              <a:t> links to switch views.</a:t>
+            </a:r>
+          </a:p>
+        </p:txBody>
+      </p:sp>
+      <p:sp>
+        <p:nvSpPr>
+          <p:cNvPr id="3" name="Title 2"/>
+          <p:cNvSpPr>
+            <a:spLocks noGrp="1"/>
+          </p:cNvSpPr>
+          <p:nvPr>
+            <p:ph type="title"/>
+          </p:nvPr>
+        </p:nvSpPr>
+        <p:spPr/>
+        <p:txBody>
+          <a:bodyPr/>
+          <a:lstStyle/>
+          <a:p>
+            <a:r>
+              <a:rPr lang="en-US" dirty="0"/>
+              <a:t>SCHOOL CLASSES</a:t>
+            </a:r>
+          </a:p>
+        </p:txBody>
+      </p:sp>
+      <p:pic>
+        <p:nvPicPr>
+          <p:cNvPr id="5" name="Picture 4"/>
+          <p:cNvPicPr>
+            <a:picLocks noChangeAspect="1"/>
+          </p:cNvPicPr>
+          <p:nvPr/>
+        </p:nvPicPr>
+        <p:blipFill>
+          <a:blip r:embed="rId3"/>
+          <a:stretch>
+            <a:fillRect/>
+          </a:stretch>
+        </p:blipFill>
+        <p:spPr>
+          <a:xfrm>
+            <a:off x="655638" y="4269025"/>
+            <a:ext cx="5562600" cy="2557483"/>
           </a:xfrm>
           <a:prstGeom prst="rect">
             <a:avLst/>
@@ -26757,7 +28855,7 @@
 </p:sld>
 </file>
 
-<file path=ppt/slides/slide32.xml><?xml version="1.0" encoding="utf-8"?>
+<file path=ppt/slides/slide34.xml><?xml version="1.0" encoding="utf-8"?>
 <p:sld xmlns:a="http://schemas.openxmlformats.org/drawingml/2006/main" xmlns:r="http://schemas.openxmlformats.org/officeDocument/2006/relationships" xmlns:p="http://schemas.openxmlformats.org/presentationml/2006/main">
   <p:cSld>
     <p:spTree>
@@ -26876,7 +28974,7 @@
 </p:sld>
 </file>
 
-<file path=ppt/slides/slide33.xml><?xml version="1.0" encoding="utf-8"?>
+<file path=ppt/slides/slide35.xml><?xml version="1.0" encoding="utf-8"?>
 <p:sld xmlns:a="http://schemas.openxmlformats.org/drawingml/2006/main" xmlns:r="http://schemas.openxmlformats.org/officeDocument/2006/relationships" xmlns:p="http://schemas.openxmlformats.org/presentationml/2006/main">
   <p:cSld>
     <p:bg>
@@ -26948,7 +29046,7 @@
 </p:sld>
 </file>
 
-<file path=ppt/slides/slide34.xml><?xml version="1.0" encoding="utf-8"?>
+<file path=ppt/slides/slide36.xml><?xml version="1.0" encoding="utf-8"?>
 <p:sld xmlns:a="http://schemas.openxmlformats.org/drawingml/2006/main" xmlns:r="http://schemas.openxmlformats.org/officeDocument/2006/relationships" xmlns:p="http://schemas.openxmlformats.org/presentationml/2006/main">
   <p:cSld>
     <p:spTree>
@@ -27001,8 +29099,21 @@
             </a:pPr>
             <a:r>
               <a:rPr lang="en-US" dirty="0"/>
-              <a:t>There are 3 tabs containing  students, class documents and conversations. </a:t>
-            </a:r>
+              <a:t>There are </a:t>
+            </a:r>
+            <a:r>
+              <a:rPr lang="en-US" dirty="0" smtClean="0"/>
+              <a:t>4 </a:t>
+            </a:r>
+            <a:r>
+              <a:rPr lang="en-US" dirty="0"/>
+              <a:t>tabs containing  students, class </a:t>
+            </a:r>
+            <a:r>
+              <a:rPr lang="en-US" dirty="0" smtClean="0"/>
+              <a:t>documents, conversations and seating chart. </a:t>
+            </a:r>
+            <a:endParaRPr lang="en-US" dirty="0"/>
           </a:p>
           <a:p>
             <a:pPr marL="571500" indent="-571500">
@@ -27040,7 +29151,7 @@
       </p:sp>
       <p:pic>
         <p:nvPicPr>
-          <p:cNvPr id="5" name="Picture 4"/>
+          <p:cNvPr id="7" name="Picture 6"/>
           <p:cNvPicPr>
             <a:picLocks noChangeAspect="1"/>
           </p:cNvPicPr>
@@ -27054,8 +29165,8 @@
         </p:blipFill>
         <p:spPr>
           <a:xfrm>
-            <a:off x="122237" y="1410923"/>
-            <a:ext cx="4697669" cy="2263458"/>
+            <a:off x="298905" y="1394743"/>
+            <a:ext cx="4347459" cy="1805021"/>
           </a:xfrm>
           <a:prstGeom prst="rect">
             <a:avLst/>
@@ -27064,7 +29175,7 @@
       </p:pic>
       <p:pic>
         <p:nvPicPr>
-          <p:cNvPr id="4" name="Picture 3"/>
+          <p:cNvPr id="8" name="Picture 7"/>
           <p:cNvPicPr>
             <a:picLocks noChangeAspect="1"/>
           </p:cNvPicPr>
@@ -27078,8 +29189,8 @@
         </p:blipFill>
         <p:spPr>
           <a:xfrm>
-            <a:off x="122236" y="3878262"/>
-            <a:ext cx="4697669" cy="1468129"/>
+            <a:off x="248830" y="3341225"/>
+            <a:ext cx="4397534" cy="1075282"/>
           </a:xfrm>
           <a:prstGeom prst="rect">
             <a:avLst/>
@@ -27088,7 +29199,7 @@
       </p:pic>
       <p:pic>
         <p:nvPicPr>
-          <p:cNvPr id="6" name="Picture 5"/>
+          <p:cNvPr id="9" name="Picture 8"/>
           <p:cNvPicPr>
             <a:picLocks noChangeAspect="1"/>
           </p:cNvPicPr>
@@ -27102,8 +29213,32 @@
         </p:blipFill>
         <p:spPr>
           <a:xfrm>
-            <a:off x="122236" y="5487940"/>
-            <a:ext cx="4697669" cy="1209721"/>
+            <a:off x="283982" y="4557331"/>
+            <a:ext cx="4362382" cy="859875"/>
+          </a:xfrm>
+          <a:prstGeom prst="rect">
+            <a:avLst/>
+          </a:prstGeom>
+        </p:spPr>
+      </p:pic>
+      <p:pic>
+        <p:nvPicPr>
+          <p:cNvPr id="10" name="Picture 9"/>
+          <p:cNvPicPr>
+            <a:picLocks noChangeAspect="1"/>
+          </p:cNvPicPr>
+          <p:nvPr/>
+        </p:nvPicPr>
+        <p:blipFill>
+          <a:blip r:embed="rId6"/>
+          <a:stretch>
+            <a:fillRect/>
+          </a:stretch>
+        </p:blipFill>
+        <p:spPr>
+          <a:xfrm>
+            <a:off x="298905" y="5707062"/>
+            <a:ext cx="4371725" cy="1063090"/>
           </a:xfrm>
           <a:prstGeom prst="rect">
             <a:avLst/>
@@ -27135,7 +29270,910 @@
 </p:sld>
 </file>
 
-<file path=ppt/slides/slide35.xml><?xml version="1.0" encoding="utf-8"?>
+<file path=ppt/slides/slide37.xml><?xml version="1.0" encoding="utf-8"?>
+<p:sld xmlns:a="http://schemas.openxmlformats.org/drawingml/2006/main" xmlns:r="http://schemas.openxmlformats.org/officeDocument/2006/relationships" xmlns:p="http://schemas.openxmlformats.org/presentationml/2006/main">
+  <p:cSld>
+    <p:spTree>
+      <p:nvGrpSpPr>
+        <p:cNvPr id="1" name=""/>
+        <p:cNvGrpSpPr/>
+        <p:nvPr/>
+      </p:nvGrpSpPr>
+      <p:grpSpPr>
+        <a:xfrm>
+          <a:off x="0" y="0"/>
+          <a:ext cx="0" cy="0"/>
+          <a:chOff x="0" y="0"/>
+          <a:chExt cx="0" cy="0"/>
+        </a:xfrm>
+      </p:grpSpPr>
+      <p:sp>
+        <p:nvSpPr>
+          <p:cNvPr id="2" name="Text Placeholder 1"/>
+          <p:cNvSpPr>
+            <a:spLocks noGrp="1"/>
+          </p:cNvSpPr>
+          <p:nvPr>
+            <p:ph type="body" sz="quarter" idx="15"/>
+          </p:nvPr>
+        </p:nvSpPr>
+        <p:spPr>
+          <a:xfrm>
+            <a:off x="5108526" y="3532002"/>
+            <a:ext cx="7315203" cy="914400"/>
+          </a:xfrm>
+        </p:spPr>
+        <p:txBody>
+          <a:bodyPr/>
+          <a:lstStyle/>
+          <a:p>
+            <a:pPr marL="571500" indent="-571500">
+              <a:buFont typeface="Arial" panose="020B0604020202020204" pitchFamily="34" charset="0"/>
+              <a:buChar char="•"/>
+            </a:pPr>
+            <a:r>
+              <a:rPr lang="en-US" dirty="0"/>
+              <a:t>W</a:t>
+            </a:r>
+            <a:r>
+              <a:rPr lang="en-US" dirty="0" smtClean="0"/>
+              <a:t>hen login as a student, his assigned seat will display on the chart.</a:t>
+            </a:r>
+          </a:p>
+          <a:p>
+            <a:pPr marL="571500" indent="-571500">
+              <a:buFont typeface="Arial" panose="020B0604020202020204" pitchFamily="34" charset="0"/>
+              <a:buChar char="•"/>
+            </a:pPr>
+            <a:r>
+              <a:rPr lang="en-US" dirty="0" smtClean="0"/>
+              <a:t>Current student’s seat will high lighted with the color of his favorite color.</a:t>
+            </a:r>
+          </a:p>
+          <a:p>
+            <a:pPr marL="571500" indent="-571500">
+              <a:buFont typeface="Arial" panose="020B0604020202020204" pitchFamily="34" charset="0"/>
+              <a:buChar char="•"/>
+            </a:pPr>
+            <a:r>
+              <a:rPr lang="en-US" dirty="0" smtClean="0"/>
+              <a:t>Other students’ seat will show with gray background color.</a:t>
+            </a:r>
+          </a:p>
+          <a:p>
+            <a:pPr marL="571500" indent="-571500">
+              <a:buFont typeface="Arial" panose="020B0604020202020204" pitchFamily="34" charset="0"/>
+              <a:buChar char="•"/>
+            </a:pPr>
+            <a:endParaRPr lang="en-US" dirty="0"/>
+          </a:p>
+        </p:txBody>
+      </p:sp>
+      <p:sp>
+        <p:nvSpPr>
+          <p:cNvPr id="3" name="Title 2"/>
+          <p:cNvSpPr>
+            <a:spLocks noGrp="1"/>
+          </p:cNvSpPr>
+          <p:nvPr>
+            <p:ph type="title"/>
+          </p:nvPr>
+        </p:nvSpPr>
+        <p:spPr/>
+        <p:txBody>
+          <a:bodyPr/>
+          <a:lstStyle/>
+          <a:p>
+            <a:r>
+              <a:rPr lang="en-US" dirty="0"/>
+              <a:t>Class </a:t>
+            </a:r>
+            <a:r>
+              <a:rPr lang="en-US" dirty="0" smtClean="0"/>
+              <a:t>detail seating chart – login as a student</a:t>
+            </a:r>
+            <a:endParaRPr lang="en-US" dirty="0"/>
+          </a:p>
+        </p:txBody>
+      </p:sp>
+      <p:pic>
+        <p:nvPicPr>
+          <p:cNvPr id="4" name="Picture 3"/>
+          <p:cNvPicPr>
+            <a:picLocks noChangeAspect="1"/>
+          </p:cNvPicPr>
+          <p:nvPr/>
+        </p:nvPicPr>
+        <p:blipFill>
+          <a:blip r:embed="rId3"/>
+          <a:stretch>
+            <a:fillRect/>
+          </a:stretch>
+        </p:blipFill>
+        <p:spPr>
+          <a:xfrm>
+            <a:off x="122237" y="1956709"/>
+            <a:ext cx="4794769" cy="1557105"/>
+          </a:xfrm>
+          <a:prstGeom prst="rect">
+            <a:avLst/>
+          </a:prstGeom>
+        </p:spPr>
+      </p:pic>
+    </p:spTree>
+    <p:extLst>
+      <p:ext uri="{BB962C8B-B14F-4D97-AF65-F5344CB8AC3E}">
+        <p14:creationId xmlns:p14="http://schemas.microsoft.com/office/powerpoint/2010/main" val="38736357"/>
+      </p:ext>
+    </p:extLst>
+  </p:cSld>
+  <p:clrMapOvr>
+    <a:masterClrMapping/>
+  </p:clrMapOvr>
+  <mc:AlternateContent xmlns:mc="http://schemas.openxmlformats.org/markup-compatibility/2006" xmlns:p14="http://schemas.microsoft.com/office/powerpoint/2010/main">
+    <mc:Choice Requires="p14">
+      <p:transition spd="med" p14:dur="700">
+        <p:fade/>
+      </p:transition>
+    </mc:Choice>
+    <mc:Fallback xmlns="">
+      <p:transition spd="med">
+        <p:fade/>
+      </p:transition>
+    </mc:Fallback>
+  </mc:AlternateContent>
+</p:sld>
+</file>
+
+<file path=ppt/slides/slide38.xml><?xml version="1.0" encoding="utf-8"?>
+<p:sld xmlns:a="http://schemas.openxmlformats.org/drawingml/2006/main" xmlns:r="http://schemas.openxmlformats.org/officeDocument/2006/relationships" xmlns:p="http://schemas.openxmlformats.org/presentationml/2006/main">
+  <p:cSld>
+    <p:spTree>
+      <p:nvGrpSpPr>
+        <p:cNvPr id="1" name=""/>
+        <p:cNvGrpSpPr/>
+        <p:nvPr/>
+      </p:nvGrpSpPr>
+      <p:grpSpPr>
+        <a:xfrm>
+          <a:off x="0" y="0"/>
+          <a:ext cx="0" cy="0"/>
+          <a:chOff x="0" y="0"/>
+          <a:chExt cx="0" cy="0"/>
+        </a:xfrm>
+      </p:grpSpPr>
+      <p:sp>
+        <p:nvSpPr>
+          <p:cNvPr id="2" name="Text Placeholder 1"/>
+          <p:cNvSpPr>
+            <a:spLocks noGrp="1"/>
+          </p:cNvSpPr>
+          <p:nvPr>
+            <p:ph type="body" sz="quarter" idx="15"/>
+          </p:nvPr>
+        </p:nvSpPr>
+        <p:spPr>
+          <a:xfrm>
+            <a:off x="427038" y="3649662"/>
+            <a:ext cx="6172200" cy="914400"/>
+          </a:xfrm>
+        </p:spPr>
+        <p:txBody>
+          <a:bodyPr/>
+          <a:lstStyle/>
+          <a:p>
+            <a:pPr marL="571500" indent="-571500">
+              <a:buFont typeface="Arial" panose="020B0604020202020204" pitchFamily="34" charset="0"/>
+              <a:buChar char="•"/>
+            </a:pPr>
+            <a:r>
+              <a:rPr lang="en-US" dirty="0"/>
+              <a:t>W</a:t>
+            </a:r>
+            <a:r>
+              <a:rPr lang="en-US" dirty="0" smtClean="0"/>
+              <a:t>hen login as a teacher, he can see all students’ seat on the chart.</a:t>
+            </a:r>
+          </a:p>
+          <a:p>
+            <a:pPr marL="571500" indent="-571500">
+              <a:buFont typeface="Arial" panose="020B0604020202020204" pitchFamily="34" charset="0"/>
+              <a:buChar char="•"/>
+            </a:pPr>
+            <a:r>
+              <a:rPr lang="en-US" dirty="0" smtClean="0"/>
+              <a:t>A teacher can click edit button and then drag/drop/delete a student’s seat.</a:t>
+            </a:r>
+          </a:p>
+          <a:p>
+            <a:pPr marL="571500" indent="-571500">
+              <a:buFont typeface="Arial" panose="020B0604020202020204" pitchFamily="34" charset="0"/>
+              <a:buChar char="•"/>
+            </a:pPr>
+            <a:r>
+              <a:rPr lang="en-US" dirty="0" smtClean="0"/>
+              <a:t>A teacher can save or cancel edit.</a:t>
+            </a:r>
+          </a:p>
+          <a:p>
+            <a:pPr marL="571500" indent="-571500">
+              <a:buFont typeface="Arial" panose="020B0604020202020204" pitchFamily="34" charset="0"/>
+              <a:buChar char="•"/>
+            </a:pPr>
+            <a:endParaRPr lang="en-US" dirty="0"/>
+          </a:p>
+        </p:txBody>
+      </p:sp>
+      <p:sp>
+        <p:nvSpPr>
+          <p:cNvPr id="3" name="Title 2"/>
+          <p:cNvSpPr>
+            <a:spLocks noGrp="1"/>
+          </p:cNvSpPr>
+          <p:nvPr>
+            <p:ph type="title"/>
+          </p:nvPr>
+        </p:nvSpPr>
+        <p:spPr/>
+        <p:txBody>
+          <a:bodyPr/>
+          <a:lstStyle/>
+          <a:p>
+            <a:r>
+              <a:rPr lang="en-US" dirty="0"/>
+              <a:t>Class </a:t>
+            </a:r>
+            <a:r>
+              <a:rPr lang="en-US" dirty="0" smtClean="0"/>
+              <a:t>detail seating chart – login as a teacher</a:t>
+            </a:r>
+            <a:endParaRPr lang="en-US" dirty="0"/>
+          </a:p>
+        </p:txBody>
+      </p:sp>
+      <p:pic>
+        <p:nvPicPr>
+          <p:cNvPr id="5" name="Picture 4"/>
+          <p:cNvPicPr>
+            <a:picLocks noChangeAspect="1"/>
+          </p:cNvPicPr>
+          <p:nvPr/>
+        </p:nvPicPr>
+        <p:blipFill>
+          <a:blip r:embed="rId3"/>
+          <a:stretch>
+            <a:fillRect/>
+          </a:stretch>
+        </p:blipFill>
+        <p:spPr>
+          <a:xfrm>
+            <a:off x="6827837" y="1516062"/>
+            <a:ext cx="4950188" cy="1478894"/>
+          </a:xfrm>
+          <a:prstGeom prst="rect">
+            <a:avLst/>
+          </a:prstGeom>
+        </p:spPr>
+      </p:pic>
+      <p:pic>
+        <p:nvPicPr>
+          <p:cNvPr id="6" name="Picture 5"/>
+          <p:cNvPicPr>
+            <a:picLocks noChangeAspect="1"/>
+          </p:cNvPicPr>
+          <p:nvPr/>
+        </p:nvPicPr>
+        <p:blipFill>
+          <a:blip r:embed="rId4"/>
+          <a:stretch>
+            <a:fillRect/>
+          </a:stretch>
+        </p:blipFill>
+        <p:spPr>
+          <a:xfrm>
+            <a:off x="6827837" y="3691014"/>
+            <a:ext cx="5023733" cy="1596723"/>
+          </a:xfrm>
+          <a:prstGeom prst="rect">
+            <a:avLst/>
+          </a:prstGeom>
+        </p:spPr>
+      </p:pic>
+    </p:spTree>
+    <p:extLst>
+      <p:ext uri="{BB962C8B-B14F-4D97-AF65-F5344CB8AC3E}">
+        <p14:creationId xmlns:p14="http://schemas.microsoft.com/office/powerpoint/2010/main" val="309719576"/>
+      </p:ext>
+    </p:extLst>
+  </p:cSld>
+  <p:clrMapOvr>
+    <a:masterClrMapping/>
+  </p:clrMapOvr>
+  <mc:AlternateContent xmlns:mc="http://schemas.openxmlformats.org/markup-compatibility/2006" xmlns:p14="http://schemas.microsoft.com/office/powerpoint/2010/main">
+    <mc:Choice Requires="p14">
+      <p:transition spd="med" p14:dur="700">
+        <p:fade/>
+      </p:transition>
+    </mc:Choice>
+    <mc:Fallback xmlns="">
+      <p:transition spd="med">
+        <p:fade/>
+      </p:transition>
+    </mc:Fallback>
+  </mc:AlternateContent>
+</p:sld>
+</file>
+
+<file path=ppt/slides/slide39.xml><?xml version="1.0" encoding="utf-8"?>
+<p:sld xmlns:a="http://schemas.openxmlformats.org/drawingml/2006/main" xmlns:r="http://schemas.openxmlformats.org/officeDocument/2006/relationships" xmlns:p="http://schemas.openxmlformats.org/presentationml/2006/main">
+  <p:cSld>
+    <p:bg>
+      <p:bgPr>
+        <a:solidFill>
+          <a:schemeClr val="bg2"/>
+        </a:solidFill>
+        <a:effectLst/>
+      </p:bgPr>
+    </p:bg>
+    <p:spTree>
+      <p:nvGrpSpPr>
+        <p:cNvPr id="1" name=""/>
+        <p:cNvGrpSpPr/>
+        <p:nvPr/>
+      </p:nvGrpSpPr>
+      <p:grpSpPr>
+        <a:xfrm>
+          <a:off x="0" y="0"/>
+          <a:ext cx="0" cy="0"/>
+          <a:chOff x="0" y="0"/>
+          <a:chExt cx="0" cy="0"/>
+        </a:xfrm>
+      </p:grpSpPr>
+      <p:sp>
+        <p:nvSpPr>
+          <p:cNvPr id="4" name="Title 3"/>
+          <p:cNvSpPr>
+            <a:spLocks noGrp="1"/>
+          </p:cNvSpPr>
+          <p:nvPr>
+            <p:ph type="title"/>
+          </p:nvPr>
+        </p:nvSpPr>
+        <p:spPr/>
+        <p:txBody>
+          <a:bodyPr/>
+          <a:lstStyle/>
+          <a:p>
+            <a:r>
+              <a:rPr lang="en-US" dirty="0"/>
+              <a:t>Teachers/Students</a:t>
+            </a:r>
+            <a:endParaRPr lang="en-US" dirty="0"/>
+          </a:p>
+        </p:txBody>
+      </p:sp>
+    </p:spTree>
+    <p:extLst>
+      <p:ext uri="{BB962C8B-B14F-4D97-AF65-F5344CB8AC3E}">
+        <p14:creationId xmlns:p14="http://schemas.microsoft.com/office/powerpoint/2010/main" val="2204471322"/>
+      </p:ext>
+    </p:extLst>
+  </p:cSld>
+  <p:clrMapOvr>
+    <a:masterClrMapping/>
+  </p:clrMapOvr>
+  <mc:AlternateContent xmlns:mc="http://schemas.openxmlformats.org/markup-compatibility/2006" xmlns:p14="http://schemas.microsoft.com/office/powerpoint/2010/main">
+    <mc:Choice Requires="p14">
+      <p:transition spd="med" p14:dur="700">
+        <p:fade/>
+      </p:transition>
+    </mc:Choice>
+    <mc:Fallback xmlns="">
+      <p:transition spd="med">
+        <p:fade/>
+      </p:transition>
+    </mc:Fallback>
+  </mc:AlternateContent>
+</p:sld>
+</file>
+
+<file path=ppt/slides/slide4.xml><?xml version="1.0" encoding="utf-8"?>
+<p:sld xmlns:a="http://schemas.openxmlformats.org/drawingml/2006/main" xmlns:r="http://schemas.openxmlformats.org/officeDocument/2006/relationships" xmlns:p="http://schemas.openxmlformats.org/presentationml/2006/main">
+  <p:cSld>
+    <p:spTree>
+      <p:nvGrpSpPr>
+        <p:cNvPr id="1" name=""/>
+        <p:cNvGrpSpPr/>
+        <p:nvPr/>
+      </p:nvGrpSpPr>
+      <p:grpSpPr>
+        <a:xfrm>
+          <a:off x="0" y="0"/>
+          <a:ext cx="0" cy="0"/>
+          <a:chOff x="0" y="0"/>
+          <a:chExt cx="0" cy="0"/>
+        </a:xfrm>
+      </p:grpSpPr>
+      <p:sp>
+        <p:nvSpPr>
+          <p:cNvPr id="3" name="Title 2"/>
+          <p:cNvSpPr>
+            <a:spLocks noGrp="1"/>
+          </p:cNvSpPr>
+          <p:nvPr>
+            <p:ph type="title"/>
+          </p:nvPr>
+        </p:nvSpPr>
+        <p:spPr/>
+        <p:txBody>
+          <a:bodyPr/>
+          <a:lstStyle/>
+          <a:p>
+            <a:r>
+              <a:rPr lang="en-US" dirty="0"/>
+              <a:t>Admin Account Login Authentication Flow</a:t>
+            </a:r>
+          </a:p>
+        </p:txBody>
+      </p:sp>
+      <p:pic>
+        <p:nvPicPr>
+          <p:cNvPr id="4" name="Picture 3"/>
+          <p:cNvPicPr>
+            <a:picLocks noChangeAspect="1"/>
+          </p:cNvPicPr>
+          <p:nvPr/>
+        </p:nvPicPr>
+        <p:blipFill>
+          <a:blip r:embed="rId2"/>
+          <a:stretch>
+            <a:fillRect/>
+          </a:stretch>
+        </p:blipFill>
+        <p:spPr>
+          <a:xfrm>
+            <a:off x="427037" y="1363662"/>
+            <a:ext cx="11620767" cy="4419600"/>
+          </a:xfrm>
+          <a:prstGeom prst="rect">
+            <a:avLst/>
+          </a:prstGeom>
+        </p:spPr>
+      </p:pic>
+    </p:spTree>
+    <p:extLst>
+      <p:ext uri="{BB962C8B-B14F-4D97-AF65-F5344CB8AC3E}">
+        <p14:creationId xmlns:p14="http://schemas.microsoft.com/office/powerpoint/2010/main" val="3169000962"/>
+      </p:ext>
+    </p:extLst>
+  </p:cSld>
+  <p:clrMapOvr>
+    <a:masterClrMapping/>
+  </p:clrMapOvr>
+  <p:transition>
+    <p:fade/>
+  </p:transition>
+</p:sld>
+</file>
+
+<file path=ppt/slides/slide40.xml><?xml version="1.0" encoding="utf-8"?>
+<p:sld xmlns:a="http://schemas.openxmlformats.org/drawingml/2006/main" xmlns:r="http://schemas.openxmlformats.org/officeDocument/2006/relationships" xmlns:p="http://schemas.openxmlformats.org/presentationml/2006/main">
+  <p:cSld>
+    <p:spTree>
+      <p:nvGrpSpPr>
+        <p:cNvPr id="1" name=""/>
+        <p:cNvGrpSpPr/>
+        <p:nvPr/>
+      </p:nvGrpSpPr>
+      <p:grpSpPr>
+        <a:xfrm>
+          <a:off x="0" y="0"/>
+          <a:ext cx="0" cy="0"/>
+          <a:chOff x="0" y="0"/>
+          <a:chExt cx="0" cy="0"/>
+        </a:xfrm>
+      </p:grpSpPr>
+      <p:sp>
+        <p:nvSpPr>
+          <p:cNvPr id="2" name="Text Placeholder 1"/>
+          <p:cNvSpPr>
+            <a:spLocks noGrp="1"/>
+          </p:cNvSpPr>
+          <p:nvPr>
+            <p:ph type="body" sz="quarter" idx="10"/>
+          </p:nvPr>
+        </p:nvSpPr>
+        <p:spPr>
+          <a:xfrm>
+            <a:off x="274639" y="1265046"/>
+            <a:ext cx="11887199" cy="2743199"/>
+          </a:xfrm>
+        </p:spPr>
+        <p:txBody>
+          <a:bodyPr/>
+          <a:lstStyle/>
+          <a:p>
+            <a:r>
+              <a:rPr lang="en-US" sz="2800" dirty="0" smtClean="0"/>
+              <a:t>Click </a:t>
+            </a:r>
+            <a:r>
+              <a:rPr lang="en-US" sz="2800" b="1" dirty="0"/>
+              <a:t>Teachers/students</a:t>
+            </a:r>
+            <a:r>
+              <a:rPr lang="en-US" sz="2800" dirty="0"/>
+              <a:t> </a:t>
+            </a:r>
+            <a:r>
+              <a:rPr lang="en-US" sz="2800" dirty="0" smtClean="0"/>
+              <a:t> on all schools page and then go to  all users page.</a:t>
+            </a:r>
+          </a:p>
+          <a:p>
+            <a:r>
+              <a:rPr lang="en-US" sz="2800" dirty="0" smtClean="0"/>
+              <a:t>All teachers/students will list here. </a:t>
+            </a:r>
+          </a:p>
+          <a:p>
+            <a:r>
+              <a:rPr lang="en-US" sz="2800" dirty="0" smtClean="0"/>
+              <a:t>Click the filter on top right corn to filer teachers/students.</a:t>
+            </a:r>
+          </a:p>
+          <a:p>
+            <a:r>
+              <a:rPr lang="en-US" sz="2800" dirty="0"/>
+              <a:t> </a:t>
+            </a:r>
+            <a:r>
+              <a:rPr lang="en-US" sz="2800" dirty="0" smtClean="0"/>
+              <a:t>teachers/students will be displayed with paginations.</a:t>
+            </a:r>
+            <a:endParaRPr lang="en-US" sz="2800" dirty="0"/>
+          </a:p>
+        </p:txBody>
+      </p:sp>
+      <p:sp>
+        <p:nvSpPr>
+          <p:cNvPr id="3" name="Title 2"/>
+          <p:cNvSpPr>
+            <a:spLocks noGrp="1"/>
+          </p:cNvSpPr>
+          <p:nvPr>
+            <p:ph type="title"/>
+          </p:nvPr>
+        </p:nvSpPr>
+        <p:spPr/>
+        <p:txBody>
+          <a:bodyPr/>
+          <a:lstStyle/>
+          <a:p>
+            <a:r>
+              <a:rPr lang="en-US" dirty="0"/>
+              <a:t>ALL </a:t>
+            </a:r>
+            <a:r>
+              <a:rPr lang="en-US" dirty="0" smtClean="0"/>
+              <a:t>SCHOOLS – Teachers/Students</a:t>
+            </a:r>
+            <a:endParaRPr lang="en-US" dirty="0"/>
+          </a:p>
+        </p:txBody>
+      </p:sp>
+      <p:pic>
+        <p:nvPicPr>
+          <p:cNvPr id="4" name="Picture 3"/>
+          <p:cNvPicPr>
+            <a:picLocks noChangeAspect="1"/>
+          </p:cNvPicPr>
+          <p:nvPr/>
+        </p:nvPicPr>
+        <p:blipFill>
+          <a:blip r:embed="rId3"/>
+          <a:stretch>
+            <a:fillRect/>
+          </a:stretch>
+        </p:blipFill>
+        <p:spPr>
+          <a:xfrm>
+            <a:off x="579437" y="3268663"/>
+            <a:ext cx="6705600" cy="3389832"/>
+          </a:xfrm>
+          <a:prstGeom prst="rect">
+            <a:avLst/>
+          </a:prstGeom>
+        </p:spPr>
+      </p:pic>
+    </p:spTree>
+    <p:extLst>
+      <p:ext uri="{BB962C8B-B14F-4D97-AF65-F5344CB8AC3E}">
+        <p14:creationId xmlns:p14="http://schemas.microsoft.com/office/powerpoint/2010/main" val="3773680944"/>
+      </p:ext>
+    </p:extLst>
+  </p:cSld>
+  <p:clrMapOvr>
+    <a:masterClrMapping/>
+  </p:clrMapOvr>
+  <mc:AlternateContent xmlns:mc="http://schemas.openxmlformats.org/markup-compatibility/2006" xmlns:p14="http://schemas.microsoft.com/office/powerpoint/2010/main">
+    <mc:Choice Requires="p14">
+      <p:transition spd="med" p14:dur="700">
+        <p:fade/>
+      </p:transition>
+    </mc:Choice>
+    <mc:Fallback xmlns="">
+      <p:transition spd="med">
+        <p:fade/>
+      </p:transition>
+    </mc:Fallback>
+  </mc:AlternateContent>
+</p:sld>
+</file>
+
+<file path=ppt/slides/slide41.xml><?xml version="1.0" encoding="utf-8"?>
+<p:sld xmlns:a="http://schemas.openxmlformats.org/drawingml/2006/main" xmlns:r="http://schemas.openxmlformats.org/officeDocument/2006/relationships" xmlns:p="http://schemas.openxmlformats.org/presentationml/2006/main">
+  <p:cSld>
+    <p:bg>
+      <p:bgPr>
+        <a:solidFill>
+          <a:schemeClr val="bg2"/>
+        </a:solidFill>
+        <a:effectLst/>
+      </p:bgPr>
+    </p:bg>
+    <p:spTree>
+      <p:nvGrpSpPr>
+        <p:cNvPr id="1" name=""/>
+        <p:cNvGrpSpPr/>
+        <p:nvPr/>
+      </p:nvGrpSpPr>
+      <p:grpSpPr>
+        <a:xfrm>
+          <a:off x="0" y="0"/>
+          <a:ext cx="0" cy="0"/>
+          <a:chOff x="0" y="0"/>
+          <a:chExt cx="0" cy="0"/>
+        </a:xfrm>
+      </p:grpSpPr>
+      <p:sp>
+        <p:nvSpPr>
+          <p:cNvPr id="4" name="Title 3"/>
+          <p:cNvSpPr>
+            <a:spLocks noGrp="1"/>
+          </p:cNvSpPr>
+          <p:nvPr>
+            <p:ph type="title"/>
+          </p:nvPr>
+        </p:nvSpPr>
+        <p:spPr/>
+        <p:txBody>
+          <a:bodyPr/>
+          <a:lstStyle/>
+          <a:p>
+            <a:r>
+              <a:rPr lang="en-US" dirty="0" smtClean="0"/>
+              <a:t>Demo Helper</a:t>
+            </a:r>
+            <a:endParaRPr lang="en-US" dirty="0"/>
+          </a:p>
+        </p:txBody>
+      </p:sp>
+    </p:spTree>
+    <p:extLst>
+      <p:ext uri="{BB962C8B-B14F-4D97-AF65-F5344CB8AC3E}">
+        <p14:creationId xmlns:p14="http://schemas.microsoft.com/office/powerpoint/2010/main" val="1241709855"/>
+      </p:ext>
+    </p:extLst>
+  </p:cSld>
+  <p:clrMapOvr>
+    <a:masterClrMapping/>
+  </p:clrMapOvr>
+  <mc:AlternateContent xmlns:mc="http://schemas.openxmlformats.org/markup-compatibility/2006" xmlns:p14="http://schemas.microsoft.com/office/powerpoint/2010/main">
+    <mc:Choice Requires="p14">
+      <p:transition spd="med" p14:dur="700">
+        <p:fade/>
+      </p:transition>
+    </mc:Choice>
+    <mc:Fallback xmlns="">
+      <p:transition spd="med">
+        <p:fade/>
+      </p:transition>
+    </mc:Fallback>
+  </mc:AlternateContent>
+</p:sld>
+</file>
+
+<file path=ppt/slides/slide42.xml><?xml version="1.0" encoding="utf-8"?>
+<p:sld xmlns:a="http://schemas.openxmlformats.org/drawingml/2006/main" xmlns:r="http://schemas.openxmlformats.org/officeDocument/2006/relationships" xmlns:p="http://schemas.openxmlformats.org/presentationml/2006/main">
+  <p:cSld>
+    <p:spTree>
+      <p:nvGrpSpPr>
+        <p:cNvPr id="1" name=""/>
+        <p:cNvGrpSpPr/>
+        <p:nvPr/>
+      </p:nvGrpSpPr>
+      <p:grpSpPr>
+        <a:xfrm>
+          <a:off x="0" y="0"/>
+          <a:ext cx="0" cy="0"/>
+          <a:chOff x="0" y="0"/>
+          <a:chExt cx="0" cy="0"/>
+        </a:xfrm>
+      </p:grpSpPr>
+      <p:sp>
+        <p:nvSpPr>
+          <p:cNvPr id="2" name="Text Placeholder 1"/>
+          <p:cNvSpPr>
+            <a:spLocks noGrp="1"/>
+          </p:cNvSpPr>
+          <p:nvPr>
+            <p:ph type="body" sz="quarter" idx="15"/>
+          </p:nvPr>
+        </p:nvSpPr>
+        <p:spPr>
+          <a:xfrm>
+            <a:off x="4819906" y="2735262"/>
+            <a:ext cx="7315203" cy="914400"/>
+          </a:xfrm>
+        </p:spPr>
+        <p:txBody>
+          <a:bodyPr/>
+          <a:lstStyle/>
+          <a:p>
+            <a:pPr marL="571500" indent="-571500">
+              <a:buFont typeface="Arial" panose="020B0604020202020204" pitchFamily="34" charset="0"/>
+              <a:buChar char="•"/>
+            </a:pPr>
+            <a:r>
+              <a:rPr lang="en-US" dirty="0" smtClean="0"/>
+              <a:t>Click </a:t>
+            </a:r>
+            <a:r>
+              <a:rPr lang="en-US" b="1" dirty="0" smtClean="0"/>
+              <a:t>Demo Helper </a:t>
+            </a:r>
+            <a:r>
+              <a:rPr lang="en-US" dirty="0" smtClean="0"/>
+              <a:t>on top right corner to open helper.</a:t>
+            </a:r>
+          </a:p>
+          <a:p>
+            <a:pPr marL="571500" indent="-571500">
+              <a:buFont typeface="Arial" panose="020B0604020202020204" pitchFamily="34" charset="0"/>
+              <a:buChar char="•"/>
+            </a:pPr>
+            <a:r>
+              <a:rPr lang="en-US" dirty="0" smtClean="0"/>
+              <a:t>It will show information like Controller, View, Services, </a:t>
+            </a:r>
+            <a:r>
+              <a:rPr lang="en-US" dirty="0" err="1" smtClean="0"/>
+              <a:t>ViewModel</a:t>
+            </a:r>
+            <a:r>
+              <a:rPr lang="en-US" dirty="0" smtClean="0"/>
+              <a:t> of current page.</a:t>
+            </a:r>
+          </a:p>
+          <a:p>
+            <a:pPr marL="571500" indent="-571500">
+              <a:buFont typeface="Arial" panose="020B0604020202020204" pitchFamily="34" charset="0"/>
+              <a:buChar char="•"/>
+            </a:pPr>
+            <a:r>
+              <a:rPr lang="en-US" dirty="0" smtClean="0"/>
+              <a:t>Click </a:t>
+            </a:r>
+            <a:r>
+              <a:rPr lang="en-US" b="1" dirty="0" smtClean="0"/>
+              <a:t>X</a:t>
+            </a:r>
+            <a:r>
+              <a:rPr lang="en-US" dirty="0" smtClean="0"/>
+              <a:t> to hide helper.</a:t>
+            </a:r>
+            <a:endParaRPr lang="en-US" dirty="0"/>
+          </a:p>
+        </p:txBody>
+      </p:sp>
+      <p:sp>
+        <p:nvSpPr>
+          <p:cNvPr id="3" name="Title 2"/>
+          <p:cNvSpPr>
+            <a:spLocks noGrp="1"/>
+          </p:cNvSpPr>
+          <p:nvPr>
+            <p:ph type="title"/>
+          </p:nvPr>
+        </p:nvSpPr>
+        <p:spPr/>
+        <p:txBody>
+          <a:bodyPr/>
+          <a:lstStyle/>
+          <a:p>
+            <a:r>
+              <a:rPr lang="en-US" dirty="0" smtClean="0"/>
+              <a:t>Demo Helper</a:t>
+            </a:r>
+            <a:endParaRPr lang="en-US" dirty="0"/>
+          </a:p>
+        </p:txBody>
+      </p:sp>
+      <p:pic>
+        <p:nvPicPr>
+          <p:cNvPr id="4" name="Picture 3"/>
+          <p:cNvPicPr>
+            <a:picLocks noChangeAspect="1"/>
+          </p:cNvPicPr>
+          <p:nvPr/>
+        </p:nvPicPr>
+        <p:blipFill>
+          <a:blip r:embed="rId3"/>
+          <a:stretch>
+            <a:fillRect/>
+          </a:stretch>
+        </p:blipFill>
+        <p:spPr>
+          <a:xfrm>
+            <a:off x="295276" y="1597167"/>
+            <a:ext cx="4094161" cy="2189048"/>
+          </a:xfrm>
+          <a:prstGeom prst="rect">
+            <a:avLst/>
+          </a:prstGeom>
+        </p:spPr>
+      </p:pic>
+      <p:pic>
+        <p:nvPicPr>
+          <p:cNvPr id="5" name="Picture 4"/>
+          <p:cNvPicPr>
+            <a:picLocks noChangeAspect="1"/>
+          </p:cNvPicPr>
+          <p:nvPr/>
+        </p:nvPicPr>
+        <p:blipFill>
+          <a:blip r:embed="rId4"/>
+          <a:stretch>
+            <a:fillRect/>
+          </a:stretch>
+        </p:blipFill>
+        <p:spPr>
+          <a:xfrm>
+            <a:off x="295276" y="4257675"/>
+            <a:ext cx="4094161" cy="1529807"/>
+          </a:xfrm>
+          <a:prstGeom prst="rect">
+            <a:avLst/>
+          </a:prstGeom>
+        </p:spPr>
+      </p:pic>
+    </p:spTree>
+    <p:extLst>
+      <p:ext uri="{BB962C8B-B14F-4D97-AF65-F5344CB8AC3E}">
+        <p14:creationId xmlns:p14="http://schemas.microsoft.com/office/powerpoint/2010/main" val="2877229451"/>
+      </p:ext>
+    </p:extLst>
+  </p:cSld>
+  <p:clrMapOvr>
+    <a:masterClrMapping/>
+  </p:clrMapOvr>
+  <mc:AlternateContent xmlns:mc="http://schemas.openxmlformats.org/markup-compatibility/2006" xmlns:p14="http://schemas.microsoft.com/office/powerpoint/2010/main">
+    <mc:Choice Requires="p14">
+      <p:transition spd="med" p14:dur="700">
+        <p:fade/>
+      </p:transition>
+    </mc:Choice>
+    <mc:Fallback xmlns="">
+      <p:transition spd="med">
+        <p:fade/>
+      </p:transition>
+    </mc:Fallback>
+  </mc:AlternateContent>
+</p:sld>
+</file>
+
+<file path=ppt/slides/slide43.xml><?xml version="1.0" encoding="utf-8"?>
 <p:sld xmlns:a="http://schemas.openxmlformats.org/drawingml/2006/main" xmlns:r="http://schemas.openxmlformats.org/officeDocument/2006/relationships" xmlns:p="http://schemas.openxmlformats.org/presentationml/2006/main">
   <p:cSld>
     <p:bg>
@@ -27207,7 +30245,7 @@
 </p:sld>
 </file>
 
-<file path=ppt/slides/slide36.xml><?xml version="1.0" encoding="utf-8"?>
+<file path=ppt/slides/slide44.xml><?xml version="1.0" encoding="utf-8"?>
 <p:sld xmlns:a="http://schemas.openxmlformats.org/drawingml/2006/main" xmlns:r="http://schemas.openxmlformats.org/officeDocument/2006/relationships" xmlns:p="http://schemas.openxmlformats.org/presentationml/2006/main">
   <p:cSld>
     <p:spTree>
@@ -27379,7 +30417,7 @@
 </p:sld>
 </file>
 
-<file path=ppt/slides/slide37.xml><?xml version="1.0" encoding="utf-8"?>
+<file path=ppt/slides/slide45.xml><?xml version="1.0" encoding="utf-8"?>
 <p:sld xmlns:a="http://schemas.openxmlformats.org/drawingml/2006/main" xmlns:r="http://schemas.openxmlformats.org/officeDocument/2006/relationships" xmlns:p="http://schemas.openxmlformats.org/presentationml/2006/main">
   <p:cSld>
     <p:spTree>
@@ -27536,7 +30574,7 @@
 </p:sld>
 </file>
 
-<file path=ppt/slides/slide38.xml><?xml version="1.0" encoding="utf-8"?>
+<file path=ppt/slides/slide46.xml><?xml version="1.0" encoding="utf-8"?>
 <p:sld xmlns:a="http://schemas.openxmlformats.org/drawingml/2006/main" xmlns:r="http://schemas.openxmlformats.org/officeDocument/2006/relationships" xmlns:p="http://schemas.openxmlformats.org/presentationml/2006/main">
   <p:cSld>
     <p:spTree>
@@ -27712,7 +30750,7 @@
 </p:sld>
 </file>
 
-<file path=ppt/slides/slide39.xml><?xml version="1.0" encoding="utf-8"?>
+<file path=ppt/slides/slide47.xml><?xml version="1.0" encoding="utf-8"?>
 <p:sld xmlns:a="http://schemas.openxmlformats.org/drawingml/2006/main" xmlns:r="http://schemas.openxmlformats.org/officeDocument/2006/relationships" xmlns:p="http://schemas.openxmlformats.org/presentationml/2006/main">
   <p:cSld>
     <p:spTree>
@@ -27871,86 +30909,7 @@
 </p:sld>
 </file>
 
-<file path=ppt/slides/slide4.xml><?xml version="1.0" encoding="utf-8"?>
-<p:sld xmlns:a="http://schemas.openxmlformats.org/drawingml/2006/main" xmlns:r="http://schemas.openxmlformats.org/officeDocument/2006/relationships" xmlns:p="http://schemas.openxmlformats.org/presentationml/2006/main">
-  <p:cSld>
-    <p:spTree>
-      <p:nvGrpSpPr>
-        <p:cNvPr id="1" name=""/>
-        <p:cNvGrpSpPr/>
-        <p:nvPr/>
-      </p:nvGrpSpPr>
-      <p:grpSpPr>
-        <a:xfrm>
-          <a:off x="0" y="0"/>
-          <a:ext cx="0" cy="0"/>
-          <a:chOff x="0" y="0"/>
-          <a:chExt cx="0" cy="0"/>
-        </a:xfrm>
-      </p:grpSpPr>
-      <p:sp>
-        <p:nvSpPr>
-          <p:cNvPr id="3" name="Title 2"/>
-          <p:cNvSpPr>
-            <a:spLocks noGrp="1"/>
-          </p:cNvSpPr>
-          <p:nvPr>
-            <p:ph type="title"/>
-          </p:nvPr>
-        </p:nvSpPr>
-        <p:spPr/>
-        <p:txBody>
-          <a:bodyPr/>
-          <a:lstStyle/>
-          <a:p>
-            <a:r>
-              <a:rPr lang="en-US" dirty="0"/>
-              <a:t>Admin Account Login Authentication Flow</a:t>
-            </a:r>
-          </a:p>
-        </p:txBody>
-      </p:sp>
-      <p:pic>
-        <p:nvPicPr>
-          <p:cNvPr id="4" name="Picture 3"/>
-          <p:cNvPicPr>
-            <a:picLocks noChangeAspect="1"/>
-          </p:cNvPicPr>
-          <p:nvPr/>
-        </p:nvPicPr>
-        <p:blipFill>
-          <a:blip r:embed="rId2"/>
-          <a:stretch>
-            <a:fillRect/>
-          </a:stretch>
-        </p:blipFill>
-        <p:spPr>
-          <a:xfrm>
-            <a:off x="427037" y="1363662"/>
-            <a:ext cx="11620767" cy="4419600"/>
-          </a:xfrm>
-          <a:prstGeom prst="rect">
-            <a:avLst/>
-          </a:prstGeom>
-        </p:spPr>
-      </p:pic>
-    </p:spTree>
-    <p:extLst>
-      <p:ext uri="{BB962C8B-B14F-4D97-AF65-F5344CB8AC3E}">
-        <p14:creationId xmlns:p14="http://schemas.microsoft.com/office/powerpoint/2010/main" val="3169000962"/>
-      </p:ext>
-    </p:extLst>
-  </p:cSld>
-  <p:clrMapOvr>
-    <a:masterClrMapping/>
-  </p:clrMapOvr>
-  <p:transition>
-    <p:fade/>
-  </p:transition>
-</p:sld>
-</file>
-
-<file path=ppt/slides/slide40.xml><?xml version="1.0" encoding="utf-8"?>
+<file path=ppt/slides/slide48.xml><?xml version="1.0" encoding="utf-8"?>
 <p:sld xmlns:a="http://schemas.openxmlformats.org/drawingml/2006/main" xmlns:r="http://schemas.openxmlformats.org/officeDocument/2006/relationships" xmlns:p="http://schemas.openxmlformats.org/presentationml/2006/main">
   <p:cSld>
     <p:spTree>
@@ -28084,7 +31043,7 @@
 </p:sld>
 </file>
 
-<file path=ppt/slides/slide41.xml><?xml version="1.0" encoding="utf-8"?>
+<file path=ppt/slides/slide49.xml><?xml version="1.0" encoding="utf-8"?>
 <p:sld xmlns:a="http://schemas.openxmlformats.org/drawingml/2006/main" xmlns:r="http://schemas.openxmlformats.org/officeDocument/2006/relationships" xmlns:p="http://schemas.openxmlformats.org/presentationml/2006/main">
   <p:cSld>
     <p:spTree>
@@ -28135,8 +31094,8 @@
         </p:nvSpPr>
         <p:spPr>
           <a:xfrm>
-            <a:off x="274640" y="1820862"/>
-            <a:ext cx="6248398" cy="3754874"/>
+            <a:off x="274640" y="1820863"/>
+            <a:ext cx="6248398" cy="3581399"/>
           </a:xfrm>
           <a:prstGeom prst="rect">
             <a:avLst/>
@@ -28148,13 +31107,21 @@
           <a:p>
             <a:r>
               <a:rPr lang="en-US" dirty="0"/>
-              <a:t>Click a user and open the edit page.</a:t>
-            </a:r>
-          </a:p>
-          <a:p>
+              <a:t>Click a user and open the edit page</a:t>
+            </a:r>
+            <a:r>
+              <a:rPr lang="en-US" dirty="0" smtClean="0"/>
+              <a:t>.</a:t>
+            </a:r>
+          </a:p>
+          <a:p>
+            <a:r>
+              <a:rPr lang="en-US" dirty="0" smtClean="0"/>
+              <a:t>Update </a:t>
+            </a:r>
             <a:r>
               <a:rPr lang="en-US" dirty="0"/>
-              <a:t>Update user information like </a:t>
+              <a:t>user information like </a:t>
             </a:r>
             <a:r>
               <a:rPr lang="en-US" b="1" dirty="0"/>
@@ -28176,8 +31143,18 @@
           <a:p>
             <a:r>
               <a:rPr lang="en-US" dirty="0"/>
-              <a:t>Save the changes.</a:t>
-            </a:r>
+              <a:t>Save the changes</a:t>
+            </a:r>
+            <a:r>
+              <a:rPr lang="en-US" dirty="0" smtClean="0"/>
+              <a:t>.</a:t>
+            </a:r>
+          </a:p>
+          <a:p>
+            <a:pPr marL="0" indent="0">
+              <a:buNone/>
+            </a:pPr>
+            <a:endParaRPr lang="en-US" dirty="0"/>
           </a:p>
         </p:txBody>
       </p:sp>
@@ -28205,6 +31182,105 @@
           </a:prstGeom>
         </p:spPr>
       </p:pic>
+      <p:sp>
+        <p:nvSpPr>
+          <p:cNvPr id="2" name="TextBox 1"/>
+          <p:cNvSpPr txBox="1"/>
+          <p:nvPr/>
+        </p:nvSpPr>
+        <p:spPr>
+          <a:xfrm>
+            <a:off x="427037" y="5571896"/>
+            <a:ext cx="11506200" cy="1855893"/>
+          </a:xfrm>
+          <a:prstGeom prst="rect">
+            <a:avLst/>
+          </a:prstGeom>
+          <a:noFill/>
+        </p:spPr>
+        <p:txBody>
+          <a:bodyPr wrap="square" lIns="182880" tIns="146304" rIns="182880" bIns="146304" rtlCol="0">
+            <a:spAutoFit/>
+          </a:bodyPr>
+          <a:lstStyle/>
+          <a:p>
+            <a:pPr>
+              <a:lnSpc>
+                <a:spcPct val="90000"/>
+              </a:lnSpc>
+              <a:spcAft>
+                <a:spcPts val="600"/>
+              </a:spcAft>
+            </a:pPr>
+            <a:r>
+              <a:rPr lang="en-US" sz="2400" b="1" dirty="0"/>
+              <a:t>Notice: </a:t>
+            </a:r>
+            <a:endParaRPr lang="en-US" sz="2400" b="1" dirty="0" smtClean="0"/>
+          </a:p>
+          <a:p>
+            <a:pPr marL="457200" indent="-457200">
+              <a:lnSpc>
+                <a:spcPct val="90000"/>
+              </a:lnSpc>
+              <a:spcAft>
+                <a:spcPts val="600"/>
+              </a:spcAft>
+              <a:buAutoNum type="arabicPeriod"/>
+            </a:pPr>
+            <a:r>
+              <a:rPr lang="en-US" sz="2400" b="1" dirty="0" smtClean="0"/>
+              <a:t>An O365 user can only be synced after linked with a local account.</a:t>
+            </a:r>
+          </a:p>
+          <a:p>
+            <a:pPr marL="457200" indent="-457200">
+              <a:lnSpc>
+                <a:spcPct val="90000"/>
+              </a:lnSpc>
+              <a:spcAft>
+                <a:spcPts val="600"/>
+              </a:spcAft>
+              <a:buAutoNum type="arabicPeriod"/>
+            </a:pPr>
+            <a:r>
+              <a:rPr lang="en-US" sz="2400" b="1" dirty="0" smtClean="0"/>
+              <a:t>Only properties of Department, </a:t>
+            </a:r>
+            <a:r>
+              <a:rPr lang="en-US" sz="2400" b="1" dirty="0" err="1" smtClean="0"/>
+              <a:t>JobTitle</a:t>
+            </a:r>
+            <a:r>
+              <a:rPr lang="en-US" sz="2400" b="1" dirty="0" smtClean="0"/>
+              <a:t> and Mobile can be synced.</a:t>
+            </a:r>
+          </a:p>
+          <a:p>
+            <a:pPr>
+              <a:lnSpc>
+                <a:spcPct val="90000"/>
+              </a:lnSpc>
+              <a:spcAft>
+                <a:spcPts val="600"/>
+              </a:spcAft>
+            </a:pPr>
+            <a:endParaRPr lang="en-US" sz="2400" dirty="0" err="1" smtClean="0">
+              <a:gradFill>
+                <a:gsLst>
+                  <a:gs pos="2917">
+                    <a:schemeClr val="tx1"/>
+                  </a:gs>
+                  <a:gs pos="30000">
+                    <a:schemeClr val="tx1"/>
+                  </a:gs>
+                </a:gsLst>
+                <a:lin ang="5400000" scaled="0"/>
+              </a:gradFill>
+            </a:endParaRPr>
+          </a:p>
+        </p:txBody>
+      </p:sp>
     </p:spTree>
     <p:extLst>
       <p:ext uri="{BB962C8B-B14F-4D97-AF65-F5344CB8AC3E}">
@@ -28230,7 +31306,145 @@
 </p:sld>
 </file>
 
-<file path=ppt/slides/slide42.xml><?xml version="1.0" encoding="utf-8"?>
+<file path=ppt/slides/slide5.xml><?xml version="1.0" encoding="utf-8"?>
+<p:sld xmlns:a="http://schemas.openxmlformats.org/drawingml/2006/main" xmlns:r="http://schemas.openxmlformats.org/officeDocument/2006/relationships" xmlns:p="http://schemas.openxmlformats.org/presentationml/2006/main">
+  <p:cSld>
+    <p:spTree>
+      <p:nvGrpSpPr>
+        <p:cNvPr id="1" name=""/>
+        <p:cNvGrpSpPr/>
+        <p:nvPr/>
+      </p:nvGrpSpPr>
+      <p:grpSpPr>
+        <a:xfrm>
+          <a:off x="0" y="0"/>
+          <a:ext cx="0" cy="0"/>
+          <a:chOff x="0" y="0"/>
+          <a:chExt cx="0" cy="0"/>
+        </a:xfrm>
+      </p:grpSpPr>
+      <p:sp>
+        <p:nvSpPr>
+          <p:cNvPr id="3" name="Title 2"/>
+          <p:cNvSpPr>
+            <a:spLocks noGrp="1"/>
+          </p:cNvSpPr>
+          <p:nvPr>
+            <p:ph type="title"/>
+          </p:nvPr>
+        </p:nvSpPr>
+        <p:spPr/>
+        <p:txBody>
+          <a:bodyPr/>
+          <a:lstStyle/>
+          <a:p>
+            <a:r>
+              <a:rPr lang="en-US" dirty="0"/>
+              <a:t>Admin Login with an Office 365 Account</a:t>
+            </a:r>
+          </a:p>
+        </p:txBody>
+      </p:sp>
+      <p:sp>
+        <p:nvSpPr>
+          <p:cNvPr id="8" name="Text Placeholder 1"/>
+          <p:cNvSpPr>
+            <a:spLocks noGrp="1"/>
+          </p:cNvSpPr>
+          <p:nvPr>
+            <p:ph type="body" sz="quarter" idx="4294967295"/>
+          </p:nvPr>
+        </p:nvSpPr>
+        <p:spPr>
+          <a:xfrm>
+            <a:off x="274640" y="1820862"/>
+            <a:ext cx="6248398" cy="3200876"/>
+          </a:xfrm>
+          <a:prstGeom prst="rect">
+            <a:avLst/>
+          </a:prstGeom>
+        </p:spPr>
+        <p:txBody>
+          <a:bodyPr/>
+          <a:lstStyle/>
+          <a:p>
+            <a:r>
+              <a:rPr lang="en-US" dirty="0"/>
+              <a:t>Go to the site login page. </a:t>
+            </a:r>
+          </a:p>
+          <a:p>
+            <a:r>
+              <a:rPr lang="en-US" dirty="0"/>
+              <a:t>Click the </a:t>
+            </a:r>
+            <a:r>
+              <a:rPr lang="en-US" b="1" dirty="0"/>
+              <a:t>Sign in with Office 365</a:t>
+            </a:r>
+            <a:r>
+              <a:rPr lang="en-US" dirty="0"/>
+              <a:t> button.</a:t>
+            </a:r>
+          </a:p>
+          <a:p>
+            <a:r>
+              <a:rPr lang="en-US" dirty="0"/>
+              <a:t>Login with the Admin account.</a:t>
+            </a:r>
+          </a:p>
+        </p:txBody>
+      </p:sp>
+      <p:pic>
+        <p:nvPicPr>
+          <p:cNvPr id="12" name="Picture 11"/>
+          <p:cNvPicPr>
+            <a:picLocks noChangeAspect="1"/>
+          </p:cNvPicPr>
+          <p:nvPr/>
+        </p:nvPicPr>
+        <p:blipFill>
+          <a:blip r:embed="rId3"/>
+          <a:stretch>
+            <a:fillRect/>
+          </a:stretch>
+        </p:blipFill>
+        <p:spPr>
+          <a:xfrm>
+            <a:off x="6523037" y="2030412"/>
+            <a:ext cx="5318811" cy="1847850"/>
+          </a:xfrm>
+          <a:prstGeom prst="rect">
+            <a:avLst/>
+          </a:prstGeom>
+        </p:spPr>
+      </p:pic>
+    </p:spTree>
+    <p:extLst>
+      <p:ext uri="{BB962C8B-B14F-4D97-AF65-F5344CB8AC3E}">
+        <p14:creationId xmlns:p14="http://schemas.microsoft.com/office/powerpoint/2010/main" val="2203498496"/>
+      </p:ext>
+    </p:extLst>
+  </p:cSld>
+  <p:clrMapOvr>
+    <a:masterClrMapping/>
+  </p:clrMapOvr>
+  <mc:AlternateContent xmlns:mc="http://schemas.openxmlformats.org/markup-compatibility/2006" xmlns:p14="http://schemas.microsoft.com/office/powerpoint/2010/main">
+    <mc:Choice Requires="p14">
+      <p:transition spd="med" p14:dur="700">
+        <p:fade/>
+      </p:transition>
+    </mc:Choice>
+    <mc:Fallback xmlns="">
+      <p:transition spd="med">
+        <p:fade/>
+      </p:transition>
+    </mc:Fallback>
+  </mc:AlternateContent>
+</p:sld>
+</file>
+
+<file path=ppt/slides/slide50.xml><?xml version="1.0" encoding="utf-8"?>
 <p:sld xmlns:a="http://schemas.openxmlformats.org/drawingml/2006/main" xmlns:r="http://schemas.openxmlformats.org/officeDocument/2006/relationships" xmlns:p="http://schemas.openxmlformats.org/presentationml/2006/main">
   <p:cSld>
     <p:spTree>
@@ -28412,144 +31626,6 @@
 </p:sld>
 </file>
 
-<file path=ppt/slides/slide5.xml><?xml version="1.0" encoding="utf-8"?>
-<p:sld xmlns:a="http://schemas.openxmlformats.org/drawingml/2006/main" xmlns:r="http://schemas.openxmlformats.org/officeDocument/2006/relationships" xmlns:p="http://schemas.openxmlformats.org/presentationml/2006/main">
-  <p:cSld>
-    <p:spTree>
-      <p:nvGrpSpPr>
-        <p:cNvPr id="1" name=""/>
-        <p:cNvGrpSpPr/>
-        <p:nvPr/>
-      </p:nvGrpSpPr>
-      <p:grpSpPr>
-        <a:xfrm>
-          <a:off x="0" y="0"/>
-          <a:ext cx="0" cy="0"/>
-          <a:chOff x="0" y="0"/>
-          <a:chExt cx="0" cy="0"/>
-        </a:xfrm>
-      </p:grpSpPr>
-      <p:sp>
-        <p:nvSpPr>
-          <p:cNvPr id="3" name="Title 2"/>
-          <p:cNvSpPr>
-            <a:spLocks noGrp="1"/>
-          </p:cNvSpPr>
-          <p:nvPr>
-            <p:ph type="title"/>
-          </p:nvPr>
-        </p:nvSpPr>
-        <p:spPr/>
-        <p:txBody>
-          <a:bodyPr/>
-          <a:lstStyle/>
-          <a:p>
-            <a:r>
-              <a:rPr lang="en-US" dirty="0"/>
-              <a:t>Admin Login with an Office 365 Account</a:t>
-            </a:r>
-          </a:p>
-        </p:txBody>
-      </p:sp>
-      <p:sp>
-        <p:nvSpPr>
-          <p:cNvPr id="8" name="Text Placeholder 1"/>
-          <p:cNvSpPr>
-            <a:spLocks noGrp="1"/>
-          </p:cNvSpPr>
-          <p:nvPr>
-            <p:ph type="body" sz="quarter" idx="4294967295"/>
-          </p:nvPr>
-        </p:nvSpPr>
-        <p:spPr>
-          <a:xfrm>
-            <a:off x="274640" y="1820862"/>
-            <a:ext cx="6248398" cy="3200876"/>
-          </a:xfrm>
-          <a:prstGeom prst="rect">
-            <a:avLst/>
-          </a:prstGeom>
-        </p:spPr>
-        <p:txBody>
-          <a:bodyPr/>
-          <a:lstStyle/>
-          <a:p>
-            <a:r>
-              <a:rPr lang="en-US" dirty="0"/>
-              <a:t>Go to the site login page. </a:t>
-            </a:r>
-          </a:p>
-          <a:p>
-            <a:r>
-              <a:rPr lang="en-US" dirty="0"/>
-              <a:t>Click the </a:t>
-            </a:r>
-            <a:r>
-              <a:rPr lang="en-US" b="1" dirty="0"/>
-              <a:t>Sign in with Office 365</a:t>
-            </a:r>
-            <a:r>
-              <a:rPr lang="en-US" dirty="0"/>
-              <a:t> button.</a:t>
-            </a:r>
-          </a:p>
-          <a:p>
-            <a:r>
-              <a:rPr lang="en-US" dirty="0"/>
-              <a:t>Login with the Admin account.</a:t>
-            </a:r>
-          </a:p>
-        </p:txBody>
-      </p:sp>
-      <p:pic>
-        <p:nvPicPr>
-          <p:cNvPr id="12" name="Picture 11"/>
-          <p:cNvPicPr>
-            <a:picLocks noChangeAspect="1"/>
-          </p:cNvPicPr>
-          <p:nvPr/>
-        </p:nvPicPr>
-        <p:blipFill>
-          <a:blip r:embed="rId3"/>
-          <a:stretch>
-            <a:fillRect/>
-          </a:stretch>
-        </p:blipFill>
-        <p:spPr>
-          <a:xfrm>
-            <a:off x="6523037" y="2030412"/>
-            <a:ext cx="5318811" cy="1847850"/>
-          </a:xfrm>
-          <a:prstGeom prst="rect">
-            <a:avLst/>
-          </a:prstGeom>
-        </p:spPr>
-      </p:pic>
-    </p:spTree>
-    <p:extLst>
-      <p:ext uri="{BB962C8B-B14F-4D97-AF65-F5344CB8AC3E}">
-        <p14:creationId xmlns:p14="http://schemas.microsoft.com/office/powerpoint/2010/main" val="2203498496"/>
-      </p:ext>
-    </p:extLst>
-  </p:cSld>
-  <p:clrMapOvr>
-    <a:masterClrMapping/>
-  </p:clrMapOvr>
-  <mc:AlternateContent xmlns:mc="http://schemas.openxmlformats.org/markup-compatibility/2006" xmlns:p14="http://schemas.microsoft.com/office/powerpoint/2010/main">
-    <mc:Choice Requires="p14">
-      <p:transition spd="med" p14:dur="700">
-        <p:fade/>
-      </p:transition>
-    </mc:Choice>
-    <mc:Fallback xmlns="">
-      <p:transition spd="med">
-        <p:fade/>
-      </p:transition>
-    </mc:Fallback>
-  </mc:AlternateContent>
-</p:sld>
-</file>
-
 <file path=ppt/slides/slide6.xml><?xml version="1.0" encoding="utf-8"?>
 <p:sld xmlns:a="http://schemas.openxmlformats.org/drawingml/2006/main" xmlns:r="http://schemas.openxmlformats.org/officeDocument/2006/relationships" xmlns:p="http://schemas.openxmlformats.org/presentationml/2006/main">
   <p:cSld>
@@ -28598,20 +31674,44 @@
           <a:p>
             <a:pPr marL="527050" lvl="1" indent="-285750"/>
             <a:r>
-              <a:rPr lang="en-US" sz="2800" dirty="0">
+              <a:rPr lang="en-US" sz="2800" dirty="0" smtClean="0">
                 <a:latin typeface="+mj-lt"/>
               </a:rPr>
-              <a:t>Yes, go to the link account page.</a:t>
+              <a:t>Admin can link use an existing local account.</a:t>
             </a:r>
           </a:p>
           <a:p>
             <a:pPr marL="527050" lvl="1" indent="-285750"/>
             <a:r>
-              <a:rPr lang="en-US" sz="2800" dirty="0">
+              <a:rPr lang="en-US" sz="2800" dirty="0" smtClean="0">
                 <a:latin typeface="+mj-lt"/>
               </a:rPr>
-              <a:t>No, go to the schools page.</a:t>
-            </a:r>
+              <a:t>Admin can create a local account and then link.</a:t>
+            </a:r>
+          </a:p>
+          <a:p>
+            <a:pPr marL="527050" lvl="1" indent="-285750"/>
+            <a:r>
+              <a:rPr lang="en-US" sz="2800" dirty="0" smtClean="0">
+                <a:latin typeface="+mj-lt"/>
+              </a:rPr>
+              <a:t>Click </a:t>
+            </a:r>
+            <a:r>
+              <a:rPr lang="en-US" sz="2800" b="1" dirty="0" smtClean="0">
+                <a:latin typeface="+mj-lt"/>
+              </a:rPr>
+              <a:t>Cancel</a:t>
+            </a:r>
+            <a:r>
+              <a:rPr lang="en-US" sz="2800" dirty="0" smtClean="0">
+                <a:latin typeface="+mj-lt"/>
+              </a:rPr>
+              <a:t> button will show a message to tell user that O365 account and local account must be linked..</a:t>
+            </a:r>
+            <a:endParaRPr lang="en-US" sz="2800" dirty="0">
+              <a:latin typeface="+mj-lt"/>
+            </a:endParaRPr>
           </a:p>
         </p:txBody>
       </p:sp>
@@ -28639,7 +31739,7 @@
       </p:sp>
       <p:pic>
         <p:nvPicPr>
-          <p:cNvPr id="5" name="Picture 4"/>
+          <p:cNvPr id="4" name="Picture 3"/>
           <p:cNvPicPr>
             <a:picLocks noChangeAspect="1"/>
           </p:cNvPicPr>
@@ -28653,8 +31753,8 @@
         </p:blipFill>
         <p:spPr>
           <a:xfrm>
-            <a:off x="274956" y="3407410"/>
-            <a:ext cx="6065855" cy="2047874"/>
+            <a:off x="503237" y="4106862"/>
+            <a:ext cx="7866667" cy="1657143"/>
           </a:xfrm>
           <a:prstGeom prst="rect">
             <a:avLst/>
@@ -28710,37 +31810,31 @@
             <a:spLocks noGrp="1"/>
           </p:cNvSpPr>
           <p:nvPr>
-            <p:ph type="body" sz="quarter" idx="15"/>
+            <p:ph type="body" sz="quarter" idx="10"/>
           </p:nvPr>
         </p:nvSpPr>
         <p:spPr>
           <a:xfrm>
-            <a:off x="4849000" y="2659062"/>
-            <a:ext cx="7315203" cy="914400"/>
+            <a:off x="274639" y="1578611"/>
+            <a:ext cx="8778210" cy="1828799"/>
           </a:xfrm>
         </p:spPr>
         <p:txBody>
           <a:bodyPr/>
           <a:lstStyle/>
           <a:p>
-            <a:pPr marL="571500" indent="-571500">
-              <a:buFont typeface="Arial" panose="020B0604020202020204" pitchFamily="34" charset="0"/>
-              <a:buChar char="•"/>
+            <a:pPr marL="0" indent="0">
+              <a:buNone/>
             </a:pPr>
             <a:r>
-              <a:rPr lang="en-US" dirty="0"/>
-              <a:t>If you have a Local account, login and then link the account.</a:t>
-            </a:r>
-          </a:p>
-          <a:p>
-            <a:pPr marL="571500" indent="-571500">
-              <a:buFont typeface="Arial" panose="020B0604020202020204" pitchFamily="34" charset="0"/>
-              <a:buChar char="•"/>
-            </a:pPr>
-            <a:r>
-              <a:rPr lang="en-US" dirty="0"/>
-              <a:t>If you do not have a local account, create a local account and link it.</a:t>
-            </a:r>
+              <a:rPr lang="en-US" sz="2800" dirty="0" smtClean="0">
+                <a:latin typeface="+mj-lt"/>
+              </a:rPr>
+              <a:t>If a local account already exists with the same email as O365 email, Create Local Account will be disabled.</a:t>
+            </a:r>
+            <a:endParaRPr lang="en-US" sz="2800" dirty="0">
+              <a:latin typeface="+mj-lt"/>
+            </a:endParaRPr>
           </a:p>
         </p:txBody>
       </p:sp>
@@ -28760,15 +31854,16 @@
           <a:lstStyle/>
           <a:p>
             <a:r>
-              <a:rPr lang="en-US" dirty="0"/>
-              <a:t>Link the Admin Account to a Local Account</a:t>
-            </a:r>
+              <a:rPr lang="en-US" dirty="0" smtClean="0"/>
+              <a:t>If Account with Same Email Exists</a:t>
+            </a:r>
+            <a:endParaRPr lang="en-US" dirty="0"/>
           </a:p>
         </p:txBody>
       </p:sp>
       <p:pic>
         <p:nvPicPr>
-          <p:cNvPr id="16" name="Picture 15"/>
+          <p:cNvPr id="5" name="Picture 4"/>
           <p:cNvPicPr>
             <a:picLocks noChangeAspect="1"/>
           </p:cNvPicPr>
@@ -28782,8 +31877,8 @@
         </p:blipFill>
         <p:spPr>
           <a:xfrm>
-            <a:off x="503237" y="1973262"/>
-            <a:ext cx="4484990" cy="3200400"/>
+            <a:off x="427037" y="2825553"/>
+            <a:ext cx="9219048" cy="1895238"/>
           </a:xfrm>
           <a:prstGeom prst="rect">
             <a:avLst/>
@@ -28793,7 +31888,7 @@
     </p:spTree>
     <p:extLst>
       <p:ext uri="{BB962C8B-B14F-4D97-AF65-F5344CB8AC3E}">
-        <p14:creationId xmlns:p14="http://schemas.microsoft.com/office/powerpoint/2010/main" val="939181562"/>
+        <p14:creationId xmlns:p14="http://schemas.microsoft.com/office/powerpoint/2010/main" val="1863260617"/>
       </p:ext>
     </p:extLst>
   </p:cSld>
@@ -28834,66 +31929,99 @@
       </p:grpSpPr>
       <p:sp>
         <p:nvSpPr>
-          <p:cNvPr id="3" name="Title 2"/>
-          <p:cNvSpPr>
-            <a:spLocks noGrp="1"/>
-          </p:cNvSpPr>
-          <p:nvPr>
-            <p:ph type="title"/>
-          </p:nvPr>
-        </p:nvSpPr>
-        <p:spPr/>
-        <p:txBody>
-          <a:bodyPr/>
-          <a:lstStyle/>
-          <a:p>
-            <a:r>
-              <a:rPr lang="en-US" dirty="0"/>
-              <a:t>Sign Up Tenant</a:t>
-            </a:r>
-          </a:p>
-        </p:txBody>
-      </p:sp>
-      <p:sp>
-        <p:nvSpPr>
-          <p:cNvPr id="8" name="Text Placeholder 1"/>
-          <p:cNvSpPr>
-            <a:spLocks noGrp="1"/>
-          </p:cNvSpPr>
-          <p:nvPr>
-            <p:ph type="body" sz="quarter" idx="4294967295"/>
+          <p:cNvPr id="2" name="Text Placeholder 1"/>
+          <p:cNvSpPr>
+            <a:spLocks noGrp="1"/>
+          </p:cNvSpPr>
+          <p:nvPr>
+            <p:ph type="body" sz="quarter" idx="15"/>
           </p:nvPr>
         </p:nvSpPr>
         <p:spPr>
           <a:xfrm>
-            <a:off x="274640" y="1820862"/>
-            <a:ext cx="6248398" cy="3077766"/>
+            <a:off x="5075237" y="2812823"/>
+            <a:ext cx="7088966" cy="914400"/>
           </a:xfrm>
-          <a:prstGeom prst="rect">
-            <a:avLst/>
-          </a:prstGeom>
         </p:spPr>
         <p:txBody>
           <a:bodyPr/>
           <a:lstStyle/>
           <a:p>
+            <a:pPr marL="571500" indent="-571500">
+              <a:buFont typeface="Arial" panose="020B0604020202020204" pitchFamily="34" charset="0"/>
+              <a:buChar char="•"/>
+            </a:pPr>
             <a:r>
               <a:rPr lang="en-US" dirty="0"/>
-              <a:t>Click the </a:t>
-            </a:r>
-            <a:r>
-              <a:rPr lang="en-US" b="1" dirty="0"/>
-              <a:t>Sign Up</a:t>
+              <a:t>If you have a </a:t>
+            </a:r>
+            <a:r>
+              <a:rPr lang="en-US" dirty="0" smtClean="0"/>
+              <a:t>local </a:t>
             </a:r>
             <a:r>
               <a:rPr lang="en-US" dirty="0"/>
-              <a:t> button to sign up the tenant.</a:t>
-            </a:r>
-          </a:p>
+              <a:t>account, login and then link the </a:t>
+            </a:r>
+            <a:r>
+              <a:rPr lang="en-US" dirty="0" smtClean="0"/>
+              <a:t>local account with O365 account.</a:t>
+            </a:r>
+          </a:p>
+          <a:p>
+            <a:pPr marL="571500" indent="-571500">
+              <a:buFont typeface="Arial" panose="020B0604020202020204" pitchFamily="34" charset="0"/>
+              <a:buChar char="•"/>
+            </a:pPr>
+            <a:r>
+              <a:rPr lang="en-US" dirty="0" smtClean="0"/>
+              <a:t>After link succeed it will go to all schools page. </a:t>
+            </a:r>
+          </a:p>
+          <a:p>
+            <a:pPr marL="571500" indent="-571500">
+              <a:buFont typeface="Arial" panose="020B0604020202020204" pitchFamily="34" charset="0"/>
+              <a:buChar char="•"/>
+            </a:pPr>
+            <a:r>
+              <a:rPr lang="en-US" dirty="0" smtClean="0"/>
+              <a:t>Admin can also go to admin panel on top navigation.</a:t>
+            </a:r>
+            <a:endParaRPr lang="en-US" dirty="0"/>
+          </a:p>
+        </p:txBody>
+      </p:sp>
+      <p:sp>
+        <p:nvSpPr>
+          <p:cNvPr id="3" name="Title 2"/>
+          <p:cNvSpPr>
+            <a:spLocks noGrp="1"/>
+          </p:cNvSpPr>
+          <p:nvPr>
+            <p:ph type="title"/>
+          </p:nvPr>
+        </p:nvSpPr>
+        <p:spPr>
+          <a:xfrm>
+            <a:off x="46037" y="295274"/>
+            <a:ext cx="11889564" cy="917575"/>
+          </a:xfrm>
+        </p:spPr>
+        <p:txBody>
+          <a:bodyPr/>
+          <a:lstStyle/>
           <a:p>
             <a:r>
               <a:rPr lang="en-US" dirty="0"/>
-              <a:t>After the sign up is complete, go to Admin panel.</a:t>
+              <a:t>Link the Admin Account </a:t>
+            </a:r>
+            <a:r>
+              <a:rPr lang="en-US" dirty="0" smtClean="0"/>
+              <a:t>to Existing Local </a:t>
+            </a:r>
+            <a:r>
+              <a:rPr lang="en-US" dirty="0"/>
+              <a:t>Account</a:t>
             </a:r>
           </a:p>
         </p:txBody>
@@ -28914,8 +32042,8 @@
         </p:blipFill>
         <p:spPr>
           <a:xfrm>
-            <a:off x="6370637" y="1820862"/>
-            <a:ext cx="5028571" cy="2257143"/>
+            <a:off x="274640" y="1668462"/>
+            <a:ext cx="4952998" cy="1600200"/>
           </a:xfrm>
           <a:prstGeom prst="rect">
             <a:avLst/>
@@ -28925,7 +32053,7 @@
     </p:spTree>
     <p:extLst>
       <p:ext uri="{BB962C8B-B14F-4D97-AF65-F5344CB8AC3E}">
-        <p14:creationId xmlns:p14="http://schemas.microsoft.com/office/powerpoint/2010/main" val="1557109361"/>
+        <p14:creationId xmlns:p14="http://schemas.microsoft.com/office/powerpoint/2010/main" val="939181562"/>
       </p:ext>
     </p:extLst>
   </p:cSld>
@@ -28966,111 +32094,75 @@
       </p:grpSpPr>
       <p:sp>
         <p:nvSpPr>
-          <p:cNvPr id="2" name="Text Placeholder 1"/>
-          <p:cNvSpPr>
-            <a:spLocks noGrp="1"/>
-          </p:cNvSpPr>
-          <p:nvPr>
-            <p:ph type="body" sz="quarter" idx="15"/>
+          <p:cNvPr id="3" name="Title 2"/>
+          <p:cNvSpPr>
+            <a:spLocks noGrp="1"/>
+          </p:cNvSpPr>
+          <p:nvPr>
+            <p:ph type="title"/>
+          </p:nvPr>
+        </p:nvSpPr>
+        <p:spPr/>
+        <p:txBody>
+          <a:bodyPr/>
+          <a:lstStyle/>
+          <a:p>
+            <a:r>
+              <a:rPr lang="en-US" dirty="0" smtClean="0"/>
+              <a:t>Create Local account and Link</a:t>
+            </a:r>
+            <a:endParaRPr lang="en-US" dirty="0"/>
+          </a:p>
+        </p:txBody>
+      </p:sp>
+      <p:sp>
+        <p:nvSpPr>
+          <p:cNvPr id="8" name="Text Placeholder 1"/>
+          <p:cNvSpPr>
+            <a:spLocks noGrp="1"/>
+          </p:cNvSpPr>
+          <p:nvPr>
+            <p:ph type="body" sz="quarter" idx="4294967295"/>
           </p:nvPr>
         </p:nvSpPr>
         <p:spPr>
           <a:xfrm>
-            <a:off x="5761037" y="1973262"/>
-            <a:ext cx="5865037" cy="3505200"/>
+            <a:off x="274640" y="1820862"/>
+            <a:ext cx="6248398" cy="4739759"/>
           </a:xfrm>
+          <a:prstGeom prst="rect">
+            <a:avLst/>
+          </a:prstGeom>
         </p:spPr>
         <p:txBody>
           <a:bodyPr/>
           <a:lstStyle/>
           <a:p>
-            <a:pPr marL="571500" indent="-571500">
-              <a:buFont typeface="Arial" panose="020B0604020202020204" pitchFamily="34" charset="0"/>
-              <a:buChar char="•"/>
-            </a:pPr>
-            <a:r>
-              <a:rPr lang="en-US" dirty="0"/>
-              <a:t>Click the </a:t>
-            </a:r>
-            <a:r>
-              <a:rPr lang="en-US" b="1" dirty="0"/>
-              <a:t>Re-Sign Up</a:t>
-            </a:r>
-            <a:r>
-              <a:rPr lang="en-US" dirty="0"/>
-              <a:t> button to re-sign up the tenant (need to login again).</a:t>
-            </a:r>
-          </a:p>
-          <a:p>
-            <a:pPr marL="571500" indent="-571500">
-              <a:buFont typeface="Arial" panose="020B0604020202020204" pitchFamily="34" charset="0"/>
-              <a:buChar char="•"/>
-            </a:pPr>
-            <a:r>
-              <a:rPr lang="en-US" dirty="0"/>
-              <a:t>Click the </a:t>
-            </a:r>
-            <a:r>
-              <a:rPr lang="en-US" b="1" dirty="0"/>
-              <a:t>Manage Linked Accounts</a:t>
-            </a:r>
-            <a:r>
-              <a:rPr lang="en-US" dirty="0"/>
-              <a:t> button to view/unlink accounts.</a:t>
-            </a:r>
-          </a:p>
-          <a:p>
-            <a:pPr marL="571500" indent="-571500">
-              <a:buFont typeface="Arial" panose="020B0604020202020204" pitchFamily="34" charset="0"/>
-              <a:buChar char="•"/>
-            </a:pPr>
-            <a:r>
-              <a:rPr lang="en-US" dirty="0"/>
-              <a:t>Click the </a:t>
-            </a:r>
-            <a:r>
-              <a:rPr lang="en-US" b="1" dirty="0"/>
-              <a:t>Install App</a:t>
-            </a:r>
-            <a:r>
-              <a:rPr lang="en-US" dirty="0"/>
-              <a:t> button to install the App in an Office 365 tenancy.</a:t>
-            </a:r>
-          </a:p>
-          <a:p>
-            <a:pPr marL="571500" indent="-571500">
-              <a:buFont typeface="Arial" panose="020B0604020202020204" pitchFamily="34" charset="0"/>
-              <a:buChar char="•"/>
-            </a:pPr>
+            <a:r>
+              <a:rPr lang="en-US" dirty="0" smtClean="0"/>
+              <a:t>If there’s no local account admin can create a new local account and then link.</a:t>
+            </a:r>
+          </a:p>
+          <a:p>
+            <a:r>
+              <a:rPr lang="en-US" dirty="0" smtClean="0"/>
+              <a:t>Input password and confirm password and then click </a:t>
+            </a:r>
+            <a:r>
+              <a:rPr lang="en-US" b="1" dirty="0" smtClean="0"/>
+              <a:t>Create and Link</a:t>
+            </a:r>
+            <a:r>
+              <a:rPr lang="en-US" dirty="0" smtClean="0"/>
+              <a:t> button.</a:t>
+            </a:r>
             <a:endParaRPr lang="en-US" dirty="0"/>
-          </a:p>
-        </p:txBody>
-      </p:sp>
-      <p:sp>
-        <p:nvSpPr>
-          <p:cNvPr id="3" name="Title 2"/>
-          <p:cNvSpPr>
-            <a:spLocks noGrp="1"/>
-          </p:cNvSpPr>
-          <p:nvPr>
-            <p:ph type="title"/>
-          </p:nvPr>
-        </p:nvSpPr>
-        <p:spPr/>
-        <p:txBody>
-          <a:bodyPr/>
-          <a:lstStyle/>
-          <a:p>
-            <a:r>
-              <a:rPr lang="en-US" dirty="0"/>
-              <a:t>Admin Panel</a:t>
-            </a:r>
           </a:p>
         </p:txBody>
       </p:sp>
       <p:pic>
         <p:nvPicPr>
-          <p:cNvPr id="4" name="Picture 3"/>
+          <p:cNvPr id="2" name="Picture 1"/>
           <p:cNvPicPr>
             <a:picLocks noChangeAspect="1"/>
           </p:cNvPicPr>
@@ -29084,8 +32176,8 @@
         </p:blipFill>
         <p:spPr>
           <a:xfrm>
-            <a:off x="427037" y="1668462"/>
-            <a:ext cx="5254564" cy="3581400"/>
+            <a:off x="6370637" y="1592262"/>
+            <a:ext cx="5580952" cy="3952381"/>
           </a:xfrm>
           <a:prstGeom prst="rect">
             <a:avLst/>
@@ -29095,7 +32187,7 @@
     </p:spTree>
     <p:extLst>
       <p:ext uri="{BB962C8B-B14F-4D97-AF65-F5344CB8AC3E}">
-        <p14:creationId xmlns:p14="http://schemas.microsoft.com/office/powerpoint/2010/main" val="1187192620"/>
+        <p14:creationId xmlns:p14="http://schemas.microsoft.com/office/powerpoint/2010/main" val="4154162200"/>
       </p:ext>
     </p:extLst>
   </p:cSld>
@@ -30562,21 +33654,6 @@
 </file>
 
 <file path=customXml/item1.xml><?xml version="1.0" encoding="utf-8"?>
-<p:properties xmlns:p="http://schemas.microsoft.com/office/2006/metadata/properties" xmlns:xsi="http://www.w3.org/2001/XMLSchema-instance" xmlns:pc="http://schemas.microsoft.com/office/infopath/2007/PartnerControls">
-  <documentManagement/>
-</p:properties>
-</file>
-
-<file path=customXml/item2.xml><?xml version="1.0" encoding="utf-8"?>
-<?mso-contentType ?>
-<FormTemplates xmlns="http://schemas.microsoft.com/sharepoint/v3/contenttype/forms">
-  <Display>DocumentLibraryForm</Display>
-  <Edit>DocumentLibraryForm</Edit>
-  <New>DocumentLibraryForm</New>
-</FormTemplates>
-</file>
-
-<file path=customXml/item3.xml><?xml version="1.0" encoding="utf-8"?>
 <ct:contentTypeSchema xmlns:ct="http://schemas.microsoft.com/office/2006/metadata/contentType" xmlns:ma="http://schemas.microsoft.com/office/2006/metadata/properties/metaAttributes" ct:_="" ma:_="" ma:contentTypeName="Document" ma:contentTypeID="0x01010053433B08FA9EE742BB667ECEF5AA0226" ma:contentTypeVersion="4" ma:contentTypeDescription="Create a new document." ma:contentTypeScope="" ma:versionID="898350153c3cb7409c9d00c11df4aa1a">
   <xsd:schema xmlns:xsd="http://www.w3.org/2001/XMLSchema" xmlns:xs="http://www.w3.org/2001/XMLSchema" xmlns:p="http://schemas.microsoft.com/office/2006/metadata/properties" xmlns:ns2="09eba053-c572-4474-974d-b0bef0e9174f" targetNamespace="http://schemas.microsoft.com/office/2006/metadata/properties" ma:root="true" ma:fieldsID="f69afda497831ad76ed280df00c0bf48" ns2:_="">
     <xsd:import namespace="09eba053-c572-4474-974d-b0bef0e9174f"/>
@@ -30738,7 +33815,40 @@
 </ct:contentTypeSchema>
 </file>
 
+<file path=customXml/item2.xml><?xml version="1.0" encoding="utf-8"?>
+<p:properties xmlns:p="http://schemas.microsoft.com/office/2006/metadata/properties" xmlns:xsi="http://www.w3.org/2001/XMLSchema-instance" xmlns:pc="http://schemas.microsoft.com/office/infopath/2007/PartnerControls">
+  <documentManagement/>
+</p:properties>
+</file>
+
+<file path=customXml/item3.xml><?xml version="1.0" encoding="utf-8"?>
+<?mso-contentType ?>
+<FormTemplates xmlns="http://schemas.microsoft.com/sharepoint/v3/contenttype/forms">
+  <Display>DocumentLibraryForm</Display>
+  <Edit>DocumentLibraryForm</Edit>
+  <New>DocumentLibraryForm</New>
+</FormTemplates>
+</file>
+
 <file path=customXml/itemProps1.xml><?xml version="1.0" encoding="utf-8"?>
+<ds:datastoreItem xmlns:ds="http://schemas.openxmlformats.org/officeDocument/2006/customXml" ds:itemID="{55F7FE33-E5CA-47B4-B8F6-126891A96CF6}">
+  <ds:schemaRefs>
+    <ds:schemaRef ds:uri="http://schemas.microsoft.com/office/2006/metadata/contentType"/>
+    <ds:schemaRef ds:uri="http://schemas.microsoft.com/office/2006/metadata/properties/metaAttributes"/>
+    <ds:schemaRef ds:uri="http://www.w3.org/2001/XMLSchema"/>
+    <ds:schemaRef ds:uri="http://schemas.microsoft.com/office/2006/metadata/properties"/>
+    <ds:schemaRef ds:uri="09eba053-c572-4474-974d-b0bef0e9174f"/>
+    <ds:schemaRef ds:uri="http://schemas.microsoft.com/office/2006/documentManagement/types"/>
+    <ds:schemaRef ds:uri="http://schemas.microsoft.com/office/infopath/2007/PartnerControls"/>
+    <ds:schemaRef ds:uri="http://schemas.openxmlformats.org/package/2006/metadata/core-properties"/>
+    <ds:schemaRef ds:uri="http://purl.org/dc/elements/1.1/"/>
+    <ds:schemaRef ds:uri="http://purl.org/dc/terms/"/>
+    <ds:schemaRef ds:uri="http://schemas.microsoft.com/internal/obd"/>
+  </ds:schemaRefs>
+</ds:datastoreItem>
+</file>
+
+<file path=customXml/itemProps2.xml><?xml version="1.0" encoding="utf-8"?>
 <ds:datastoreItem xmlns:ds="http://schemas.openxmlformats.org/officeDocument/2006/customXml" ds:itemID="{479EF7F2-79F0-4950-9137-4016BE64CE46}">
   <ds:schemaRefs>
     <ds:schemaRef ds:uri="http://schemas.openxmlformats.org/package/2006/metadata/core-properties"/>
@@ -30754,28 +33864,10 @@
 </ds:datastoreItem>
 </file>
 
-<file path=customXml/itemProps2.xml><?xml version="1.0" encoding="utf-8"?>
+<file path=customXml/itemProps3.xml><?xml version="1.0" encoding="utf-8"?>
 <ds:datastoreItem xmlns:ds="http://schemas.openxmlformats.org/officeDocument/2006/customXml" ds:itemID="{41543473-98BF-41A8-AEE8-AF1C274C4DD8}">
   <ds:schemaRefs>
     <ds:schemaRef ds:uri="http://schemas.microsoft.com/sharepoint/v3/contenttype/forms"/>
   </ds:schemaRefs>
 </ds:datastoreItem>
-</file>
-
-<file path=customXml/itemProps3.xml><?xml version="1.0" encoding="utf-8"?>
-<ds:datastoreItem xmlns:ds="http://schemas.openxmlformats.org/officeDocument/2006/customXml" ds:itemID="{55F7FE33-E5CA-47B4-B8F6-126891A96CF6}">
-  <ds:schemaRefs>
-    <ds:schemaRef ds:uri="http://schemas.microsoft.com/office/2006/metadata/contentType"/>
-    <ds:schemaRef ds:uri="http://schemas.microsoft.com/office/2006/metadata/properties/metaAttributes"/>
-    <ds:schemaRef ds:uri="http://www.w3.org/2001/XMLSchema"/>
-    <ds:schemaRef ds:uri="http://schemas.microsoft.com/office/2006/metadata/properties"/>
-    <ds:schemaRef ds:uri="09eba053-c572-4474-974d-b0bef0e9174f"/>
-    <ds:schemaRef ds:uri="http://schemas.microsoft.com/office/2006/documentManagement/types"/>
-    <ds:schemaRef ds:uri="http://schemas.microsoft.com/office/infopath/2007/PartnerControls"/>
-    <ds:schemaRef ds:uri="http://schemas.openxmlformats.org/package/2006/metadata/core-properties"/>
-    <ds:schemaRef ds:uri="http://purl.org/dc/elements/1.1/"/>
-    <ds:schemaRef ds:uri="http://purl.org/dc/terms/"/>
-    <ds:schemaRef ds:uri="http://schemas.microsoft.com/internal/obd"/>
-  </ds:schemaRefs>
-</ds:datastoreItem>
 </file>